--- a/Part 3/WiX Part 3.pptx
+++ b/Part 3/WiX Part 3.pptx
@@ -7609,11 +7609,7 @@
           <a:p>
             <a:r>
               <a:rPr lang="en-US" sz="6000" dirty="0" smtClean="0"/>
-              <a:t>Part </a:t>
-            </a:r>
-            <a:r>
-              <a:rPr lang="en-US" sz="6000" dirty="0" smtClean="0"/>
-              <a:t>3</a:t>
+              <a:t>Part 3</a:t>
             </a:r>
             <a:endParaRPr lang="ru-RU" sz="6000" dirty="0"/>
           </a:p>
@@ -7701,7 +7697,7 @@
         <p:spPr>
           <a:xfrm>
             <a:off x="713449" y="344617"/>
-            <a:ext cx="3433953" cy="523220"/>
+            <a:ext cx="1463862" cy="523220"/>
           </a:xfrm>
           <a:prstGeom prst="rect">
             <a:avLst/>
@@ -7715,7 +7711,7 @@
           <a:p>
             <a:r>
               <a:rPr lang="en-US" sz="2800" dirty="0" smtClean="0"/>
-              <a:t>Installer for website</a:t>
+              <a:t>Content</a:t>
             </a:r>
             <a:endParaRPr lang="ru-RU" sz="2800" dirty="0"/>
           </a:p>
@@ -7730,7 +7726,7 @@
         <p:spPr>
           <a:xfrm>
             <a:off x="1136824" y="867837"/>
-            <a:ext cx="4467890" cy="1754326"/>
+            <a:ext cx="4467890" cy="2585323"/>
           </a:xfrm>
           <a:prstGeom prst="rect">
             <a:avLst/>
@@ -7778,13 +7774,8 @@
             </a:pPr>
             <a:r>
               <a:rPr lang="en-US" dirty="0" smtClean="0"/>
-              <a:t>Modifying </a:t>
-            </a:r>
-            <a:r>
-              <a:rPr lang="en-US" dirty="0" err="1" smtClean="0"/>
-              <a:t>Web.config</a:t>
-            </a:r>
-            <a:endParaRPr lang="en-US" smtClean="0"/>
+              <a:t>Modifying XML files</a:t>
+            </a:r>
           </a:p>
           <a:p>
             <a:pPr marL="285750" indent="-285750">
@@ -7794,7 +7785,40 @@
               <a:buFont typeface="Arial" panose="020B0604020202020204" pitchFamily="34" charset="0"/>
               <a:buChar char="•"/>
             </a:pPr>
-            <a:endParaRPr lang="en-US" dirty="0" smtClean="0"/>
+            <a:r>
+              <a:rPr lang="en-US" dirty="0" smtClean="0"/>
+              <a:t>Creating custom UI windows</a:t>
+            </a:r>
+          </a:p>
+          <a:p>
+            <a:pPr marL="285750" indent="-285750">
+              <a:lnSpc>
+                <a:spcPct val="150000"/>
+              </a:lnSpc>
+              <a:buFont typeface="Arial" panose="020B0604020202020204" pitchFamily="34" charset="0"/>
+              <a:buChar char="•"/>
+            </a:pPr>
+            <a:r>
+              <a:rPr lang="en-US" dirty="0" smtClean="0"/>
+              <a:t>Modifying built-in UI</a:t>
+            </a:r>
+          </a:p>
+          <a:p>
+            <a:pPr marL="285750" indent="-285750">
+              <a:lnSpc>
+                <a:spcPct val="150000"/>
+              </a:lnSpc>
+              <a:buFont typeface="Arial" panose="020B0604020202020204" pitchFamily="34" charset="0"/>
+              <a:buChar char="•"/>
+            </a:pPr>
+            <a:r>
+              <a:rPr lang="en-US" dirty="0" smtClean="0"/>
+              <a:t>Persisting </a:t>
+            </a:r>
+            <a:r>
+              <a:rPr lang="en-US" dirty="0" smtClean="0"/>
+              <a:t>properties pattern</a:t>
+            </a:r>
           </a:p>
         </p:txBody>
       </p:sp>
@@ -7943,6 +7967,153 @@
                                           <p:spTgt spid="7">
                                             <p:txEl>
                                               <p:pRg st="2" end="2"/>
+                                            </p:txEl>
+                                          </p:spTgt>
+                                        </p:tgtEl>
+                                        <p:attrNameLst>
+                                          <p:attrName>style.visibility</p:attrName>
+                                        </p:attrNameLst>
+                                      </p:cBhvr>
+                                      <p:to>
+                                        <p:strVal val="visible"/>
+                                      </p:to>
+                                    </p:set>
+                                  </p:childTnLst>
+                                </p:cTn>
+                              </p:par>
+                            </p:childTnLst>
+                          </p:cTn>
+                        </p:par>
+                      </p:childTnLst>
+                    </p:cTn>
+                  </p:par>
+                  <p:par>
+                    <p:cTn id="15" fill="hold">
+                      <p:stCondLst>
+                        <p:cond delay="indefinite"/>
+                      </p:stCondLst>
+                      <p:childTnLst>
+                        <p:par>
+                          <p:cTn id="16" fill="hold">
+                            <p:stCondLst>
+                              <p:cond delay="0"/>
+                            </p:stCondLst>
+                            <p:childTnLst>
+                              <p:par>
+                                <p:cTn id="17" presetID="1" presetClass="entr" presetSubtype="0" fill="hold" nodeType="clickEffect">
+                                  <p:stCondLst>
+                                    <p:cond delay="0"/>
+                                  </p:stCondLst>
+                                  <p:childTnLst>
+                                    <p:set>
+                                      <p:cBhvr>
+                                        <p:cTn id="18" dur="1" fill="hold">
+                                          <p:stCondLst>
+                                            <p:cond delay="0"/>
+                                          </p:stCondLst>
+                                        </p:cTn>
+                                        <p:tgtEl>
+                                          <p:spTgt spid="7">
+                                            <p:txEl>
+                                              <p:pRg st="3" end="3"/>
+                                            </p:txEl>
+                                          </p:spTgt>
+                                        </p:tgtEl>
+                                        <p:attrNameLst>
+                                          <p:attrName>style.visibility</p:attrName>
+                                        </p:attrNameLst>
+                                      </p:cBhvr>
+                                      <p:to>
+                                        <p:strVal val="visible"/>
+                                      </p:to>
+                                    </p:set>
+                                  </p:childTnLst>
+                                </p:cTn>
+                              </p:par>
+                            </p:childTnLst>
+                          </p:cTn>
+                        </p:par>
+                      </p:childTnLst>
+                    </p:cTn>
+                  </p:par>
+                  <p:par>
+                    <p:cTn id="19" fill="hold">
+                      <p:stCondLst>
+                        <p:cond delay="indefinite"/>
+                      </p:stCondLst>
+                      <p:childTnLst>
+                        <p:par>
+                          <p:cTn id="20" fill="hold">
+                            <p:stCondLst>
+                              <p:cond delay="0"/>
+                            </p:stCondLst>
+                            <p:childTnLst>
+                              <p:par>
+                                <p:cTn id="21" presetID="1" presetClass="entr" presetSubtype="0" fill="hold" nodeType="clickEffect">
+                                  <p:stCondLst>
+                                    <p:cond delay="0"/>
+                                  </p:stCondLst>
+                                  <p:childTnLst>
+                                    <p:set>
+                                      <p:cBhvr>
+                                        <p:cTn id="22" dur="1" fill="hold">
+                                          <p:stCondLst>
+                                            <p:cond delay="0"/>
+                                          </p:stCondLst>
+                                        </p:cTn>
+                                        <p:tgtEl>
+                                          <p:spTgt spid="7">
+                                            <p:txEl>
+                                              <p:pRg st="4" end="4"/>
+                                            </p:txEl>
+                                          </p:spTgt>
+                                        </p:tgtEl>
+                                        <p:attrNameLst>
+                                          <p:attrName>style.visibility</p:attrName>
+                                        </p:attrNameLst>
+                                      </p:cBhvr>
+                                      <p:to>
+                                        <p:strVal val="visible"/>
+                                      </p:to>
+                                    </p:set>
+                                  </p:childTnLst>
+                                </p:cTn>
+                              </p:par>
+                            </p:childTnLst>
+                          </p:cTn>
+                        </p:par>
+                      </p:childTnLst>
+                    </p:cTn>
+                  </p:par>
+                  <p:par>
+                    <p:cTn id="23" fill="hold">
+                      <p:stCondLst>
+                        <p:cond delay="indefinite"/>
+                      </p:stCondLst>
+                      <p:childTnLst>
+                        <p:par>
+                          <p:cTn id="24" fill="hold">
+                            <p:stCondLst>
+                              <p:cond delay="0"/>
+                            </p:stCondLst>
+                            <p:childTnLst>
+                              <p:par>
+                                <p:cTn id="25" presetID="1" presetClass="entr" presetSubtype="0" fill="hold" nodeType="clickEffect">
+                                  <p:stCondLst>
+                                    <p:cond delay="0"/>
+                                  </p:stCondLst>
+                                  <p:childTnLst>
+                                    <p:set>
+                                      <p:cBhvr>
+                                        <p:cTn id="26" dur="1" fill="hold">
+                                          <p:stCondLst>
+                                            <p:cond delay="0"/>
+                                          </p:stCondLst>
+                                        </p:cTn>
+                                        <p:tgtEl>
+                                          <p:spTgt spid="7">
+                                            <p:txEl>
+                                              <p:pRg st="5" end="5"/>
                                             </p:txEl>
                                           </p:spTgt>
                                         </p:tgtEl>

--- a/Part 3/WiX Part 3.pptx
+++ b/Part 3/WiX Part 3.pptx
@@ -205,7 +205,7 @@
           <a:p>
             <a:fld id="{BE6FE14A-16AB-4C40-A7D8-3F677DBFF089}" type="datetimeFigureOut">
               <a:rPr lang="ru-RU" smtClean="0"/>
-              <a:t>07.01.2016</a:t>
+              <a:t>10.01.2016</a:t>
             </a:fld>
             <a:endParaRPr lang="ru-RU" dirty="0"/>
           </a:p>
@@ -370,7 +370,7 @@
           <a:p>
             <a:fld id="{C15A5BB7-EDD2-4B8D-93DB-AF0055258AEF}" type="datetimeFigureOut">
               <a:rPr lang="ru-RU" smtClean="0"/>
-              <a:t>07.01.2016</a:t>
+              <a:t>10.01.2016</a:t>
             </a:fld>
             <a:endParaRPr lang="ru-RU" dirty="0"/>
           </a:p>
@@ -1707,7 +1707,7 @@
           <a:p>
             <a:fld id="{FF11F0EC-4F60-4544-9956-271209A740FE}" type="datetimeFigureOut">
               <a:rPr lang="ru-RU" smtClean="0"/>
-              <a:t>07.01.2016</a:t>
+              <a:t>10.01.2016</a:t>
             </a:fld>
             <a:endParaRPr lang="ru-RU" dirty="0"/>
           </a:p>
@@ -1958,7 +1958,7 @@
           <a:p>
             <a:fld id="{FF11F0EC-4F60-4544-9956-271209A740FE}" type="datetimeFigureOut">
               <a:rPr lang="ru-RU" smtClean="0"/>
-              <a:t>07.01.2016</a:t>
+              <a:t>10.01.2016</a:t>
             </a:fld>
             <a:endParaRPr lang="ru-RU" dirty="0"/>
           </a:p>
@@ -2209,7 +2209,7 @@
           <a:p>
             <a:fld id="{FF11F0EC-4F60-4544-9956-271209A740FE}" type="datetimeFigureOut">
               <a:rPr lang="ru-RU" smtClean="0"/>
-              <a:t>07.01.2016</a:t>
+              <a:t>10.01.2016</a:t>
             </a:fld>
             <a:endParaRPr lang="ru-RU" dirty="0"/>
           </a:p>
@@ -2787,7 +2787,7 @@
           <a:p>
             <a:fld id="{FF11F0EC-4F60-4544-9956-271209A740FE}" type="datetimeFigureOut">
               <a:rPr lang="ru-RU" smtClean="0"/>
-              <a:t>07.01.2016</a:t>
+              <a:t>10.01.2016</a:t>
             </a:fld>
             <a:endParaRPr lang="ru-RU" dirty="0"/>
           </a:p>
@@ -3038,7 +3038,7 @@
           <a:p>
             <a:fld id="{FF11F0EC-4F60-4544-9956-271209A740FE}" type="datetimeFigureOut">
               <a:rPr lang="ru-RU" smtClean="0"/>
-              <a:t>07.01.2016</a:t>
+              <a:t>10.01.2016</a:t>
             </a:fld>
             <a:endParaRPr lang="ru-RU" dirty="0"/>
           </a:p>
@@ -3616,7 +3616,7 @@
           <a:p>
             <a:fld id="{FF11F0EC-4F60-4544-9956-271209A740FE}" type="datetimeFigureOut">
               <a:rPr lang="ru-RU" smtClean="0"/>
-              <a:t>07.01.2016</a:t>
+              <a:t>10.01.2016</a:t>
             </a:fld>
             <a:endParaRPr lang="ru-RU" dirty="0"/>
           </a:p>
@@ -3846,7 +3846,7 @@
           <a:p>
             <a:fld id="{FF11F0EC-4F60-4544-9956-271209A740FE}" type="datetimeFigureOut">
               <a:rPr lang="ru-RU" smtClean="0"/>
-              <a:t>07.01.2016</a:t>
+              <a:t>10.01.2016</a:t>
             </a:fld>
             <a:endParaRPr lang="ru-RU" dirty="0"/>
           </a:p>
@@ -4026,7 +4026,7 @@
           <a:p>
             <a:fld id="{FF11F0EC-4F60-4544-9956-271209A740FE}" type="datetimeFigureOut">
               <a:rPr lang="ru-RU" smtClean="0"/>
-              <a:t>07.01.2016</a:t>
+              <a:t>10.01.2016</a:t>
             </a:fld>
             <a:endParaRPr lang="ru-RU" dirty="0"/>
           </a:p>
@@ -4202,7 +4202,7 @@
           <a:p>
             <a:fld id="{FF11F0EC-4F60-4544-9956-271209A740FE}" type="datetimeFigureOut">
               <a:rPr lang="ru-RU" smtClean="0"/>
-              <a:t>07.01.2016</a:t>
+              <a:t>10.01.2016</a:t>
             </a:fld>
             <a:endParaRPr lang="ru-RU" dirty="0"/>
           </a:p>
@@ -4449,7 +4449,7 @@
           <a:p>
             <a:fld id="{FF11F0EC-4F60-4544-9956-271209A740FE}" type="datetimeFigureOut">
               <a:rPr lang="ru-RU" smtClean="0"/>
-              <a:t>07.01.2016</a:t>
+              <a:t>10.01.2016</a:t>
             </a:fld>
             <a:endParaRPr lang="ru-RU" dirty="0"/>
           </a:p>
@@ -4681,7 +4681,7 @@
           <a:p>
             <a:fld id="{FF11F0EC-4F60-4544-9956-271209A740FE}" type="datetimeFigureOut">
               <a:rPr lang="ru-RU" smtClean="0"/>
-              <a:t>07.01.2016</a:t>
+              <a:t>10.01.2016</a:t>
             </a:fld>
             <a:endParaRPr lang="ru-RU" dirty="0"/>
           </a:p>
@@ -5055,7 +5055,7 @@
           <a:p>
             <a:fld id="{FF11F0EC-4F60-4544-9956-271209A740FE}" type="datetimeFigureOut">
               <a:rPr lang="ru-RU" smtClean="0"/>
-              <a:t>07.01.2016</a:t>
+              <a:t>10.01.2016</a:t>
             </a:fld>
             <a:endParaRPr lang="ru-RU" dirty="0"/>
           </a:p>
@@ -5178,7 +5178,7 @@
           <a:p>
             <a:fld id="{FF11F0EC-4F60-4544-9956-271209A740FE}" type="datetimeFigureOut">
               <a:rPr lang="ru-RU" smtClean="0"/>
-              <a:t>07.01.2016</a:t>
+              <a:t>10.01.2016</a:t>
             </a:fld>
             <a:endParaRPr lang="ru-RU" dirty="0"/>
           </a:p>
@@ -5273,7 +5273,7 @@
           <a:p>
             <a:fld id="{FF11F0EC-4F60-4544-9956-271209A740FE}" type="datetimeFigureOut">
               <a:rPr lang="ru-RU" smtClean="0"/>
-              <a:t>07.01.2016</a:t>
+              <a:t>10.01.2016</a:t>
             </a:fld>
             <a:endParaRPr lang="ru-RU" dirty="0"/>
           </a:p>
@@ -5528,7 +5528,7 @@
           <a:p>
             <a:fld id="{FF11F0EC-4F60-4544-9956-271209A740FE}" type="datetimeFigureOut">
               <a:rPr lang="ru-RU" smtClean="0"/>
-              <a:t>07.01.2016</a:t>
+              <a:t>10.01.2016</a:t>
             </a:fld>
             <a:endParaRPr lang="ru-RU" dirty="0"/>
           </a:p>
@@ -5791,7 +5791,7 @@
           <a:p>
             <a:fld id="{FF11F0EC-4F60-4544-9956-271209A740FE}" type="datetimeFigureOut">
               <a:rPr lang="ru-RU" smtClean="0"/>
-              <a:t>07.01.2016</a:t>
+              <a:t>10.01.2016</a:t>
             </a:fld>
             <a:endParaRPr lang="ru-RU" dirty="0"/>
           </a:p>
@@ -6875,7 +6875,7 @@
           <a:p>
             <a:fld id="{FF11F0EC-4F60-4544-9956-271209A740FE}" type="datetimeFigureOut">
               <a:rPr lang="ru-RU" smtClean="0"/>
-              <a:t>07.01.2016</a:t>
+              <a:t>10.01.2016</a:t>
             </a:fld>
             <a:endParaRPr lang="ru-RU" dirty="0"/>
           </a:p>
@@ -7726,7 +7726,7 @@
         <p:spPr>
           <a:xfrm>
             <a:off x="1136824" y="867837"/>
-            <a:ext cx="4467890" cy="2585323"/>
+            <a:ext cx="4467890" cy="3000821"/>
           </a:xfrm>
           <a:prstGeom prst="rect">
             <a:avLst/>
@@ -7761,7 +7761,11 @@
             </a:pPr>
             <a:r>
               <a:rPr lang="en-US" dirty="0" smtClean="0"/>
-              <a:t>Creating website on the IIS</a:t>
+              <a:t>Creating website on the </a:t>
+            </a:r>
+            <a:r>
+              <a:rPr lang="en-US" dirty="0" smtClean="0"/>
+              <a:t>IIS</a:t>
             </a:r>
           </a:p>
           <a:p>
@@ -7774,8 +7778,9 @@
             </a:pPr>
             <a:r>
               <a:rPr lang="en-US" dirty="0" smtClean="0"/>
-              <a:t>Modifying XML files</a:t>
-            </a:r>
+              <a:t>ICE Validation</a:t>
+            </a:r>
+            <a:endParaRPr lang="en-US" dirty="0" smtClean="0"/>
           </a:p>
           <a:p>
             <a:pPr marL="285750" indent="-285750">
@@ -7787,7 +7792,7 @@
             </a:pPr>
             <a:r>
               <a:rPr lang="en-US" dirty="0" smtClean="0"/>
-              <a:t>Creating custom UI windows</a:t>
+              <a:t>Modifying XML files</a:t>
             </a:r>
           </a:p>
           <a:p>
@@ -7800,7 +7805,7 @@
             </a:pPr>
             <a:r>
               <a:rPr lang="en-US" dirty="0" smtClean="0"/>
-              <a:t>Modifying built-in UI</a:t>
+              <a:t>Creating custom UI windows</a:t>
             </a:r>
           </a:p>
           <a:p>
@@ -7813,11 +7818,20 @@
             </a:pPr>
             <a:r>
               <a:rPr lang="en-US" dirty="0" smtClean="0"/>
-              <a:t>Persisting </a:t>
-            </a:r>
+              <a:t>Modifying built-in UI</a:t>
+            </a:r>
+          </a:p>
+          <a:p>
+            <a:pPr marL="285750" indent="-285750">
+              <a:lnSpc>
+                <a:spcPct val="150000"/>
+              </a:lnSpc>
+              <a:buFont typeface="Arial" panose="020B0604020202020204" pitchFamily="34" charset="0"/>
+              <a:buChar char="•"/>
+            </a:pPr>
             <a:r>
               <a:rPr lang="en-US" dirty="0" smtClean="0"/>
-              <a:t>properties pattern</a:t>
+              <a:t>Persisting properties pattern</a:t>
             </a:r>
           </a:p>
         </p:txBody>
@@ -8114,6 +8128,55 @@
                                           <p:spTgt spid="7">
                                             <p:txEl>
                                               <p:pRg st="5" end="5"/>
+                                            </p:txEl>
+                                          </p:spTgt>
+                                        </p:tgtEl>
+                                        <p:attrNameLst>
+                                          <p:attrName>style.visibility</p:attrName>
+                                        </p:attrNameLst>
+                                      </p:cBhvr>
+                                      <p:to>
+                                        <p:strVal val="visible"/>
+                                      </p:to>
+                                    </p:set>
+                                  </p:childTnLst>
+                                </p:cTn>
+                              </p:par>
+                            </p:childTnLst>
+                          </p:cTn>
+                        </p:par>
+                      </p:childTnLst>
+                    </p:cTn>
+                  </p:par>
+                  <p:par>
+                    <p:cTn id="27" fill="hold">
+                      <p:stCondLst>
+                        <p:cond delay="indefinite"/>
+                      </p:stCondLst>
+                      <p:childTnLst>
+                        <p:par>
+                          <p:cTn id="28" fill="hold">
+                            <p:stCondLst>
+                              <p:cond delay="0"/>
+                            </p:stCondLst>
+                            <p:childTnLst>
+                              <p:par>
+                                <p:cTn id="29" presetID="1" presetClass="entr" presetSubtype="0" fill="hold" nodeType="clickEffect">
+                                  <p:stCondLst>
+                                    <p:cond delay="0"/>
+                                  </p:stCondLst>
+                                  <p:childTnLst>
+                                    <p:set>
+                                      <p:cBhvr>
+                                        <p:cTn id="30" dur="1" fill="hold">
+                                          <p:stCondLst>
+                                            <p:cond delay="0"/>
+                                          </p:stCondLst>
+                                        </p:cTn>
+                                        <p:tgtEl>
+                                          <p:spTgt spid="7">
+                                            <p:txEl>
+                                              <p:pRg st="6" end="6"/>
                                             </p:txEl>
                                           </p:spTgt>
                                         </p:tgtEl>

--- a/Part 3/WiX Part 3.pptx
+++ b/Part 3/WiX Part 3.pptx
@@ -5,15 +5,18 @@
     <p:sldMasterId id="2147483660" r:id="rId2"/>
   </p:sldMasterIdLst>
   <p:notesMasterIdLst>
-    <p:notesMasterId r:id="rId6"/>
+    <p:notesMasterId r:id="rId9"/>
   </p:notesMasterIdLst>
   <p:handoutMasterIdLst>
-    <p:handoutMasterId r:id="rId7"/>
+    <p:handoutMasterId r:id="rId10"/>
   </p:handoutMasterIdLst>
   <p:sldIdLst>
     <p:sldId id="256" r:id="rId3"/>
     <p:sldId id="261" r:id="rId4"/>
     <p:sldId id="268" r:id="rId5"/>
+    <p:sldId id="269" r:id="rId6"/>
+    <p:sldId id="270" r:id="rId7"/>
+    <p:sldId id="271" r:id="rId8"/>
   </p:sldIdLst>
   <p:sldSz cx="12192000" cy="6858000"/>
   <p:notesSz cx="6858000" cy="9144000"/>
@@ -205,7 +208,7 @@
           <a:p>
             <a:fld id="{BE6FE14A-16AB-4C40-A7D8-3F677DBFF089}" type="datetimeFigureOut">
               <a:rPr lang="ru-RU" smtClean="0"/>
-              <a:t>10.01.2016</a:t>
+              <a:t>16.01.2016</a:t>
             </a:fld>
             <a:endParaRPr lang="ru-RU" dirty="0"/>
           </a:p>
@@ -370,7 +373,7 @@
           <a:p>
             <a:fld id="{C15A5BB7-EDD2-4B8D-93DB-AF0055258AEF}" type="datetimeFigureOut">
               <a:rPr lang="ru-RU" smtClean="0"/>
-              <a:t>10.01.2016</a:t>
+              <a:t>16.01.2016</a:t>
             </a:fld>
             <a:endParaRPr lang="ru-RU" dirty="0"/>
           </a:p>
@@ -1707,7 +1710,7 @@
           <a:p>
             <a:fld id="{FF11F0EC-4F60-4544-9956-271209A740FE}" type="datetimeFigureOut">
               <a:rPr lang="ru-RU" smtClean="0"/>
-              <a:t>10.01.2016</a:t>
+              <a:t>16.01.2016</a:t>
             </a:fld>
             <a:endParaRPr lang="ru-RU" dirty="0"/>
           </a:p>
@@ -1958,7 +1961,7 @@
           <a:p>
             <a:fld id="{FF11F0EC-4F60-4544-9956-271209A740FE}" type="datetimeFigureOut">
               <a:rPr lang="ru-RU" smtClean="0"/>
-              <a:t>10.01.2016</a:t>
+              <a:t>16.01.2016</a:t>
             </a:fld>
             <a:endParaRPr lang="ru-RU" dirty="0"/>
           </a:p>
@@ -2209,7 +2212,7 @@
           <a:p>
             <a:fld id="{FF11F0EC-4F60-4544-9956-271209A740FE}" type="datetimeFigureOut">
               <a:rPr lang="ru-RU" smtClean="0"/>
-              <a:t>10.01.2016</a:t>
+              <a:t>16.01.2016</a:t>
             </a:fld>
             <a:endParaRPr lang="ru-RU" dirty="0"/>
           </a:p>
@@ -2787,7 +2790,7 @@
           <a:p>
             <a:fld id="{FF11F0EC-4F60-4544-9956-271209A740FE}" type="datetimeFigureOut">
               <a:rPr lang="ru-RU" smtClean="0"/>
-              <a:t>10.01.2016</a:t>
+              <a:t>16.01.2016</a:t>
             </a:fld>
             <a:endParaRPr lang="ru-RU" dirty="0"/>
           </a:p>
@@ -3038,7 +3041,7 @@
           <a:p>
             <a:fld id="{FF11F0EC-4F60-4544-9956-271209A740FE}" type="datetimeFigureOut">
               <a:rPr lang="ru-RU" smtClean="0"/>
-              <a:t>10.01.2016</a:t>
+              <a:t>16.01.2016</a:t>
             </a:fld>
             <a:endParaRPr lang="ru-RU" dirty="0"/>
           </a:p>
@@ -3616,7 +3619,7 @@
           <a:p>
             <a:fld id="{FF11F0EC-4F60-4544-9956-271209A740FE}" type="datetimeFigureOut">
               <a:rPr lang="ru-RU" smtClean="0"/>
-              <a:t>10.01.2016</a:t>
+              <a:t>16.01.2016</a:t>
             </a:fld>
             <a:endParaRPr lang="ru-RU" dirty="0"/>
           </a:p>
@@ -3846,7 +3849,7 @@
           <a:p>
             <a:fld id="{FF11F0EC-4F60-4544-9956-271209A740FE}" type="datetimeFigureOut">
               <a:rPr lang="ru-RU" smtClean="0"/>
-              <a:t>10.01.2016</a:t>
+              <a:t>16.01.2016</a:t>
             </a:fld>
             <a:endParaRPr lang="ru-RU" dirty="0"/>
           </a:p>
@@ -4026,7 +4029,7 @@
           <a:p>
             <a:fld id="{FF11F0EC-4F60-4544-9956-271209A740FE}" type="datetimeFigureOut">
               <a:rPr lang="ru-RU" smtClean="0"/>
-              <a:t>10.01.2016</a:t>
+              <a:t>16.01.2016</a:t>
             </a:fld>
             <a:endParaRPr lang="ru-RU" dirty="0"/>
           </a:p>
@@ -4202,7 +4205,7 @@
           <a:p>
             <a:fld id="{FF11F0EC-4F60-4544-9956-271209A740FE}" type="datetimeFigureOut">
               <a:rPr lang="ru-RU" smtClean="0"/>
-              <a:t>10.01.2016</a:t>
+              <a:t>16.01.2016</a:t>
             </a:fld>
             <a:endParaRPr lang="ru-RU" dirty="0"/>
           </a:p>
@@ -4449,7 +4452,7 @@
           <a:p>
             <a:fld id="{FF11F0EC-4F60-4544-9956-271209A740FE}" type="datetimeFigureOut">
               <a:rPr lang="ru-RU" smtClean="0"/>
-              <a:t>10.01.2016</a:t>
+              <a:t>16.01.2016</a:t>
             </a:fld>
             <a:endParaRPr lang="ru-RU" dirty="0"/>
           </a:p>
@@ -4681,7 +4684,7 @@
           <a:p>
             <a:fld id="{FF11F0EC-4F60-4544-9956-271209A740FE}" type="datetimeFigureOut">
               <a:rPr lang="ru-RU" smtClean="0"/>
-              <a:t>10.01.2016</a:t>
+              <a:t>16.01.2016</a:t>
             </a:fld>
             <a:endParaRPr lang="ru-RU" dirty="0"/>
           </a:p>
@@ -5055,7 +5058,7 @@
           <a:p>
             <a:fld id="{FF11F0EC-4F60-4544-9956-271209A740FE}" type="datetimeFigureOut">
               <a:rPr lang="ru-RU" smtClean="0"/>
-              <a:t>10.01.2016</a:t>
+              <a:t>16.01.2016</a:t>
             </a:fld>
             <a:endParaRPr lang="ru-RU" dirty="0"/>
           </a:p>
@@ -5178,7 +5181,7 @@
           <a:p>
             <a:fld id="{FF11F0EC-4F60-4544-9956-271209A740FE}" type="datetimeFigureOut">
               <a:rPr lang="ru-RU" smtClean="0"/>
-              <a:t>10.01.2016</a:t>
+              <a:t>16.01.2016</a:t>
             </a:fld>
             <a:endParaRPr lang="ru-RU" dirty="0"/>
           </a:p>
@@ -5273,7 +5276,7 @@
           <a:p>
             <a:fld id="{FF11F0EC-4F60-4544-9956-271209A740FE}" type="datetimeFigureOut">
               <a:rPr lang="ru-RU" smtClean="0"/>
-              <a:t>10.01.2016</a:t>
+              <a:t>16.01.2016</a:t>
             </a:fld>
             <a:endParaRPr lang="ru-RU" dirty="0"/>
           </a:p>
@@ -5528,7 +5531,7 @@
           <a:p>
             <a:fld id="{FF11F0EC-4F60-4544-9956-271209A740FE}" type="datetimeFigureOut">
               <a:rPr lang="ru-RU" smtClean="0"/>
-              <a:t>10.01.2016</a:t>
+              <a:t>16.01.2016</a:t>
             </a:fld>
             <a:endParaRPr lang="ru-RU" dirty="0"/>
           </a:p>
@@ -5791,7 +5794,7 @@
           <a:p>
             <a:fld id="{FF11F0EC-4F60-4544-9956-271209A740FE}" type="datetimeFigureOut">
               <a:rPr lang="ru-RU" smtClean="0"/>
-              <a:t>10.01.2016</a:t>
+              <a:t>16.01.2016</a:t>
             </a:fld>
             <a:endParaRPr lang="ru-RU" dirty="0"/>
           </a:p>
@@ -6875,7 +6878,7 @@
           <a:p>
             <a:fld id="{FF11F0EC-4F60-4544-9956-271209A740FE}" type="datetimeFigureOut">
               <a:rPr lang="ru-RU" smtClean="0"/>
-              <a:t>10.01.2016</a:t>
+              <a:t>16.01.2016</a:t>
             </a:fld>
             <a:endParaRPr lang="ru-RU" dirty="0"/>
           </a:p>
@@ -7726,7 +7729,7 @@
         <p:spPr>
           <a:xfrm>
             <a:off x="1136824" y="867837"/>
-            <a:ext cx="4467890" cy="3000821"/>
+            <a:ext cx="4467890" cy="3416320"/>
           </a:xfrm>
           <a:prstGeom prst="rect">
             <a:avLst/>
@@ -7778,9 +7781,22 @@
             </a:pPr>
             <a:r>
               <a:rPr lang="en-US" dirty="0" smtClean="0"/>
+              <a:t>Installing Windows Service</a:t>
+            </a:r>
+            <a:endParaRPr lang="en-US" dirty="0" smtClean="0"/>
+          </a:p>
+          <a:p>
+            <a:pPr marL="285750" indent="-285750">
+              <a:lnSpc>
+                <a:spcPct val="150000"/>
+              </a:lnSpc>
+              <a:buFont typeface="Arial" panose="020B0604020202020204" pitchFamily="34" charset="0"/>
+              <a:buChar char="•"/>
+            </a:pPr>
+            <a:r>
+              <a:rPr lang="en-US" dirty="0" smtClean="0"/>
               <a:t>ICE Validation</a:t>
             </a:r>
-            <a:endParaRPr lang="en-US" dirty="0" smtClean="0"/>
           </a:p>
           <a:p>
             <a:pPr marL="285750" indent="-285750">
@@ -8177,6 +8193,6375 @@
                                           <p:spTgt spid="7">
                                             <p:txEl>
                                               <p:pRg st="6" end="6"/>
+                                            </p:txEl>
+                                          </p:spTgt>
+                                        </p:tgtEl>
+                                        <p:attrNameLst>
+                                          <p:attrName>style.visibility</p:attrName>
+                                        </p:attrNameLst>
+                                      </p:cBhvr>
+                                      <p:to>
+                                        <p:strVal val="visible"/>
+                                      </p:to>
+                                    </p:set>
+                                  </p:childTnLst>
+                                </p:cTn>
+                              </p:par>
+                            </p:childTnLst>
+                          </p:cTn>
+                        </p:par>
+                      </p:childTnLst>
+                    </p:cTn>
+                  </p:par>
+                  <p:par>
+                    <p:cTn id="31" fill="hold">
+                      <p:stCondLst>
+                        <p:cond delay="indefinite"/>
+                      </p:stCondLst>
+                      <p:childTnLst>
+                        <p:par>
+                          <p:cTn id="32" fill="hold">
+                            <p:stCondLst>
+                              <p:cond delay="0"/>
+                            </p:stCondLst>
+                            <p:childTnLst>
+                              <p:par>
+                                <p:cTn id="33" presetID="1" presetClass="entr" presetSubtype="0" fill="hold" nodeType="clickEffect">
+                                  <p:stCondLst>
+                                    <p:cond delay="0"/>
+                                  </p:stCondLst>
+                                  <p:childTnLst>
+                                    <p:set>
+                                      <p:cBhvr>
+                                        <p:cTn id="34" dur="1" fill="hold">
+                                          <p:stCondLst>
+                                            <p:cond delay="0"/>
+                                          </p:stCondLst>
+                                        </p:cTn>
+                                        <p:tgtEl>
+                                          <p:spTgt spid="7">
+                                            <p:txEl>
+                                              <p:pRg st="7" end="7"/>
+                                            </p:txEl>
+                                          </p:spTgt>
+                                        </p:tgtEl>
+                                        <p:attrNameLst>
+                                          <p:attrName>style.visibility</p:attrName>
+                                        </p:attrNameLst>
+                                      </p:cBhvr>
+                                      <p:to>
+                                        <p:strVal val="visible"/>
+                                      </p:to>
+                                    </p:set>
+                                  </p:childTnLst>
+                                </p:cTn>
+                              </p:par>
+                            </p:childTnLst>
+                          </p:cTn>
+                        </p:par>
+                      </p:childTnLst>
+                    </p:cTn>
+                  </p:par>
+                </p:childTnLst>
+              </p:cTn>
+              <p:prevCondLst>
+                <p:cond evt="onPrev" delay="0">
+                  <p:tgtEl>
+                    <p:sldTgt/>
+                  </p:tgtEl>
+                </p:cond>
+              </p:prevCondLst>
+              <p:nextCondLst>
+                <p:cond evt="onNext" delay="0">
+                  <p:tgtEl>
+                    <p:sldTgt/>
+                  </p:tgtEl>
+                </p:cond>
+              </p:nextCondLst>
+            </p:seq>
+          </p:childTnLst>
+        </p:cTn>
+      </p:par>
+    </p:tnLst>
+  </p:timing>
+</p:sld>
+</file>
+
+<file path=ppt/slides/slide4.xml><?xml version="1.0" encoding="utf-8"?>
+<p:sld xmlns:a="http://schemas.openxmlformats.org/drawingml/2006/main" xmlns:r="http://schemas.openxmlformats.org/officeDocument/2006/relationships" xmlns:p="http://schemas.openxmlformats.org/presentationml/2006/main">
+  <p:cSld>
+    <p:spTree>
+      <p:nvGrpSpPr>
+        <p:cNvPr id="1" name=""/>
+        <p:cNvGrpSpPr/>
+        <p:nvPr/>
+      </p:nvGrpSpPr>
+      <p:grpSpPr>
+        <a:xfrm>
+          <a:off x="0" y="0"/>
+          <a:ext cx="0" cy="0"/>
+          <a:chOff x="0" y="0"/>
+          <a:chExt cx="0" cy="0"/>
+        </a:xfrm>
+      </p:grpSpPr>
+      <p:sp>
+        <p:nvSpPr>
+          <p:cNvPr id="6" name="Прямоугольник 5"/>
+          <p:cNvSpPr/>
+          <p:nvPr/>
+        </p:nvSpPr>
+        <p:spPr>
+          <a:xfrm>
+            <a:off x="713449" y="344617"/>
+            <a:ext cx="6389891" cy="523220"/>
+          </a:xfrm>
+          <a:prstGeom prst="rect">
+            <a:avLst/>
+          </a:prstGeom>
+        </p:spPr>
+        <p:txBody>
+          <a:bodyPr wrap="none">
+            <a:spAutoFit/>
+          </a:bodyPr>
+          <a:lstStyle/>
+          <a:p>
+            <a:r>
+              <a:rPr lang="en-US" sz="2800" dirty="0"/>
+              <a:t>Harvesting components using heat.exe</a:t>
+            </a:r>
+          </a:p>
+        </p:txBody>
+      </p:sp>
+      <p:sp>
+        <p:nvSpPr>
+          <p:cNvPr id="7" name="TextBox 6"/>
+          <p:cNvSpPr txBox="1"/>
+          <p:nvPr/>
+        </p:nvSpPr>
+        <p:spPr>
+          <a:xfrm>
+            <a:off x="1136824" y="867837"/>
+            <a:ext cx="3073277" cy="2031325"/>
+          </a:xfrm>
+          <a:prstGeom prst="rect">
+            <a:avLst/>
+          </a:prstGeom>
+          <a:noFill/>
+        </p:spPr>
+        <p:txBody>
+          <a:bodyPr wrap="none" rtlCol="0">
+            <a:spAutoFit/>
+          </a:bodyPr>
+          <a:lstStyle/>
+          <a:p>
+            <a:pPr>
+              <a:lnSpc>
+                <a:spcPct val="150000"/>
+              </a:lnSpc>
+            </a:pPr>
+            <a:r>
+              <a:rPr lang="en-US" sz="1200" dirty="0" smtClean="0">
+                <a:latin typeface="Consolas" panose="020B0609020204030204" pitchFamily="49" charset="0"/>
+              </a:rPr>
+              <a:t>heat.exe </a:t>
+            </a:r>
+            <a:r>
+              <a:rPr lang="en-US" sz="1200" dirty="0" err="1">
+                <a:latin typeface="Consolas" panose="020B0609020204030204" pitchFamily="49" charset="0"/>
+              </a:rPr>
+              <a:t>dir</a:t>
+            </a:r>
+            <a:r>
+              <a:rPr lang="en-US" sz="1200" dirty="0">
+                <a:latin typeface="Consolas" panose="020B0609020204030204" pitchFamily="49" charset="0"/>
+              </a:rPr>
+              <a:t> </a:t>
+            </a:r>
+            <a:r>
+              <a:rPr lang="en-US" sz="1200" dirty="0" smtClean="0">
+                <a:latin typeface="Consolas" panose="020B0609020204030204" pitchFamily="49" charset="0"/>
+              </a:rPr>
+              <a:t>C:\MyWebsite</a:t>
+            </a:r>
+          </a:p>
+          <a:p>
+            <a:pPr>
+              <a:lnSpc>
+                <a:spcPct val="150000"/>
+              </a:lnSpc>
+            </a:pPr>
+            <a:r>
+              <a:rPr lang="en-US" sz="1200" dirty="0">
+                <a:latin typeface="Consolas" panose="020B0609020204030204" pitchFamily="49" charset="0"/>
+              </a:rPr>
+              <a:t> </a:t>
+            </a:r>
+            <a:r>
+              <a:rPr lang="en-US" sz="1200" dirty="0" smtClean="0">
+                <a:latin typeface="Consolas" panose="020B0609020204030204" pitchFamily="49" charset="0"/>
+              </a:rPr>
+              <a:t>        -cg </a:t>
+            </a:r>
+            <a:r>
+              <a:rPr lang="en-US" sz="1200" dirty="0" err="1" smtClean="0">
+                <a:latin typeface="Consolas" panose="020B0609020204030204" pitchFamily="49" charset="0"/>
+              </a:rPr>
+              <a:t>WebsiteFilesComponent</a:t>
+            </a:r>
+            <a:endParaRPr lang="en-US" sz="1200" dirty="0">
+              <a:latin typeface="Consolas" panose="020B0609020204030204" pitchFamily="49" charset="0"/>
+            </a:endParaRPr>
+          </a:p>
+          <a:p>
+            <a:pPr>
+              <a:lnSpc>
+                <a:spcPct val="150000"/>
+              </a:lnSpc>
+            </a:pPr>
+            <a:r>
+              <a:rPr lang="en-US" sz="1200" dirty="0" smtClean="0">
+                <a:latin typeface="Consolas" panose="020B0609020204030204" pitchFamily="49" charset="0"/>
+              </a:rPr>
+              <a:t>         -gg –g1</a:t>
+            </a:r>
+          </a:p>
+          <a:p>
+            <a:pPr>
+              <a:lnSpc>
+                <a:spcPct val="150000"/>
+              </a:lnSpc>
+            </a:pPr>
+            <a:r>
+              <a:rPr lang="en-US" sz="1200" dirty="0" smtClean="0">
+                <a:latin typeface="Consolas" panose="020B0609020204030204" pitchFamily="49" charset="0"/>
+              </a:rPr>
+              <a:t>         -</a:t>
+            </a:r>
+            <a:r>
+              <a:rPr lang="en-US" sz="1200" dirty="0" err="1" smtClean="0">
+                <a:latin typeface="Consolas" panose="020B0609020204030204" pitchFamily="49" charset="0"/>
+              </a:rPr>
+              <a:t>sreg</a:t>
+            </a:r>
+            <a:r>
+              <a:rPr lang="en-US" sz="1200" dirty="0" smtClean="0">
+                <a:latin typeface="Consolas" panose="020B0609020204030204" pitchFamily="49" charset="0"/>
+              </a:rPr>
+              <a:t> -</a:t>
+            </a:r>
+            <a:r>
+              <a:rPr lang="en-US" sz="1200" dirty="0" err="1" smtClean="0">
+                <a:latin typeface="Consolas" panose="020B0609020204030204" pitchFamily="49" charset="0"/>
+              </a:rPr>
+              <a:t>sfrag</a:t>
+            </a:r>
+            <a:r>
+              <a:rPr lang="en-US" sz="1200" dirty="0" smtClean="0">
+                <a:latin typeface="Consolas" panose="020B0609020204030204" pitchFamily="49" charset="0"/>
+              </a:rPr>
+              <a:t> -</a:t>
+            </a:r>
+            <a:r>
+              <a:rPr lang="en-US" sz="1200" dirty="0" err="1" smtClean="0">
+                <a:latin typeface="Consolas" panose="020B0609020204030204" pitchFamily="49" charset="0"/>
+              </a:rPr>
+              <a:t>srd</a:t>
+            </a:r>
+            <a:endParaRPr lang="en-US" sz="1200" dirty="0">
+              <a:latin typeface="Consolas" panose="020B0609020204030204" pitchFamily="49" charset="0"/>
+            </a:endParaRPr>
+          </a:p>
+          <a:p>
+            <a:pPr>
+              <a:lnSpc>
+                <a:spcPct val="150000"/>
+              </a:lnSpc>
+            </a:pPr>
+            <a:r>
+              <a:rPr lang="en-US" sz="1200" dirty="0" smtClean="0">
+                <a:latin typeface="Consolas" panose="020B0609020204030204" pitchFamily="49" charset="0"/>
+              </a:rPr>
+              <a:t>         -</a:t>
+            </a:r>
+            <a:r>
+              <a:rPr lang="en-US" sz="1200" dirty="0" err="1" smtClean="0">
+                <a:latin typeface="Consolas" panose="020B0609020204030204" pitchFamily="49" charset="0"/>
+              </a:rPr>
+              <a:t>dr</a:t>
+            </a:r>
+            <a:r>
+              <a:rPr lang="en-US" sz="1200" dirty="0" smtClean="0">
+                <a:latin typeface="Consolas" panose="020B0609020204030204" pitchFamily="49" charset="0"/>
+              </a:rPr>
+              <a:t> INSTALLDIR</a:t>
+            </a:r>
+          </a:p>
+          <a:p>
+            <a:pPr>
+              <a:lnSpc>
+                <a:spcPct val="150000"/>
+              </a:lnSpc>
+            </a:pPr>
+            <a:r>
+              <a:rPr lang="en-US" sz="1200" dirty="0">
+                <a:latin typeface="Consolas" panose="020B0609020204030204" pitchFamily="49" charset="0"/>
+              </a:rPr>
+              <a:t> </a:t>
+            </a:r>
+            <a:r>
+              <a:rPr lang="en-US" sz="1200" dirty="0" smtClean="0">
+                <a:latin typeface="Consolas" panose="020B0609020204030204" pitchFamily="49" charset="0"/>
+              </a:rPr>
+              <a:t>        -</a:t>
+            </a:r>
+            <a:r>
+              <a:rPr lang="en-US" sz="1200" dirty="0" err="1" smtClean="0">
+                <a:latin typeface="Consolas" panose="020B0609020204030204" pitchFamily="49" charset="0"/>
+              </a:rPr>
+              <a:t>var</a:t>
+            </a:r>
+            <a:r>
+              <a:rPr lang="en-US" sz="1200" dirty="0" smtClean="0">
+                <a:latin typeface="Consolas" panose="020B0609020204030204" pitchFamily="49" charset="0"/>
+              </a:rPr>
+              <a:t> </a:t>
+            </a:r>
+            <a:r>
+              <a:rPr lang="en-US" sz="1200" dirty="0" err="1" smtClean="0">
+                <a:latin typeface="Consolas" panose="020B0609020204030204" pitchFamily="49" charset="0"/>
+              </a:rPr>
+              <a:t>var.SourceDir</a:t>
+            </a:r>
+            <a:endParaRPr lang="en-US" sz="1200" dirty="0" smtClean="0">
+              <a:latin typeface="Consolas" panose="020B0609020204030204" pitchFamily="49" charset="0"/>
+            </a:endParaRPr>
+          </a:p>
+          <a:p>
+            <a:pPr>
+              <a:lnSpc>
+                <a:spcPct val="150000"/>
+              </a:lnSpc>
+            </a:pPr>
+            <a:r>
+              <a:rPr lang="en-US" sz="1200" dirty="0">
+                <a:latin typeface="Consolas" panose="020B0609020204030204" pitchFamily="49" charset="0"/>
+              </a:rPr>
+              <a:t> </a:t>
+            </a:r>
+            <a:r>
+              <a:rPr lang="en-US" sz="1200" dirty="0" smtClean="0">
+                <a:latin typeface="Consolas" panose="020B0609020204030204" pitchFamily="49" charset="0"/>
+              </a:rPr>
+              <a:t>        -out C:\111.wxs</a:t>
+            </a:r>
+            <a:endParaRPr lang="en-US" sz="1200" dirty="0" smtClean="0">
+              <a:latin typeface="Consolas" panose="020B0609020204030204" pitchFamily="49" charset="0"/>
+            </a:endParaRPr>
+          </a:p>
+        </p:txBody>
+      </p:sp>
+      <p:sp>
+        <p:nvSpPr>
+          <p:cNvPr id="5" name="TextBox 4"/>
+          <p:cNvSpPr txBox="1"/>
+          <p:nvPr/>
+        </p:nvSpPr>
+        <p:spPr>
+          <a:xfrm>
+            <a:off x="1136824" y="2899162"/>
+            <a:ext cx="6768199" cy="3831818"/>
+          </a:xfrm>
+          <a:prstGeom prst="rect">
+            <a:avLst/>
+          </a:prstGeom>
+          <a:noFill/>
+        </p:spPr>
+        <p:txBody>
+          <a:bodyPr wrap="none" rtlCol="0">
+            <a:spAutoFit/>
+          </a:bodyPr>
+          <a:lstStyle/>
+          <a:p>
+            <a:pPr marL="285750" indent="-285750">
+              <a:lnSpc>
+                <a:spcPct val="150000"/>
+              </a:lnSpc>
+              <a:buFont typeface="Arial" panose="020B0604020202020204" pitchFamily="34" charset="0"/>
+              <a:buChar char="•"/>
+            </a:pPr>
+            <a:r>
+              <a:rPr lang="en-US" dirty="0" err="1" smtClean="0"/>
+              <a:t>dir</a:t>
+            </a:r>
+            <a:r>
+              <a:rPr lang="en-US" dirty="0" smtClean="0"/>
+              <a:t> – harvest a directory</a:t>
+            </a:r>
+          </a:p>
+          <a:p>
+            <a:pPr marL="285750" indent="-285750">
+              <a:lnSpc>
+                <a:spcPct val="150000"/>
+              </a:lnSpc>
+              <a:buFont typeface="Arial" panose="020B0604020202020204" pitchFamily="34" charset="0"/>
+              <a:buChar char="•"/>
+            </a:pPr>
+            <a:r>
+              <a:rPr lang="en-US" dirty="0" smtClean="0"/>
+              <a:t>cg – component group name</a:t>
+            </a:r>
+          </a:p>
+          <a:p>
+            <a:pPr marL="285750" indent="-285750">
+              <a:lnSpc>
+                <a:spcPct val="150000"/>
+              </a:lnSpc>
+              <a:buFont typeface="Arial" panose="020B0604020202020204" pitchFamily="34" charset="0"/>
+              <a:buChar char="•"/>
+            </a:pPr>
+            <a:r>
+              <a:rPr lang="en-US" dirty="0" smtClean="0"/>
+              <a:t>gg – Generate GUIDs</a:t>
+            </a:r>
+            <a:r>
+              <a:rPr lang="en-US" dirty="0"/>
+              <a:t> </a:t>
+            </a:r>
+            <a:r>
+              <a:rPr lang="en-US" dirty="0" smtClean="0"/>
+              <a:t>(g1 – without curly braces)</a:t>
+            </a:r>
+          </a:p>
+          <a:p>
+            <a:pPr marL="285750" indent="-285750">
+              <a:lnSpc>
+                <a:spcPct val="150000"/>
+              </a:lnSpc>
+              <a:buFont typeface="Arial" panose="020B0604020202020204" pitchFamily="34" charset="0"/>
+              <a:buChar char="•"/>
+            </a:pPr>
+            <a:r>
+              <a:rPr lang="en-US" dirty="0" err="1" smtClean="0"/>
+              <a:t>sreg</a:t>
+            </a:r>
+            <a:r>
+              <a:rPr lang="en-US" dirty="0" smtClean="0"/>
+              <a:t> – suppress registry harvesting</a:t>
+            </a:r>
+          </a:p>
+          <a:p>
+            <a:pPr marL="285750" indent="-285750">
+              <a:lnSpc>
+                <a:spcPct val="150000"/>
+              </a:lnSpc>
+              <a:buFont typeface="Arial" panose="020B0604020202020204" pitchFamily="34" charset="0"/>
+              <a:buChar char="•"/>
+            </a:pPr>
+            <a:r>
+              <a:rPr lang="en-US" dirty="0" err="1" smtClean="0"/>
+              <a:t>sfrag</a:t>
+            </a:r>
+            <a:r>
+              <a:rPr lang="en-US" dirty="0" smtClean="0"/>
+              <a:t> – suppress generating fragments for each file/directory</a:t>
+            </a:r>
+          </a:p>
+          <a:p>
+            <a:pPr marL="285750" indent="-285750">
+              <a:lnSpc>
+                <a:spcPct val="150000"/>
+              </a:lnSpc>
+              <a:buFont typeface="Arial" panose="020B0604020202020204" pitchFamily="34" charset="0"/>
+              <a:buChar char="•"/>
+            </a:pPr>
+            <a:r>
+              <a:rPr lang="en-US" dirty="0" err="1" smtClean="0"/>
+              <a:t>srd</a:t>
+            </a:r>
+            <a:r>
+              <a:rPr lang="en-US" dirty="0" smtClean="0"/>
+              <a:t> – suppress harvesting the root directory as an element</a:t>
+            </a:r>
+          </a:p>
+          <a:p>
+            <a:pPr marL="285750" indent="-285750">
+              <a:lnSpc>
+                <a:spcPct val="150000"/>
+              </a:lnSpc>
+              <a:buFont typeface="Arial" panose="020B0604020202020204" pitchFamily="34" charset="0"/>
+              <a:buChar char="•"/>
+            </a:pPr>
+            <a:r>
+              <a:rPr lang="en-US" dirty="0" err="1" smtClean="0"/>
+              <a:t>dr</a:t>
+            </a:r>
+            <a:r>
+              <a:rPr lang="en-US" dirty="0" smtClean="0"/>
+              <a:t> – Directory reference</a:t>
+            </a:r>
+          </a:p>
+          <a:p>
+            <a:pPr marL="285750" indent="-285750">
+              <a:lnSpc>
+                <a:spcPct val="150000"/>
+              </a:lnSpc>
+              <a:buFont typeface="Arial" panose="020B0604020202020204" pitchFamily="34" charset="0"/>
+              <a:buChar char="•"/>
+            </a:pPr>
+            <a:r>
+              <a:rPr lang="en-US" dirty="0" err="1" smtClean="0"/>
+              <a:t>var</a:t>
+            </a:r>
+            <a:r>
+              <a:rPr lang="en-US" dirty="0" smtClean="0"/>
+              <a:t> – variable that points to the </a:t>
+            </a:r>
+            <a:r>
+              <a:rPr lang="en-US" dirty="0"/>
+              <a:t>source </a:t>
+            </a:r>
+            <a:r>
+              <a:rPr lang="en-US" dirty="0" smtClean="0"/>
+              <a:t>directory</a:t>
+            </a:r>
+          </a:p>
+          <a:p>
+            <a:pPr marL="285750" indent="-285750">
+              <a:lnSpc>
+                <a:spcPct val="150000"/>
+              </a:lnSpc>
+              <a:buFont typeface="Arial" panose="020B0604020202020204" pitchFamily="34" charset="0"/>
+              <a:buChar char="•"/>
+            </a:pPr>
+            <a:r>
+              <a:rPr lang="en-US" dirty="0" smtClean="0"/>
+              <a:t>out – output file with the generated data</a:t>
+            </a:r>
+          </a:p>
+        </p:txBody>
+      </p:sp>
+      <p:sp>
+        <p:nvSpPr>
+          <p:cNvPr id="3" name="TextBox 2"/>
+          <p:cNvSpPr txBox="1"/>
+          <p:nvPr/>
+        </p:nvSpPr>
+        <p:spPr>
+          <a:xfrm>
+            <a:off x="4887883" y="1560334"/>
+            <a:ext cx="3841116" cy="646331"/>
+          </a:xfrm>
+          <a:prstGeom prst="rect">
+            <a:avLst/>
+          </a:prstGeom>
+          <a:noFill/>
+        </p:spPr>
+        <p:txBody>
+          <a:bodyPr wrap="none" rtlCol="0">
+            <a:spAutoFit/>
+          </a:bodyPr>
+          <a:lstStyle/>
+          <a:p>
+            <a:r>
+              <a:rPr lang="en-US" dirty="0" smtClean="0">
+                <a:solidFill>
+                  <a:srgbClr val="FF0000"/>
+                </a:solidFill>
+              </a:rPr>
+              <a:t>Do this on the published website or</a:t>
+            </a:r>
+          </a:p>
+          <a:p>
+            <a:r>
+              <a:rPr lang="en-US" dirty="0" smtClean="0">
+                <a:solidFill>
+                  <a:srgbClr val="FF0000"/>
+                </a:solidFill>
+              </a:rPr>
+              <a:t>Release compiled app!</a:t>
+            </a:r>
+            <a:endParaRPr lang="ru-RU" dirty="0">
+              <a:solidFill>
+                <a:srgbClr val="FF0000"/>
+              </a:solidFill>
+            </a:endParaRPr>
+          </a:p>
+        </p:txBody>
+      </p:sp>
+    </p:spTree>
+    <p:extLst>
+      <p:ext uri="{BB962C8B-B14F-4D97-AF65-F5344CB8AC3E}">
+        <p14:creationId xmlns:p14="http://schemas.microsoft.com/office/powerpoint/2010/main" val="2893544954"/>
+      </p:ext>
+    </p:extLst>
+  </p:cSld>
+  <p:clrMapOvr>
+    <a:masterClrMapping/>
+  </p:clrMapOvr>
+  <p:timing>
+    <p:tnLst>
+      <p:par>
+        <p:cTn id="1" dur="indefinite" restart="never" nodeType="tmRoot">
+          <p:childTnLst>
+            <p:seq concurrent="1" nextAc="seek">
+              <p:cTn id="2" dur="indefinite" nodeType="mainSeq">
+                <p:childTnLst>
+                  <p:par>
+                    <p:cTn id="3" fill="hold">
+                      <p:stCondLst>
+                        <p:cond delay="indefinite"/>
+                      </p:stCondLst>
+                      <p:childTnLst>
+                        <p:par>
+                          <p:cTn id="4" fill="hold">
+                            <p:stCondLst>
+                              <p:cond delay="0"/>
+                            </p:stCondLst>
+                            <p:childTnLst>
+                              <p:par>
+                                <p:cTn id="5" presetID="1" presetClass="entr" presetSubtype="0" fill="hold" nodeType="clickEffect">
+                                  <p:stCondLst>
+                                    <p:cond delay="0"/>
+                                  </p:stCondLst>
+                                  <p:childTnLst>
+                                    <p:set>
+                                      <p:cBhvr>
+                                        <p:cTn id="6" dur="1" fill="hold">
+                                          <p:stCondLst>
+                                            <p:cond delay="0"/>
+                                          </p:stCondLst>
+                                        </p:cTn>
+                                        <p:tgtEl>
+                                          <p:spTgt spid="7">
+                                            <p:txEl>
+                                              <p:pRg st="0" end="0"/>
+                                            </p:txEl>
+                                          </p:spTgt>
+                                        </p:tgtEl>
+                                        <p:attrNameLst>
+                                          <p:attrName>style.visibility</p:attrName>
+                                        </p:attrNameLst>
+                                      </p:cBhvr>
+                                      <p:to>
+                                        <p:strVal val="visible"/>
+                                      </p:to>
+                                    </p:set>
+                                  </p:childTnLst>
+                                </p:cTn>
+                              </p:par>
+                            </p:childTnLst>
+                          </p:cTn>
+                        </p:par>
+                      </p:childTnLst>
+                    </p:cTn>
+                  </p:par>
+                  <p:par>
+                    <p:cTn id="7" fill="hold">
+                      <p:stCondLst>
+                        <p:cond delay="indefinite"/>
+                      </p:stCondLst>
+                      <p:childTnLst>
+                        <p:par>
+                          <p:cTn id="8" fill="hold">
+                            <p:stCondLst>
+                              <p:cond delay="0"/>
+                            </p:stCondLst>
+                            <p:childTnLst>
+                              <p:par>
+                                <p:cTn id="9" presetID="1" presetClass="entr" presetSubtype="0" fill="hold" nodeType="clickEffect">
+                                  <p:stCondLst>
+                                    <p:cond delay="0"/>
+                                  </p:stCondLst>
+                                  <p:childTnLst>
+                                    <p:set>
+                                      <p:cBhvr>
+                                        <p:cTn id="10" dur="1" fill="hold">
+                                          <p:stCondLst>
+                                            <p:cond delay="0"/>
+                                          </p:stCondLst>
+                                        </p:cTn>
+                                        <p:tgtEl>
+                                          <p:spTgt spid="7">
+                                            <p:txEl>
+                                              <p:pRg st="1" end="1"/>
+                                            </p:txEl>
+                                          </p:spTgt>
+                                        </p:tgtEl>
+                                        <p:attrNameLst>
+                                          <p:attrName>style.visibility</p:attrName>
+                                        </p:attrNameLst>
+                                      </p:cBhvr>
+                                      <p:to>
+                                        <p:strVal val="visible"/>
+                                      </p:to>
+                                    </p:set>
+                                  </p:childTnLst>
+                                </p:cTn>
+                              </p:par>
+                            </p:childTnLst>
+                          </p:cTn>
+                        </p:par>
+                      </p:childTnLst>
+                    </p:cTn>
+                  </p:par>
+                  <p:par>
+                    <p:cTn id="11" fill="hold">
+                      <p:stCondLst>
+                        <p:cond delay="indefinite"/>
+                      </p:stCondLst>
+                      <p:childTnLst>
+                        <p:par>
+                          <p:cTn id="12" fill="hold">
+                            <p:stCondLst>
+                              <p:cond delay="0"/>
+                            </p:stCondLst>
+                            <p:childTnLst>
+                              <p:par>
+                                <p:cTn id="13" presetID="1" presetClass="entr" presetSubtype="0" fill="hold" nodeType="clickEffect">
+                                  <p:stCondLst>
+                                    <p:cond delay="0"/>
+                                  </p:stCondLst>
+                                  <p:childTnLst>
+                                    <p:set>
+                                      <p:cBhvr>
+                                        <p:cTn id="14" dur="1" fill="hold">
+                                          <p:stCondLst>
+                                            <p:cond delay="0"/>
+                                          </p:stCondLst>
+                                        </p:cTn>
+                                        <p:tgtEl>
+                                          <p:spTgt spid="7">
+                                            <p:txEl>
+                                              <p:pRg st="2" end="2"/>
+                                            </p:txEl>
+                                          </p:spTgt>
+                                        </p:tgtEl>
+                                        <p:attrNameLst>
+                                          <p:attrName>style.visibility</p:attrName>
+                                        </p:attrNameLst>
+                                      </p:cBhvr>
+                                      <p:to>
+                                        <p:strVal val="visible"/>
+                                      </p:to>
+                                    </p:set>
+                                  </p:childTnLst>
+                                </p:cTn>
+                              </p:par>
+                            </p:childTnLst>
+                          </p:cTn>
+                        </p:par>
+                      </p:childTnLst>
+                    </p:cTn>
+                  </p:par>
+                  <p:par>
+                    <p:cTn id="15" fill="hold">
+                      <p:stCondLst>
+                        <p:cond delay="indefinite"/>
+                      </p:stCondLst>
+                      <p:childTnLst>
+                        <p:par>
+                          <p:cTn id="16" fill="hold">
+                            <p:stCondLst>
+                              <p:cond delay="0"/>
+                            </p:stCondLst>
+                            <p:childTnLst>
+                              <p:par>
+                                <p:cTn id="17" presetID="1" presetClass="entr" presetSubtype="0" fill="hold" nodeType="clickEffect">
+                                  <p:stCondLst>
+                                    <p:cond delay="0"/>
+                                  </p:stCondLst>
+                                  <p:childTnLst>
+                                    <p:set>
+                                      <p:cBhvr>
+                                        <p:cTn id="18" dur="1" fill="hold">
+                                          <p:stCondLst>
+                                            <p:cond delay="0"/>
+                                          </p:stCondLst>
+                                        </p:cTn>
+                                        <p:tgtEl>
+                                          <p:spTgt spid="7">
+                                            <p:txEl>
+                                              <p:pRg st="3" end="3"/>
+                                            </p:txEl>
+                                          </p:spTgt>
+                                        </p:tgtEl>
+                                        <p:attrNameLst>
+                                          <p:attrName>style.visibility</p:attrName>
+                                        </p:attrNameLst>
+                                      </p:cBhvr>
+                                      <p:to>
+                                        <p:strVal val="visible"/>
+                                      </p:to>
+                                    </p:set>
+                                  </p:childTnLst>
+                                </p:cTn>
+                              </p:par>
+                            </p:childTnLst>
+                          </p:cTn>
+                        </p:par>
+                      </p:childTnLst>
+                    </p:cTn>
+                  </p:par>
+                  <p:par>
+                    <p:cTn id="19" fill="hold">
+                      <p:stCondLst>
+                        <p:cond delay="indefinite"/>
+                      </p:stCondLst>
+                      <p:childTnLst>
+                        <p:par>
+                          <p:cTn id="20" fill="hold">
+                            <p:stCondLst>
+                              <p:cond delay="0"/>
+                            </p:stCondLst>
+                            <p:childTnLst>
+                              <p:par>
+                                <p:cTn id="21" presetID="1" presetClass="entr" presetSubtype="0" fill="hold" nodeType="clickEffect">
+                                  <p:stCondLst>
+                                    <p:cond delay="0"/>
+                                  </p:stCondLst>
+                                  <p:childTnLst>
+                                    <p:set>
+                                      <p:cBhvr>
+                                        <p:cTn id="22" dur="1" fill="hold">
+                                          <p:stCondLst>
+                                            <p:cond delay="0"/>
+                                          </p:stCondLst>
+                                        </p:cTn>
+                                        <p:tgtEl>
+                                          <p:spTgt spid="7">
+                                            <p:txEl>
+                                              <p:pRg st="4" end="4"/>
+                                            </p:txEl>
+                                          </p:spTgt>
+                                        </p:tgtEl>
+                                        <p:attrNameLst>
+                                          <p:attrName>style.visibility</p:attrName>
+                                        </p:attrNameLst>
+                                      </p:cBhvr>
+                                      <p:to>
+                                        <p:strVal val="visible"/>
+                                      </p:to>
+                                    </p:set>
+                                  </p:childTnLst>
+                                </p:cTn>
+                              </p:par>
+                            </p:childTnLst>
+                          </p:cTn>
+                        </p:par>
+                      </p:childTnLst>
+                    </p:cTn>
+                  </p:par>
+                  <p:par>
+                    <p:cTn id="23" fill="hold">
+                      <p:stCondLst>
+                        <p:cond delay="indefinite"/>
+                      </p:stCondLst>
+                      <p:childTnLst>
+                        <p:par>
+                          <p:cTn id="24" fill="hold">
+                            <p:stCondLst>
+                              <p:cond delay="0"/>
+                            </p:stCondLst>
+                            <p:childTnLst>
+                              <p:par>
+                                <p:cTn id="25" presetID="1" presetClass="entr" presetSubtype="0" fill="hold" nodeType="clickEffect">
+                                  <p:stCondLst>
+                                    <p:cond delay="0"/>
+                                  </p:stCondLst>
+                                  <p:childTnLst>
+                                    <p:set>
+                                      <p:cBhvr>
+                                        <p:cTn id="26" dur="1" fill="hold">
+                                          <p:stCondLst>
+                                            <p:cond delay="0"/>
+                                          </p:stCondLst>
+                                        </p:cTn>
+                                        <p:tgtEl>
+                                          <p:spTgt spid="7">
+                                            <p:txEl>
+                                              <p:pRg st="5" end="5"/>
+                                            </p:txEl>
+                                          </p:spTgt>
+                                        </p:tgtEl>
+                                        <p:attrNameLst>
+                                          <p:attrName>style.visibility</p:attrName>
+                                        </p:attrNameLst>
+                                      </p:cBhvr>
+                                      <p:to>
+                                        <p:strVal val="visible"/>
+                                      </p:to>
+                                    </p:set>
+                                  </p:childTnLst>
+                                </p:cTn>
+                              </p:par>
+                            </p:childTnLst>
+                          </p:cTn>
+                        </p:par>
+                      </p:childTnLst>
+                    </p:cTn>
+                  </p:par>
+                  <p:par>
+                    <p:cTn id="27" fill="hold">
+                      <p:stCondLst>
+                        <p:cond delay="indefinite"/>
+                      </p:stCondLst>
+                      <p:childTnLst>
+                        <p:par>
+                          <p:cTn id="28" fill="hold">
+                            <p:stCondLst>
+                              <p:cond delay="0"/>
+                            </p:stCondLst>
+                            <p:childTnLst>
+                              <p:par>
+                                <p:cTn id="29" presetID="1" presetClass="entr" presetSubtype="0" fill="hold" nodeType="clickEffect">
+                                  <p:stCondLst>
+                                    <p:cond delay="0"/>
+                                  </p:stCondLst>
+                                  <p:childTnLst>
+                                    <p:set>
+                                      <p:cBhvr>
+                                        <p:cTn id="30" dur="1" fill="hold">
+                                          <p:stCondLst>
+                                            <p:cond delay="0"/>
+                                          </p:stCondLst>
+                                        </p:cTn>
+                                        <p:tgtEl>
+                                          <p:spTgt spid="7">
+                                            <p:txEl>
+                                              <p:pRg st="6" end="6"/>
+                                            </p:txEl>
+                                          </p:spTgt>
+                                        </p:tgtEl>
+                                        <p:attrNameLst>
+                                          <p:attrName>style.visibility</p:attrName>
+                                        </p:attrNameLst>
+                                      </p:cBhvr>
+                                      <p:to>
+                                        <p:strVal val="visible"/>
+                                      </p:to>
+                                    </p:set>
+                                  </p:childTnLst>
+                                </p:cTn>
+                              </p:par>
+                            </p:childTnLst>
+                          </p:cTn>
+                        </p:par>
+                      </p:childTnLst>
+                    </p:cTn>
+                  </p:par>
+                  <p:par>
+                    <p:cTn id="31" fill="hold">
+                      <p:stCondLst>
+                        <p:cond delay="indefinite"/>
+                      </p:stCondLst>
+                      <p:childTnLst>
+                        <p:par>
+                          <p:cTn id="32" fill="hold">
+                            <p:stCondLst>
+                              <p:cond delay="0"/>
+                            </p:stCondLst>
+                            <p:childTnLst>
+                              <p:par>
+                                <p:cTn id="33" presetID="1" presetClass="entr" presetSubtype="0" fill="hold" nodeType="clickEffect">
+                                  <p:stCondLst>
+                                    <p:cond delay="0"/>
+                                  </p:stCondLst>
+                                  <p:childTnLst>
+                                    <p:set>
+                                      <p:cBhvr>
+                                        <p:cTn id="34" dur="1" fill="hold">
+                                          <p:stCondLst>
+                                            <p:cond delay="0"/>
+                                          </p:stCondLst>
+                                        </p:cTn>
+                                        <p:tgtEl>
+                                          <p:spTgt spid="5">
+                                            <p:txEl>
+                                              <p:pRg st="0" end="0"/>
+                                            </p:txEl>
+                                          </p:spTgt>
+                                        </p:tgtEl>
+                                        <p:attrNameLst>
+                                          <p:attrName>style.visibility</p:attrName>
+                                        </p:attrNameLst>
+                                      </p:cBhvr>
+                                      <p:to>
+                                        <p:strVal val="visible"/>
+                                      </p:to>
+                                    </p:set>
+                                  </p:childTnLst>
+                                </p:cTn>
+                              </p:par>
+                            </p:childTnLst>
+                          </p:cTn>
+                        </p:par>
+                      </p:childTnLst>
+                    </p:cTn>
+                  </p:par>
+                  <p:par>
+                    <p:cTn id="35" fill="hold">
+                      <p:stCondLst>
+                        <p:cond delay="indefinite"/>
+                      </p:stCondLst>
+                      <p:childTnLst>
+                        <p:par>
+                          <p:cTn id="36" fill="hold">
+                            <p:stCondLst>
+                              <p:cond delay="0"/>
+                            </p:stCondLst>
+                            <p:childTnLst>
+                              <p:par>
+                                <p:cTn id="37" presetID="1" presetClass="entr" presetSubtype="0" fill="hold" nodeType="clickEffect">
+                                  <p:stCondLst>
+                                    <p:cond delay="0"/>
+                                  </p:stCondLst>
+                                  <p:childTnLst>
+                                    <p:set>
+                                      <p:cBhvr>
+                                        <p:cTn id="38" dur="1" fill="hold">
+                                          <p:stCondLst>
+                                            <p:cond delay="0"/>
+                                          </p:stCondLst>
+                                        </p:cTn>
+                                        <p:tgtEl>
+                                          <p:spTgt spid="5">
+                                            <p:txEl>
+                                              <p:pRg st="1" end="1"/>
+                                            </p:txEl>
+                                          </p:spTgt>
+                                        </p:tgtEl>
+                                        <p:attrNameLst>
+                                          <p:attrName>style.visibility</p:attrName>
+                                        </p:attrNameLst>
+                                      </p:cBhvr>
+                                      <p:to>
+                                        <p:strVal val="visible"/>
+                                      </p:to>
+                                    </p:set>
+                                  </p:childTnLst>
+                                </p:cTn>
+                              </p:par>
+                            </p:childTnLst>
+                          </p:cTn>
+                        </p:par>
+                      </p:childTnLst>
+                    </p:cTn>
+                  </p:par>
+                  <p:par>
+                    <p:cTn id="39" fill="hold">
+                      <p:stCondLst>
+                        <p:cond delay="indefinite"/>
+                      </p:stCondLst>
+                      <p:childTnLst>
+                        <p:par>
+                          <p:cTn id="40" fill="hold">
+                            <p:stCondLst>
+                              <p:cond delay="0"/>
+                            </p:stCondLst>
+                            <p:childTnLst>
+                              <p:par>
+                                <p:cTn id="41" presetID="1" presetClass="entr" presetSubtype="0" fill="hold" nodeType="clickEffect">
+                                  <p:stCondLst>
+                                    <p:cond delay="0"/>
+                                  </p:stCondLst>
+                                  <p:childTnLst>
+                                    <p:set>
+                                      <p:cBhvr>
+                                        <p:cTn id="42" dur="1" fill="hold">
+                                          <p:stCondLst>
+                                            <p:cond delay="0"/>
+                                          </p:stCondLst>
+                                        </p:cTn>
+                                        <p:tgtEl>
+                                          <p:spTgt spid="5">
+                                            <p:txEl>
+                                              <p:pRg st="2" end="2"/>
+                                            </p:txEl>
+                                          </p:spTgt>
+                                        </p:tgtEl>
+                                        <p:attrNameLst>
+                                          <p:attrName>style.visibility</p:attrName>
+                                        </p:attrNameLst>
+                                      </p:cBhvr>
+                                      <p:to>
+                                        <p:strVal val="visible"/>
+                                      </p:to>
+                                    </p:set>
+                                  </p:childTnLst>
+                                </p:cTn>
+                              </p:par>
+                            </p:childTnLst>
+                          </p:cTn>
+                        </p:par>
+                      </p:childTnLst>
+                    </p:cTn>
+                  </p:par>
+                  <p:par>
+                    <p:cTn id="43" fill="hold">
+                      <p:stCondLst>
+                        <p:cond delay="indefinite"/>
+                      </p:stCondLst>
+                      <p:childTnLst>
+                        <p:par>
+                          <p:cTn id="44" fill="hold">
+                            <p:stCondLst>
+                              <p:cond delay="0"/>
+                            </p:stCondLst>
+                            <p:childTnLst>
+                              <p:par>
+                                <p:cTn id="45" presetID="1" presetClass="entr" presetSubtype="0" fill="hold" nodeType="clickEffect">
+                                  <p:stCondLst>
+                                    <p:cond delay="0"/>
+                                  </p:stCondLst>
+                                  <p:childTnLst>
+                                    <p:set>
+                                      <p:cBhvr>
+                                        <p:cTn id="46" dur="1" fill="hold">
+                                          <p:stCondLst>
+                                            <p:cond delay="0"/>
+                                          </p:stCondLst>
+                                        </p:cTn>
+                                        <p:tgtEl>
+                                          <p:spTgt spid="5">
+                                            <p:txEl>
+                                              <p:pRg st="3" end="3"/>
+                                            </p:txEl>
+                                          </p:spTgt>
+                                        </p:tgtEl>
+                                        <p:attrNameLst>
+                                          <p:attrName>style.visibility</p:attrName>
+                                        </p:attrNameLst>
+                                      </p:cBhvr>
+                                      <p:to>
+                                        <p:strVal val="visible"/>
+                                      </p:to>
+                                    </p:set>
+                                  </p:childTnLst>
+                                </p:cTn>
+                              </p:par>
+                            </p:childTnLst>
+                          </p:cTn>
+                        </p:par>
+                      </p:childTnLst>
+                    </p:cTn>
+                  </p:par>
+                  <p:par>
+                    <p:cTn id="47" fill="hold">
+                      <p:stCondLst>
+                        <p:cond delay="indefinite"/>
+                      </p:stCondLst>
+                      <p:childTnLst>
+                        <p:par>
+                          <p:cTn id="48" fill="hold">
+                            <p:stCondLst>
+                              <p:cond delay="0"/>
+                            </p:stCondLst>
+                            <p:childTnLst>
+                              <p:par>
+                                <p:cTn id="49" presetID="1" presetClass="entr" presetSubtype="0" fill="hold" nodeType="clickEffect">
+                                  <p:stCondLst>
+                                    <p:cond delay="0"/>
+                                  </p:stCondLst>
+                                  <p:childTnLst>
+                                    <p:set>
+                                      <p:cBhvr>
+                                        <p:cTn id="50" dur="1" fill="hold">
+                                          <p:stCondLst>
+                                            <p:cond delay="0"/>
+                                          </p:stCondLst>
+                                        </p:cTn>
+                                        <p:tgtEl>
+                                          <p:spTgt spid="5">
+                                            <p:txEl>
+                                              <p:pRg st="4" end="4"/>
+                                            </p:txEl>
+                                          </p:spTgt>
+                                        </p:tgtEl>
+                                        <p:attrNameLst>
+                                          <p:attrName>style.visibility</p:attrName>
+                                        </p:attrNameLst>
+                                      </p:cBhvr>
+                                      <p:to>
+                                        <p:strVal val="visible"/>
+                                      </p:to>
+                                    </p:set>
+                                  </p:childTnLst>
+                                </p:cTn>
+                              </p:par>
+                            </p:childTnLst>
+                          </p:cTn>
+                        </p:par>
+                      </p:childTnLst>
+                    </p:cTn>
+                  </p:par>
+                  <p:par>
+                    <p:cTn id="51" fill="hold">
+                      <p:stCondLst>
+                        <p:cond delay="indefinite"/>
+                      </p:stCondLst>
+                      <p:childTnLst>
+                        <p:par>
+                          <p:cTn id="52" fill="hold">
+                            <p:stCondLst>
+                              <p:cond delay="0"/>
+                            </p:stCondLst>
+                            <p:childTnLst>
+                              <p:par>
+                                <p:cTn id="53" presetID="1" presetClass="entr" presetSubtype="0" fill="hold" nodeType="clickEffect">
+                                  <p:stCondLst>
+                                    <p:cond delay="0"/>
+                                  </p:stCondLst>
+                                  <p:childTnLst>
+                                    <p:set>
+                                      <p:cBhvr>
+                                        <p:cTn id="54" dur="1" fill="hold">
+                                          <p:stCondLst>
+                                            <p:cond delay="0"/>
+                                          </p:stCondLst>
+                                        </p:cTn>
+                                        <p:tgtEl>
+                                          <p:spTgt spid="5">
+                                            <p:txEl>
+                                              <p:pRg st="5" end="5"/>
+                                            </p:txEl>
+                                          </p:spTgt>
+                                        </p:tgtEl>
+                                        <p:attrNameLst>
+                                          <p:attrName>style.visibility</p:attrName>
+                                        </p:attrNameLst>
+                                      </p:cBhvr>
+                                      <p:to>
+                                        <p:strVal val="visible"/>
+                                      </p:to>
+                                    </p:set>
+                                  </p:childTnLst>
+                                </p:cTn>
+                              </p:par>
+                            </p:childTnLst>
+                          </p:cTn>
+                        </p:par>
+                      </p:childTnLst>
+                    </p:cTn>
+                  </p:par>
+                  <p:par>
+                    <p:cTn id="55" fill="hold">
+                      <p:stCondLst>
+                        <p:cond delay="indefinite"/>
+                      </p:stCondLst>
+                      <p:childTnLst>
+                        <p:par>
+                          <p:cTn id="56" fill="hold">
+                            <p:stCondLst>
+                              <p:cond delay="0"/>
+                            </p:stCondLst>
+                            <p:childTnLst>
+                              <p:par>
+                                <p:cTn id="57" presetID="1" presetClass="entr" presetSubtype="0" fill="hold" nodeType="clickEffect">
+                                  <p:stCondLst>
+                                    <p:cond delay="0"/>
+                                  </p:stCondLst>
+                                  <p:childTnLst>
+                                    <p:set>
+                                      <p:cBhvr>
+                                        <p:cTn id="58" dur="1" fill="hold">
+                                          <p:stCondLst>
+                                            <p:cond delay="0"/>
+                                          </p:stCondLst>
+                                        </p:cTn>
+                                        <p:tgtEl>
+                                          <p:spTgt spid="5">
+                                            <p:txEl>
+                                              <p:pRg st="6" end="6"/>
+                                            </p:txEl>
+                                          </p:spTgt>
+                                        </p:tgtEl>
+                                        <p:attrNameLst>
+                                          <p:attrName>style.visibility</p:attrName>
+                                        </p:attrNameLst>
+                                      </p:cBhvr>
+                                      <p:to>
+                                        <p:strVal val="visible"/>
+                                      </p:to>
+                                    </p:set>
+                                  </p:childTnLst>
+                                </p:cTn>
+                              </p:par>
+                            </p:childTnLst>
+                          </p:cTn>
+                        </p:par>
+                      </p:childTnLst>
+                    </p:cTn>
+                  </p:par>
+                  <p:par>
+                    <p:cTn id="59" fill="hold">
+                      <p:stCondLst>
+                        <p:cond delay="indefinite"/>
+                      </p:stCondLst>
+                      <p:childTnLst>
+                        <p:par>
+                          <p:cTn id="60" fill="hold">
+                            <p:stCondLst>
+                              <p:cond delay="0"/>
+                            </p:stCondLst>
+                            <p:childTnLst>
+                              <p:par>
+                                <p:cTn id="61" presetID="1" presetClass="entr" presetSubtype="0" fill="hold" nodeType="clickEffect">
+                                  <p:stCondLst>
+                                    <p:cond delay="0"/>
+                                  </p:stCondLst>
+                                  <p:childTnLst>
+                                    <p:set>
+                                      <p:cBhvr>
+                                        <p:cTn id="62" dur="1" fill="hold">
+                                          <p:stCondLst>
+                                            <p:cond delay="0"/>
+                                          </p:stCondLst>
+                                        </p:cTn>
+                                        <p:tgtEl>
+                                          <p:spTgt spid="5">
+                                            <p:txEl>
+                                              <p:pRg st="7" end="7"/>
+                                            </p:txEl>
+                                          </p:spTgt>
+                                        </p:tgtEl>
+                                        <p:attrNameLst>
+                                          <p:attrName>style.visibility</p:attrName>
+                                        </p:attrNameLst>
+                                      </p:cBhvr>
+                                      <p:to>
+                                        <p:strVal val="visible"/>
+                                      </p:to>
+                                    </p:set>
+                                  </p:childTnLst>
+                                </p:cTn>
+                              </p:par>
+                            </p:childTnLst>
+                          </p:cTn>
+                        </p:par>
+                      </p:childTnLst>
+                    </p:cTn>
+                  </p:par>
+                  <p:par>
+                    <p:cTn id="63" fill="hold">
+                      <p:stCondLst>
+                        <p:cond delay="indefinite"/>
+                      </p:stCondLst>
+                      <p:childTnLst>
+                        <p:par>
+                          <p:cTn id="64" fill="hold">
+                            <p:stCondLst>
+                              <p:cond delay="0"/>
+                            </p:stCondLst>
+                            <p:childTnLst>
+                              <p:par>
+                                <p:cTn id="65" presetID="1" presetClass="entr" presetSubtype="0" fill="hold" nodeType="clickEffect">
+                                  <p:stCondLst>
+                                    <p:cond delay="0"/>
+                                  </p:stCondLst>
+                                  <p:childTnLst>
+                                    <p:set>
+                                      <p:cBhvr>
+                                        <p:cTn id="66" dur="1" fill="hold">
+                                          <p:stCondLst>
+                                            <p:cond delay="0"/>
+                                          </p:stCondLst>
+                                        </p:cTn>
+                                        <p:tgtEl>
+                                          <p:spTgt spid="5">
+                                            <p:txEl>
+                                              <p:pRg st="8" end="8"/>
+                                            </p:txEl>
+                                          </p:spTgt>
+                                        </p:tgtEl>
+                                        <p:attrNameLst>
+                                          <p:attrName>style.visibility</p:attrName>
+                                        </p:attrNameLst>
+                                      </p:cBhvr>
+                                      <p:to>
+                                        <p:strVal val="visible"/>
+                                      </p:to>
+                                    </p:set>
+                                  </p:childTnLst>
+                                </p:cTn>
+                              </p:par>
+                            </p:childTnLst>
+                          </p:cTn>
+                        </p:par>
+                      </p:childTnLst>
+                    </p:cTn>
+                  </p:par>
+                </p:childTnLst>
+              </p:cTn>
+              <p:prevCondLst>
+                <p:cond evt="onPrev" delay="0">
+                  <p:tgtEl>
+                    <p:sldTgt/>
+                  </p:tgtEl>
+                </p:cond>
+              </p:prevCondLst>
+              <p:nextCondLst>
+                <p:cond evt="onNext" delay="0">
+                  <p:tgtEl>
+                    <p:sldTgt/>
+                  </p:tgtEl>
+                </p:cond>
+              </p:nextCondLst>
+            </p:seq>
+          </p:childTnLst>
+        </p:cTn>
+      </p:par>
+    </p:tnLst>
+  </p:timing>
+</p:sld>
+</file>
+
+<file path=ppt/slides/slide5.xml><?xml version="1.0" encoding="utf-8"?>
+<p:sld xmlns:a="http://schemas.openxmlformats.org/drawingml/2006/main" xmlns:r="http://schemas.openxmlformats.org/officeDocument/2006/relationships" xmlns:p="http://schemas.openxmlformats.org/presentationml/2006/main">
+  <p:cSld>
+    <p:spTree>
+      <p:nvGrpSpPr>
+        <p:cNvPr id="1" name=""/>
+        <p:cNvGrpSpPr/>
+        <p:nvPr/>
+      </p:nvGrpSpPr>
+      <p:grpSpPr>
+        <a:xfrm>
+          <a:off x="0" y="0"/>
+          <a:ext cx="0" cy="0"/>
+          <a:chOff x="0" y="0"/>
+          <a:chExt cx="0" cy="0"/>
+        </a:xfrm>
+      </p:grpSpPr>
+      <p:sp>
+        <p:nvSpPr>
+          <p:cNvPr id="6" name="Прямоугольник 5"/>
+          <p:cNvSpPr/>
+          <p:nvPr/>
+        </p:nvSpPr>
+        <p:spPr>
+          <a:xfrm>
+            <a:off x="713449" y="344617"/>
+            <a:ext cx="4517583" cy="523220"/>
+          </a:xfrm>
+          <a:prstGeom prst="rect">
+            <a:avLst/>
+          </a:prstGeom>
+        </p:spPr>
+        <p:txBody>
+          <a:bodyPr wrap="none">
+            <a:spAutoFit/>
+          </a:bodyPr>
+          <a:lstStyle/>
+          <a:p>
+            <a:r>
+              <a:rPr lang="en-US" sz="2800" dirty="0"/>
+              <a:t>Creating website on the IIS</a:t>
+            </a:r>
+          </a:p>
+        </p:txBody>
+      </p:sp>
+      <p:sp>
+        <p:nvSpPr>
+          <p:cNvPr id="2" name="Rectangle 1"/>
+          <p:cNvSpPr>
+            <a:spLocks noChangeArrowheads="1"/>
+          </p:cNvSpPr>
+          <p:nvPr/>
+        </p:nvSpPr>
+        <p:spPr bwMode="auto">
+          <a:xfrm>
+            <a:off x="713449" y="1355987"/>
+            <a:ext cx="5153975" cy="1169551"/>
+          </a:xfrm>
+          <a:prstGeom prst="rect">
+            <a:avLst/>
+          </a:prstGeom>
+          <a:solidFill>
+            <a:srgbClr val="FFFFFF"/>
+          </a:solidFill>
+          <a:ln>
+            <a:noFill/>
+          </a:ln>
+          <a:effectLst/>
+          <a:extLst>
+            <a:ext uri="{91240B29-F687-4F45-9708-019B960494DF}">
+              <a14:hiddenLine xmlns:a14="http://schemas.microsoft.com/office/drawing/2010/main" w="9525">
+                <a:solidFill>
+                  <a:schemeClr val="tx1"/>
+                </a:solidFill>
+                <a:miter lim="800000"/>
+                <a:headEnd/>
+                <a:tailEnd/>
+              </a14:hiddenLine>
+            </a:ext>
+            <a:ext uri="{AF507438-7753-43E0-B8FC-AC1667EBCBE1}">
+              <a14:hiddenEffects xmlns:a14="http://schemas.microsoft.com/office/drawing/2010/main">
+                <a:effectLst>
+                  <a:outerShdw dist="35921" dir="2700000" algn="ctr" rotWithShape="0">
+                    <a:schemeClr val="bg2"/>
+                  </a:outerShdw>
+                </a:effectLst>
+              </a14:hiddenEffects>
+            </a:ext>
+          </a:extLst>
+        </p:spPr>
+        <p:txBody>
+          <a:bodyPr vert="horz" wrap="none" lIns="91440" tIns="45720" rIns="91440" bIns="45720" numCol="1" anchor="ctr" anchorCtr="0" compatLnSpc="1">
+            <a:prstTxWarp prst="textNoShape">
+              <a:avLst/>
+            </a:prstTxWarp>
+            <a:spAutoFit/>
+          </a:bodyPr>
+          <a:lstStyle/>
+          <a:p>
+            <a:pPr lvl="0" eaLnBrk="0" fontAlgn="base" hangingPunct="0">
+              <a:spcBef>
+                <a:spcPct val="0"/>
+              </a:spcBef>
+              <a:spcAft>
+                <a:spcPct val="0"/>
+              </a:spcAft>
+            </a:pPr>
+            <a:r>
+              <a:rPr kumimoji="0" lang="ru-RU" altLang="ru-RU" sz="1400" b="0" i="0" u="none" strike="noStrike" cap="none" normalizeH="0" baseline="0" dirty="0" smtClean="0">
+                <a:ln>
+                  <a:noFill/>
+                </a:ln>
+                <a:solidFill>
+                  <a:srgbClr val="0000FF"/>
+                </a:solidFill>
+                <a:effectLst/>
+                <a:latin typeface="Consolas" panose="020B0609020204030204" pitchFamily="49" charset="0"/>
+              </a:rPr>
+              <a:t>&lt;</a:t>
+            </a:r>
+            <a:r>
+              <a:rPr kumimoji="0" lang="ru-RU" altLang="ru-RU" sz="1400" b="0" i="0" u="none" strike="noStrike" cap="none" normalizeH="0" baseline="0" dirty="0" err="1" smtClean="0">
+                <a:ln>
+                  <a:noFill/>
+                </a:ln>
+                <a:solidFill>
+                  <a:srgbClr val="A31515"/>
+                </a:solidFill>
+                <a:effectLst/>
+                <a:latin typeface="Consolas" panose="020B0609020204030204" pitchFamily="49" charset="0"/>
+              </a:rPr>
+              <a:t>iis:WebAppPool</a:t>
+            </a:r>
+            <a:r>
+              <a:rPr kumimoji="0" lang="ru-RU" altLang="ru-RU" sz="1400" b="0" i="0" u="none" strike="noStrike" cap="none" normalizeH="0" baseline="0" dirty="0" smtClean="0">
+                <a:ln>
+                  <a:noFill/>
+                </a:ln>
+                <a:solidFill>
+                  <a:srgbClr val="0000FF"/>
+                </a:solidFill>
+                <a:effectLst/>
+                <a:latin typeface="Consolas" panose="020B0609020204030204" pitchFamily="49" charset="0"/>
+              </a:rPr>
+              <a:t> </a:t>
+            </a:r>
+            <a:r>
+              <a:rPr kumimoji="0" lang="ru-RU" altLang="ru-RU" sz="1400" b="0" i="0" u="none" strike="noStrike" cap="none" normalizeH="0" baseline="0" dirty="0" err="1" smtClean="0">
+                <a:ln>
+                  <a:noFill/>
+                </a:ln>
+                <a:solidFill>
+                  <a:srgbClr val="FF0000"/>
+                </a:solidFill>
+                <a:effectLst/>
+                <a:latin typeface="Consolas" panose="020B0609020204030204" pitchFamily="49" charset="0"/>
+              </a:rPr>
+              <a:t>Id</a:t>
+            </a:r>
+            <a:r>
+              <a:rPr kumimoji="0" lang="ru-RU" altLang="ru-RU" sz="1400" b="0" i="0" u="none" strike="noStrike" cap="none" normalizeH="0" baseline="0" dirty="0" smtClean="0">
+                <a:ln>
+                  <a:noFill/>
+                </a:ln>
+                <a:solidFill>
+                  <a:srgbClr val="0000FF"/>
+                </a:solidFill>
+                <a:effectLst/>
+                <a:latin typeface="Consolas" panose="020B0609020204030204" pitchFamily="49" charset="0"/>
+              </a:rPr>
+              <a:t>=</a:t>
+            </a:r>
+            <a:r>
+              <a:rPr kumimoji="0" lang="ru-RU" altLang="ru-RU" sz="1400" b="0" i="0" u="none" strike="noStrike" cap="none" normalizeH="0" baseline="0" dirty="0" smtClean="0">
+                <a:ln>
+                  <a:noFill/>
+                </a:ln>
+                <a:solidFill>
+                  <a:srgbClr val="000000"/>
+                </a:solidFill>
+                <a:effectLst/>
+                <a:latin typeface="Consolas" panose="020B0609020204030204" pitchFamily="49" charset="0"/>
+              </a:rPr>
+              <a:t>"</a:t>
+            </a:r>
+            <a:r>
+              <a:rPr kumimoji="0" lang="ru-RU" altLang="ru-RU" sz="1400" b="0" i="0" u="none" strike="noStrike" cap="none" normalizeH="0" baseline="0" dirty="0" err="1" smtClean="0">
+                <a:ln>
+                  <a:noFill/>
+                </a:ln>
+                <a:solidFill>
+                  <a:srgbClr val="0000FF"/>
+                </a:solidFill>
+                <a:effectLst/>
+                <a:latin typeface="Consolas" panose="020B0609020204030204" pitchFamily="49" charset="0"/>
+              </a:rPr>
+              <a:t>MyWebsiteWebAppPool</a:t>
+            </a:r>
+            <a:r>
+              <a:rPr lang="ru-RU" altLang="ru-RU" sz="1400" dirty="0">
+                <a:solidFill>
+                  <a:srgbClr val="000000"/>
+                </a:solidFill>
+                <a:latin typeface="Consolas" panose="020B0609020204030204" pitchFamily="49" charset="0"/>
+              </a:rPr>
+              <a:t>"</a:t>
+            </a:r>
+            <a:endParaRPr lang="en-US" altLang="ru-RU" sz="1400" dirty="0">
+              <a:solidFill>
+                <a:srgbClr val="0000FF"/>
+              </a:solidFill>
+              <a:latin typeface="Consolas" panose="020B0609020204030204" pitchFamily="49" charset="0"/>
+            </a:endParaRPr>
+          </a:p>
+          <a:p>
+            <a:pPr lvl="0" eaLnBrk="0" fontAlgn="base" hangingPunct="0">
+              <a:spcBef>
+                <a:spcPct val="0"/>
+              </a:spcBef>
+              <a:spcAft>
+                <a:spcPct val="0"/>
+              </a:spcAft>
+            </a:pPr>
+            <a:r>
+              <a:rPr kumimoji="0" lang="en-US" altLang="ru-RU" sz="1400" b="0" i="0" u="none" strike="noStrike" cap="none" normalizeH="0" baseline="0" dirty="0" smtClean="0">
+                <a:ln>
+                  <a:noFill/>
+                </a:ln>
+                <a:solidFill>
+                  <a:srgbClr val="0000FF"/>
+                </a:solidFill>
+                <a:effectLst/>
+                <a:latin typeface="Consolas" panose="020B0609020204030204" pitchFamily="49" charset="0"/>
+              </a:rPr>
+              <a:t>                </a:t>
+            </a:r>
+            <a:r>
+              <a:rPr kumimoji="0" lang="ru-RU" altLang="ru-RU" sz="1400" b="0" i="0" u="none" strike="noStrike" cap="none" normalizeH="0" baseline="0" dirty="0" err="1" smtClean="0">
+                <a:ln>
+                  <a:noFill/>
+                </a:ln>
+                <a:solidFill>
+                  <a:srgbClr val="FF0000"/>
+                </a:solidFill>
+                <a:effectLst/>
+                <a:latin typeface="Consolas" panose="020B0609020204030204" pitchFamily="49" charset="0"/>
+              </a:rPr>
+              <a:t>Name</a:t>
+            </a:r>
+            <a:r>
+              <a:rPr kumimoji="0" lang="ru-RU" altLang="ru-RU" sz="1400" b="0" i="0" u="none" strike="noStrike" cap="none" normalizeH="0" baseline="0" dirty="0" smtClean="0">
+                <a:ln>
+                  <a:noFill/>
+                </a:ln>
+                <a:solidFill>
+                  <a:srgbClr val="0000FF"/>
+                </a:solidFill>
+                <a:effectLst/>
+                <a:latin typeface="Consolas" panose="020B0609020204030204" pitchFamily="49" charset="0"/>
+              </a:rPr>
+              <a:t>=</a:t>
+            </a:r>
+            <a:r>
+              <a:rPr kumimoji="0" lang="ru-RU" altLang="ru-RU" sz="1400" b="0" i="0" u="none" strike="noStrike" cap="none" normalizeH="0" baseline="0" dirty="0" smtClean="0">
+                <a:ln>
+                  <a:noFill/>
+                </a:ln>
+                <a:solidFill>
+                  <a:srgbClr val="000000"/>
+                </a:solidFill>
+                <a:effectLst/>
+                <a:latin typeface="Consolas" panose="020B0609020204030204" pitchFamily="49" charset="0"/>
+              </a:rPr>
+              <a:t>"</a:t>
+            </a:r>
+            <a:r>
+              <a:rPr kumimoji="0" lang="ru-RU" altLang="ru-RU" sz="1400" b="0" i="0" u="none" strike="noStrike" cap="none" normalizeH="0" baseline="0" dirty="0" smtClean="0">
+                <a:ln>
+                  <a:noFill/>
+                </a:ln>
+                <a:solidFill>
+                  <a:srgbClr val="0000FF"/>
+                </a:solidFill>
+                <a:effectLst/>
+                <a:latin typeface="Consolas" panose="020B0609020204030204" pitchFamily="49" charset="0"/>
+              </a:rPr>
+              <a:t>$(</a:t>
+            </a:r>
+            <a:r>
+              <a:rPr kumimoji="0" lang="ru-RU" altLang="ru-RU" sz="1400" b="0" i="0" u="none" strike="noStrike" cap="none" normalizeH="0" baseline="0" dirty="0" err="1" smtClean="0">
+                <a:ln>
+                  <a:noFill/>
+                </a:ln>
+                <a:solidFill>
+                  <a:srgbClr val="0000FF"/>
+                </a:solidFill>
+                <a:effectLst/>
+                <a:latin typeface="Consolas" panose="020B0609020204030204" pitchFamily="49" charset="0"/>
+              </a:rPr>
+              <a:t>var.WebsiteName</a:t>
+            </a:r>
+            <a:r>
+              <a:rPr kumimoji="0" lang="ru-RU" altLang="ru-RU" sz="1400" b="0" i="0" u="none" strike="noStrike" cap="none" normalizeH="0" baseline="0" dirty="0" smtClean="0">
+                <a:ln>
+                  <a:noFill/>
+                </a:ln>
+                <a:solidFill>
+                  <a:srgbClr val="0000FF"/>
+                </a:solidFill>
+                <a:effectLst/>
+                <a:latin typeface="Consolas" panose="020B0609020204030204" pitchFamily="49" charset="0"/>
+              </a:rPr>
+              <a:t>)</a:t>
+            </a:r>
+            <a:r>
+              <a:rPr lang="ru-RU" altLang="ru-RU" sz="1400" dirty="0" smtClean="0">
+                <a:solidFill>
+                  <a:srgbClr val="000000"/>
+                </a:solidFill>
+                <a:latin typeface="Consolas" panose="020B0609020204030204" pitchFamily="49" charset="0"/>
+              </a:rPr>
+              <a:t>"</a:t>
+            </a:r>
+            <a:endParaRPr lang="en-US" altLang="ru-RU" sz="1400" dirty="0" smtClean="0">
+              <a:solidFill>
+                <a:srgbClr val="000000"/>
+              </a:solidFill>
+              <a:latin typeface="Consolas" panose="020B0609020204030204" pitchFamily="49" charset="0"/>
+            </a:endParaRPr>
+          </a:p>
+          <a:p>
+            <a:pPr lvl="0" eaLnBrk="0" fontAlgn="base" hangingPunct="0">
+              <a:spcBef>
+                <a:spcPct val="0"/>
+              </a:spcBef>
+              <a:spcAft>
+                <a:spcPct val="0"/>
+              </a:spcAft>
+            </a:pPr>
+            <a:r>
+              <a:rPr kumimoji="0" lang="en-US" altLang="ru-RU" sz="1400" b="0" i="0" u="none" strike="noStrike" cap="none" normalizeH="0" baseline="0" dirty="0" smtClean="0">
+                <a:ln>
+                  <a:noFill/>
+                </a:ln>
+                <a:solidFill>
+                  <a:srgbClr val="0000FF"/>
+                </a:solidFill>
+                <a:effectLst/>
+                <a:latin typeface="Consolas" panose="020B0609020204030204" pitchFamily="49" charset="0"/>
+              </a:rPr>
+              <a:t>                </a:t>
+            </a:r>
+            <a:r>
+              <a:rPr kumimoji="0" lang="ru-RU" altLang="ru-RU" sz="1400" b="0" i="0" u="none" strike="noStrike" cap="none" normalizeH="0" baseline="0" dirty="0" err="1" smtClean="0">
+                <a:ln>
+                  <a:noFill/>
+                </a:ln>
+                <a:solidFill>
+                  <a:srgbClr val="FF0000"/>
+                </a:solidFill>
+                <a:effectLst/>
+                <a:latin typeface="Consolas" panose="020B0609020204030204" pitchFamily="49" charset="0"/>
+              </a:rPr>
+              <a:t>Identity</a:t>
+            </a:r>
+            <a:r>
+              <a:rPr kumimoji="0" lang="ru-RU" altLang="ru-RU" sz="1400" b="0" i="0" u="none" strike="noStrike" cap="none" normalizeH="0" baseline="0" dirty="0" smtClean="0">
+                <a:ln>
+                  <a:noFill/>
+                </a:ln>
+                <a:solidFill>
+                  <a:srgbClr val="0000FF"/>
+                </a:solidFill>
+                <a:effectLst/>
+                <a:latin typeface="Consolas" panose="020B0609020204030204" pitchFamily="49" charset="0"/>
+              </a:rPr>
+              <a:t>=</a:t>
+            </a:r>
+            <a:r>
+              <a:rPr kumimoji="0" lang="ru-RU" altLang="ru-RU" sz="1400" b="0" i="0" u="none" strike="noStrike" cap="none" normalizeH="0" baseline="0" dirty="0" smtClean="0">
+                <a:ln>
+                  <a:noFill/>
+                </a:ln>
+                <a:solidFill>
+                  <a:srgbClr val="000000"/>
+                </a:solidFill>
+                <a:effectLst/>
+                <a:latin typeface="Consolas" panose="020B0609020204030204" pitchFamily="49" charset="0"/>
+              </a:rPr>
+              <a:t>"</a:t>
+            </a:r>
+            <a:r>
+              <a:rPr kumimoji="0" lang="ru-RU" altLang="ru-RU" sz="1400" b="0" i="0" u="none" strike="noStrike" cap="none" normalizeH="0" baseline="0" dirty="0" err="1" smtClean="0">
+                <a:ln>
+                  <a:noFill/>
+                </a:ln>
+                <a:solidFill>
+                  <a:srgbClr val="0000FF"/>
+                </a:solidFill>
+                <a:effectLst/>
+                <a:latin typeface="Consolas" panose="020B0609020204030204" pitchFamily="49" charset="0"/>
+              </a:rPr>
+              <a:t>applicationPoolIdentity</a:t>
+            </a:r>
+            <a:r>
+              <a:rPr lang="ru-RU" altLang="ru-RU" sz="1400" dirty="0" smtClean="0">
+                <a:solidFill>
+                  <a:srgbClr val="000000"/>
+                </a:solidFill>
+                <a:latin typeface="Consolas" panose="020B0609020204030204" pitchFamily="49" charset="0"/>
+              </a:rPr>
+              <a:t>"</a:t>
+            </a:r>
+            <a:endParaRPr lang="en-US" altLang="ru-RU" sz="1400" dirty="0" smtClean="0">
+              <a:solidFill>
+                <a:srgbClr val="000000"/>
+              </a:solidFill>
+              <a:latin typeface="Consolas" panose="020B0609020204030204" pitchFamily="49" charset="0"/>
+            </a:endParaRPr>
+          </a:p>
+          <a:p>
+            <a:pPr lvl="0" eaLnBrk="0" fontAlgn="base" hangingPunct="0">
+              <a:spcBef>
+                <a:spcPct val="0"/>
+              </a:spcBef>
+              <a:spcAft>
+                <a:spcPct val="0"/>
+              </a:spcAft>
+            </a:pPr>
+            <a:r>
+              <a:rPr kumimoji="0" lang="ru-RU" altLang="ru-RU" sz="1400" b="0" i="0" u="none" strike="noStrike" cap="none" normalizeH="0" baseline="0" dirty="0" smtClean="0">
+                <a:ln>
+                  <a:noFill/>
+                </a:ln>
+                <a:solidFill>
+                  <a:srgbClr val="0000FF"/>
+                </a:solidFill>
+                <a:effectLst/>
+                <a:latin typeface="Consolas" panose="020B0609020204030204" pitchFamily="49" charset="0"/>
+              </a:rPr>
+              <a:t>                </a:t>
+            </a:r>
+            <a:r>
+              <a:rPr kumimoji="0" lang="ru-RU" altLang="ru-RU" sz="1400" b="0" i="0" u="none" strike="noStrike" cap="none" normalizeH="0" baseline="0" dirty="0" err="1" smtClean="0">
+                <a:ln>
+                  <a:noFill/>
+                </a:ln>
+                <a:solidFill>
+                  <a:srgbClr val="FF0000"/>
+                </a:solidFill>
+                <a:effectLst/>
+                <a:latin typeface="Consolas" panose="020B0609020204030204" pitchFamily="49" charset="0"/>
+              </a:rPr>
+              <a:t>ManagedPipelineMode</a:t>
+            </a:r>
+            <a:r>
+              <a:rPr kumimoji="0" lang="ru-RU" altLang="ru-RU" sz="1400" b="0" i="0" u="none" strike="noStrike" cap="none" normalizeH="0" baseline="0" dirty="0" smtClean="0">
+                <a:ln>
+                  <a:noFill/>
+                </a:ln>
+                <a:solidFill>
+                  <a:srgbClr val="0000FF"/>
+                </a:solidFill>
+                <a:effectLst/>
+                <a:latin typeface="Consolas" panose="020B0609020204030204" pitchFamily="49" charset="0"/>
+              </a:rPr>
+              <a:t>=</a:t>
+            </a:r>
+            <a:r>
+              <a:rPr kumimoji="0" lang="ru-RU" altLang="ru-RU" sz="1400" b="0" i="0" u="none" strike="noStrike" cap="none" normalizeH="0" baseline="0" dirty="0" smtClean="0">
+                <a:ln>
+                  <a:noFill/>
+                </a:ln>
+                <a:solidFill>
+                  <a:srgbClr val="000000"/>
+                </a:solidFill>
+                <a:effectLst/>
+                <a:latin typeface="Consolas" panose="020B0609020204030204" pitchFamily="49" charset="0"/>
+              </a:rPr>
+              <a:t>"</a:t>
+            </a:r>
+            <a:r>
+              <a:rPr kumimoji="0" lang="ru-RU" altLang="ru-RU" sz="1400" b="0" i="0" u="none" strike="noStrike" cap="none" normalizeH="0" baseline="0" dirty="0" err="1" smtClean="0">
+                <a:ln>
+                  <a:noFill/>
+                </a:ln>
+                <a:solidFill>
+                  <a:srgbClr val="0000FF"/>
+                </a:solidFill>
+                <a:effectLst/>
+                <a:latin typeface="Consolas" panose="020B0609020204030204" pitchFamily="49" charset="0"/>
+              </a:rPr>
+              <a:t>Integrated</a:t>
+            </a:r>
+            <a:r>
+              <a:rPr kumimoji="0" lang="ru-RU" altLang="ru-RU" sz="1400" b="0" i="0" u="none" strike="noStrike" cap="none" normalizeH="0" baseline="0" dirty="0" smtClean="0">
+                <a:ln>
+                  <a:noFill/>
+                </a:ln>
+                <a:solidFill>
+                  <a:srgbClr val="000000"/>
+                </a:solidFill>
+                <a:effectLst/>
+                <a:latin typeface="Consolas" panose="020B0609020204030204" pitchFamily="49" charset="0"/>
+              </a:rPr>
+              <a:t>"</a:t>
+            </a:r>
+            <a:endParaRPr lang="en-US" altLang="ru-RU" sz="1400" dirty="0">
+              <a:solidFill>
+                <a:srgbClr val="0000FF"/>
+              </a:solidFill>
+              <a:latin typeface="Consolas" panose="020B0609020204030204" pitchFamily="49" charset="0"/>
+            </a:endParaRPr>
+          </a:p>
+          <a:p>
+            <a:pPr lvl="0" eaLnBrk="0" fontAlgn="base" hangingPunct="0">
+              <a:spcBef>
+                <a:spcPct val="0"/>
+              </a:spcBef>
+              <a:spcAft>
+                <a:spcPct val="0"/>
+              </a:spcAft>
+            </a:pPr>
+            <a:r>
+              <a:rPr kumimoji="0" lang="en-US" altLang="ru-RU" sz="1400" b="0" i="0" u="none" strike="noStrike" cap="none" normalizeH="0" baseline="0" dirty="0" smtClean="0">
+                <a:ln>
+                  <a:noFill/>
+                </a:ln>
+                <a:solidFill>
+                  <a:srgbClr val="FF0000"/>
+                </a:solidFill>
+                <a:effectLst/>
+                <a:latin typeface="Consolas" panose="020B0609020204030204" pitchFamily="49" charset="0"/>
+              </a:rPr>
+              <a:t>                </a:t>
+            </a:r>
+            <a:r>
+              <a:rPr kumimoji="0" lang="ru-RU" altLang="ru-RU" sz="1400" b="0" i="0" u="none" strike="noStrike" cap="none" normalizeH="0" baseline="0" dirty="0" err="1" smtClean="0">
+                <a:ln>
+                  <a:noFill/>
+                </a:ln>
+                <a:solidFill>
+                  <a:srgbClr val="FF0000"/>
+                </a:solidFill>
+                <a:effectLst/>
+                <a:latin typeface="Consolas" panose="020B0609020204030204" pitchFamily="49" charset="0"/>
+              </a:rPr>
+              <a:t>ManagedRuntimeVersion</a:t>
+            </a:r>
+            <a:r>
+              <a:rPr kumimoji="0" lang="ru-RU" altLang="ru-RU" sz="1400" b="0" i="0" u="none" strike="noStrike" cap="none" normalizeH="0" baseline="0" dirty="0" smtClean="0">
+                <a:ln>
+                  <a:noFill/>
+                </a:ln>
+                <a:solidFill>
+                  <a:srgbClr val="0000FF"/>
+                </a:solidFill>
+                <a:effectLst/>
+                <a:latin typeface="Consolas" panose="020B0609020204030204" pitchFamily="49" charset="0"/>
+              </a:rPr>
+              <a:t>=</a:t>
+            </a:r>
+            <a:r>
+              <a:rPr kumimoji="0" lang="ru-RU" altLang="ru-RU" sz="1400" b="0" i="0" u="none" strike="noStrike" cap="none" normalizeH="0" baseline="0" dirty="0" smtClean="0">
+                <a:ln>
+                  <a:noFill/>
+                </a:ln>
+                <a:solidFill>
+                  <a:srgbClr val="000000"/>
+                </a:solidFill>
+                <a:effectLst/>
+                <a:latin typeface="Consolas" panose="020B0609020204030204" pitchFamily="49" charset="0"/>
+              </a:rPr>
+              <a:t>"</a:t>
+            </a:r>
+            <a:r>
+              <a:rPr kumimoji="0" lang="ru-RU" altLang="ru-RU" sz="1400" b="0" i="0" u="none" strike="noStrike" cap="none" normalizeH="0" baseline="0" dirty="0" smtClean="0">
+                <a:ln>
+                  <a:noFill/>
+                </a:ln>
+                <a:solidFill>
+                  <a:srgbClr val="0000FF"/>
+                </a:solidFill>
+                <a:effectLst/>
+                <a:latin typeface="Consolas" panose="020B0609020204030204" pitchFamily="49" charset="0"/>
+              </a:rPr>
+              <a:t>v4.0</a:t>
+            </a:r>
+            <a:r>
+              <a:rPr kumimoji="0" lang="ru-RU" altLang="ru-RU" sz="1400" b="0" i="0" u="none" strike="noStrike" cap="none" normalizeH="0" baseline="0" dirty="0" smtClean="0">
+                <a:ln>
+                  <a:noFill/>
+                </a:ln>
+                <a:solidFill>
+                  <a:srgbClr val="000000"/>
+                </a:solidFill>
+                <a:effectLst/>
+                <a:latin typeface="Consolas" panose="020B0609020204030204" pitchFamily="49" charset="0"/>
+              </a:rPr>
+              <a:t>"</a:t>
+            </a:r>
+            <a:r>
+              <a:rPr kumimoji="0" lang="ru-RU" altLang="ru-RU" sz="1400" b="0" i="0" u="none" strike="noStrike" cap="none" normalizeH="0" baseline="0" dirty="0" smtClean="0">
+                <a:ln>
+                  <a:noFill/>
+                </a:ln>
+                <a:solidFill>
+                  <a:srgbClr val="0000FF"/>
+                </a:solidFill>
+                <a:effectLst/>
+                <a:latin typeface="Consolas" panose="020B0609020204030204" pitchFamily="49" charset="0"/>
+              </a:rPr>
+              <a:t> /&gt;</a:t>
+            </a:r>
+            <a:endParaRPr kumimoji="0" lang="ru-RU" altLang="ru-RU" sz="1400" b="0" i="0" u="none" strike="noStrike" cap="none" normalizeH="0" baseline="0" dirty="0" smtClean="0">
+              <a:ln>
+                <a:noFill/>
+              </a:ln>
+              <a:solidFill>
+                <a:schemeClr val="tx1"/>
+              </a:solidFill>
+              <a:effectLst/>
+              <a:latin typeface="Arial" panose="020B0604020202020204" pitchFamily="34" charset="0"/>
+            </a:endParaRPr>
+          </a:p>
+        </p:txBody>
+      </p:sp>
+      <p:sp>
+        <p:nvSpPr>
+          <p:cNvPr id="3" name="Rectangle 2"/>
+          <p:cNvSpPr>
+            <a:spLocks noChangeArrowheads="1"/>
+          </p:cNvSpPr>
+          <p:nvPr/>
+        </p:nvSpPr>
+        <p:spPr bwMode="auto">
+          <a:xfrm>
+            <a:off x="713449" y="3013688"/>
+            <a:ext cx="6048451" cy="2462213"/>
+          </a:xfrm>
+          <a:prstGeom prst="rect">
+            <a:avLst/>
+          </a:prstGeom>
+          <a:solidFill>
+            <a:srgbClr val="FFFFFF"/>
+          </a:solidFill>
+          <a:ln>
+            <a:noFill/>
+          </a:ln>
+          <a:effectLst/>
+          <a:extLst>
+            <a:ext uri="{91240B29-F687-4F45-9708-019B960494DF}">
+              <a14:hiddenLine xmlns:a14="http://schemas.microsoft.com/office/drawing/2010/main" w="9525">
+                <a:solidFill>
+                  <a:schemeClr val="tx1"/>
+                </a:solidFill>
+                <a:miter lim="800000"/>
+                <a:headEnd/>
+                <a:tailEnd/>
+              </a14:hiddenLine>
+            </a:ext>
+            <a:ext uri="{AF507438-7753-43E0-B8FC-AC1667EBCBE1}">
+              <a14:hiddenEffects xmlns:a14="http://schemas.microsoft.com/office/drawing/2010/main">
+                <a:effectLst>
+                  <a:outerShdw dist="35921" dir="2700000" algn="ctr" rotWithShape="0">
+                    <a:schemeClr val="bg2"/>
+                  </a:outerShdw>
+                </a:effectLst>
+              </a14:hiddenEffects>
+            </a:ext>
+          </a:extLst>
+        </p:spPr>
+        <p:txBody>
+          <a:bodyPr vert="horz" wrap="none" lIns="91440" tIns="45720" rIns="91440" bIns="45720" numCol="1" anchor="ctr" anchorCtr="0" compatLnSpc="1">
+            <a:prstTxWarp prst="textNoShape">
+              <a:avLst/>
+            </a:prstTxWarp>
+            <a:spAutoFit/>
+          </a:bodyPr>
+          <a:lstStyle/>
+          <a:p>
+            <a:pPr marL="0" marR="0" lvl="0" indent="0" algn="l" defTabSz="914400" rtl="0" eaLnBrk="0" fontAlgn="base" latinLnBrk="0" hangingPunct="0">
+              <a:lnSpc>
+                <a:spcPct val="100000"/>
+              </a:lnSpc>
+              <a:spcBef>
+                <a:spcPct val="0"/>
+              </a:spcBef>
+              <a:spcAft>
+                <a:spcPct val="0"/>
+              </a:spcAft>
+              <a:buClrTx/>
+              <a:buSzTx/>
+              <a:buFontTx/>
+              <a:buNone/>
+              <a:tabLst/>
+            </a:pPr>
+            <a:r>
+              <a:rPr kumimoji="0" lang="ru-RU" altLang="ru-RU" sz="1400" b="0" i="0" u="none" strike="noStrike" cap="none" normalizeH="0" baseline="0" dirty="0" smtClean="0">
+                <a:ln>
+                  <a:noFill/>
+                </a:ln>
+                <a:solidFill>
+                  <a:srgbClr val="0000FF"/>
+                </a:solidFill>
+                <a:effectLst/>
+                <a:latin typeface="Consolas" panose="020B0609020204030204" pitchFamily="49" charset="0"/>
+              </a:rPr>
+              <a:t>&lt;</a:t>
+            </a:r>
+            <a:r>
+              <a:rPr kumimoji="0" lang="ru-RU" altLang="ru-RU" sz="1400" b="0" i="0" u="none" strike="noStrike" cap="none" normalizeH="0" baseline="0" dirty="0" err="1" smtClean="0">
+                <a:ln>
+                  <a:noFill/>
+                </a:ln>
+                <a:solidFill>
+                  <a:srgbClr val="A31515"/>
+                </a:solidFill>
+                <a:effectLst/>
+                <a:latin typeface="Consolas" panose="020B0609020204030204" pitchFamily="49" charset="0"/>
+              </a:rPr>
+              <a:t>iis:WebSite</a:t>
+            </a:r>
+            <a:r>
+              <a:rPr kumimoji="0" lang="ru-RU" altLang="ru-RU" sz="1400" b="0" i="0" u="none" strike="noStrike" cap="none" normalizeH="0" baseline="0" dirty="0" smtClean="0">
+                <a:ln>
+                  <a:noFill/>
+                </a:ln>
+                <a:solidFill>
+                  <a:srgbClr val="0000FF"/>
+                </a:solidFill>
+                <a:effectLst/>
+                <a:latin typeface="Consolas" panose="020B0609020204030204" pitchFamily="49" charset="0"/>
+              </a:rPr>
+              <a:t> </a:t>
+            </a:r>
+            <a:r>
+              <a:rPr kumimoji="0" lang="ru-RU" altLang="ru-RU" sz="1400" b="0" i="0" u="none" strike="noStrike" cap="none" normalizeH="0" baseline="0" dirty="0" err="1" smtClean="0">
+                <a:ln>
+                  <a:noFill/>
+                </a:ln>
+                <a:solidFill>
+                  <a:srgbClr val="FF0000"/>
+                </a:solidFill>
+                <a:effectLst/>
+                <a:latin typeface="Consolas" panose="020B0609020204030204" pitchFamily="49" charset="0"/>
+              </a:rPr>
+              <a:t>Id</a:t>
+            </a:r>
+            <a:r>
+              <a:rPr kumimoji="0" lang="ru-RU" altLang="ru-RU" sz="1400" b="0" i="0" u="none" strike="noStrike" cap="none" normalizeH="0" baseline="0" dirty="0" smtClean="0">
+                <a:ln>
+                  <a:noFill/>
+                </a:ln>
+                <a:solidFill>
+                  <a:srgbClr val="0000FF"/>
+                </a:solidFill>
+                <a:effectLst/>
+                <a:latin typeface="Consolas" panose="020B0609020204030204" pitchFamily="49" charset="0"/>
+              </a:rPr>
+              <a:t>=</a:t>
+            </a:r>
+            <a:r>
+              <a:rPr kumimoji="0" lang="ru-RU" altLang="ru-RU" sz="1400" b="0" i="0" u="none" strike="noStrike" cap="none" normalizeH="0" baseline="0" dirty="0" smtClean="0">
+                <a:ln>
+                  <a:noFill/>
+                </a:ln>
+                <a:solidFill>
+                  <a:srgbClr val="000000"/>
+                </a:solidFill>
+                <a:effectLst/>
+                <a:latin typeface="Consolas" panose="020B0609020204030204" pitchFamily="49" charset="0"/>
+              </a:rPr>
+              <a:t>"</a:t>
+            </a:r>
+            <a:r>
+              <a:rPr kumimoji="0" lang="ru-RU" altLang="ru-RU" sz="1400" b="0" i="0" u="none" strike="noStrike" cap="none" normalizeH="0" baseline="0" dirty="0" err="1" smtClean="0">
+                <a:ln>
+                  <a:noFill/>
+                </a:ln>
+                <a:solidFill>
+                  <a:srgbClr val="0000FF"/>
+                </a:solidFill>
+                <a:effectLst/>
+                <a:latin typeface="Consolas" panose="020B0609020204030204" pitchFamily="49" charset="0"/>
+              </a:rPr>
+              <a:t>MyWebsiteWebsite</a:t>
+            </a:r>
+            <a:r>
+              <a:rPr kumimoji="0" lang="ru-RU" altLang="ru-RU" sz="1400" b="0" i="0" u="none" strike="noStrike" cap="none" normalizeH="0" baseline="0" dirty="0" smtClean="0">
+                <a:ln>
+                  <a:noFill/>
+                </a:ln>
+                <a:solidFill>
+                  <a:srgbClr val="000000"/>
+                </a:solidFill>
+                <a:effectLst/>
+                <a:latin typeface="Consolas" panose="020B0609020204030204" pitchFamily="49" charset="0"/>
+              </a:rPr>
+              <a:t>"</a:t>
+            </a:r>
+            <a:endParaRPr lang="en-US" altLang="ru-RU" sz="1400" dirty="0">
+              <a:solidFill>
+                <a:srgbClr val="0000FF"/>
+              </a:solidFill>
+              <a:latin typeface="Consolas" panose="020B0609020204030204" pitchFamily="49" charset="0"/>
+            </a:endParaRPr>
+          </a:p>
+          <a:p>
+            <a:pPr marL="0" marR="0" lvl="0" indent="0" algn="l" defTabSz="914400" rtl="0" eaLnBrk="0" fontAlgn="base" latinLnBrk="0" hangingPunct="0">
+              <a:lnSpc>
+                <a:spcPct val="100000"/>
+              </a:lnSpc>
+              <a:spcBef>
+                <a:spcPct val="0"/>
+              </a:spcBef>
+              <a:spcAft>
+                <a:spcPct val="0"/>
+              </a:spcAft>
+              <a:buClrTx/>
+              <a:buSzTx/>
+              <a:buFontTx/>
+              <a:buNone/>
+              <a:tabLst/>
+            </a:pPr>
+            <a:r>
+              <a:rPr kumimoji="0" lang="en-US" altLang="ru-RU" sz="1400" b="0" i="0" u="none" strike="noStrike" cap="none" normalizeH="0" baseline="0" dirty="0" smtClean="0">
+                <a:ln>
+                  <a:noFill/>
+                </a:ln>
+                <a:solidFill>
+                  <a:srgbClr val="FF0000"/>
+                </a:solidFill>
+                <a:effectLst/>
+                <a:latin typeface="Consolas" panose="020B0609020204030204" pitchFamily="49" charset="0"/>
+              </a:rPr>
+              <a:t>             </a:t>
+            </a:r>
+            <a:r>
+              <a:rPr kumimoji="0" lang="ru-RU" altLang="ru-RU" sz="1400" b="0" i="0" u="none" strike="noStrike" cap="none" normalizeH="0" baseline="0" dirty="0" err="1" smtClean="0">
+                <a:ln>
+                  <a:noFill/>
+                </a:ln>
+                <a:solidFill>
+                  <a:srgbClr val="FF0000"/>
+                </a:solidFill>
+                <a:effectLst/>
+                <a:latin typeface="Consolas" panose="020B0609020204030204" pitchFamily="49" charset="0"/>
+              </a:rPr>
+              <a:t>Description</a:t>
+            </a:r>
+            <a:r>
+              <a:rPr kumimoji="0" lang="ru-RU" altLang="ru-RU" sz="1400" b="0" i="0" u="none" strike="noStrike" cap="none" normalizeH="0" baseline="0" dirty="0" smtClean="0">
+                <a:ln>
+                  <a:noFill/>
+                </a:ln>
+                <a:solidFill>
+                  <a:srgbClr val="0000FF"/>
+                </a:solidFill>
+                <a:effectLst/>
+                <a:latin typeface="Consolas" panose="020B0609020204030204" pitchFamily="49" charset="0"/>
+              </a:rPr>
+              <a:t>=</a:t>
+            </a:r>
+            <a:r>
+              <a:rPr kumimoji="0" lang="ru-RU" altLang="ru-RU" sz="1400" b="0" i="0" u="none" strike="noStrike" cap="none" normalizeH="0" baseline="0" dirty="0" smtClean="0">
+                <a:ln>
+                  <a:noFill/>
+                </a:ln>
+                <a:solidFill>
+                  <a:srgbClr val="000000"/>
+                </a:solidFill>
+                <a:effectLst/>
+                <a:latin typeface="Consolas" panose="020B0609020204030204" pitchFamily="49" charset="0"/>
+              </a:rPr>
+              <a:t>"</a:t>
+            </a:r>
+            <a:r>
+              <a:rPr kumimoji="0" lang="ru-RU" altLang="ru-RU" sz="1400" b="0" i="0" u="none" strike="noStrike" cap="none" normalizeH="0" baseline="0" dirty="0" smtClean="0">
+                <a:ln>
+                  <a:noFill/>
+                </a:ln>
+                <a:solidFill>
+                  <a:srgbClr val="0000FF"/>
+                </a:solidFill>
+                <a:effectLst/>
+                <a:latin typeface="Consolas" panose="020B0609020204030204" pitchFamily="49" charset="0"/>
+              </a:rPr>
+              <a:t>$(</a:t>
+            </a:r>
+            <a:r>
+              <a:rPr kumimoji="0" lang="ru-RU" altLang="ru-RU" sz="1400" b="0" i="0" u="none" strike="noStrike" cap="none" normalizeH="0" baseline="0" dirty="0" err="1" smtClean="0">
+                <a:ln>
+                  <a:noFill/>
+                </a:ln>
+                <a:solidFill>
+                  <a:srgbClr val="0000FF"/>
+                </a:solidFill>
+                <a:effectLst/>
+                <a:latin typeface="Consolas" panose="020B0609020204030204" pitchFamily="49" charset="0"/>
+              </a:rPr>
+              <a:t>var.WebsiteName</a:t>
+            </a:r>
+            <a:r>
+              <a:rPr kumimoji="0" lang="ru-RU" altLang="ru-RU" sz="1400" b="0" i="0" u="none" strike="noStrike" cap="none" normalizeH="0" baseline="0" dirty="0" smtClean="0">
+                <a:ln>
+                  <a:noFill/>
+                </a:ln>
+                <a:solidFill>
+                  <a:srgbClr val="0000FF"/>
+                </a:solidFill>
+                <a:effectLst/>
+                <a:latin typeface="Consolas" panose="020B0609020204030204" pitchFamily="49" charset="0"/>
+              </a:rPr>
+              <a:t>)</a:t>
+            </a:r>
+            <a:r>
+              <a:rPr kumimoji="0" lang="ru-RU" altLang="ru-RU" sz="1400" b="0" i="0" u="none" strike="noStrike" cap="none" normalizeH="0" baseline="0" dirty="0" smtClean="0">
+                <a:ln>
+                  <a:noFill/>
+                </a:ln>
+                <a:solidFill>
+                  <a:srgbClr val="000000"/>
+                </a:solidFill>
+                <a:effectLst/>
+                <a:latin typeface="Consolas" panose="020B0609020204030204" pitchFamily="49" charset="0"/>
+              </a:rPr>
+              <a:t>"</a:t>
+            </a:r>
+            <a:endParaRPr lang="en-US" altLang="ru-RU" sz="1400" dirty="0">
+              <a:solidFill>
+                <a:srgbClr val="0000FF"/>
+              </a:solidFill>
+              <a:latin typeface="Consolas" panose="020B0609020204030204" pitchFamily="49" charset="0"/>
+            </a:endParaRPr>
+          </a:p>
+          <a:p>
+            <a:pPr marL="0" marR="0" lvl="0" indent="0" algn="l" defTabSz="914400" rtl="0" eaLnBrk="0" fontAlgn="base" latinLnBrk="0" hangingPunct="0">
+              <a:lnSpc>
+                <a:spcPct val="100000"/>
+              </a:lnSpc>
+              <a:spcBef>
+                <a:spcPct val="0"/>
+              </a:spcBef>
+              <a:spcAft>
+                <a:spcPct val="0"/>
+              </a:spcAft>
+              <a:buClrTx/>
+              <a:buSzTx/>
+              <a:buFontTx/>
+              <a:buNone/>
+              <a:tabLst/>
+            </a:pPr>
+            <a:r>
+              <a:rPr kumimoji="0" lang="en-US" altLang="ru-RU" sz="1400" b="0" i="0" u="none" strike="noStrike" cap="none" normalizeH="0" baseline="0" dirty="0" smtClean="0">
+                <a:ln>
+                  <a:noFill/>
+                </a:ln>
+                <a:solidFill>
+                  <a:srgbClr val="FF0000"/>
+                </a:solidFill>
+                <a:effectLst/>
+                <a:latin typeface="Consolas" panose="020B0609020204030204" pitchFamily="49" charset="0"/>
+              </a:rPr>
+              <a:t>             </a:t>
+            </a:r>
+            <a:r>
+              <a:rPr kumimoji="0" lang="ru-RU" altLang="ru-RU" sz="1400" b="0" i="0" u="none" strike="noStrike" cap="none" normalizeH="0" baseline="0" dirty="0" err="1" smtClean="0">
+                <a:ln>
+                  <a:noFill/>
+                </a:ln>
+                <a:solidFill>
+                  <a:srgbClr val="FF0000"/>
+                </a:solidFill>
+                <a:effectLst/>
+                <a:latin typeface="Consolas" panose="020B0609020204030204" pitchFamily="49" charset="0"/>
+              </a:rPr>
+              <a:t>Directory</a:t>
+            </a:r>
+            <a:r>
+              <a:rPr kumimoji="0" lang="ru-RU" altLang="ru-RU" sz="1400" b="0" i="0" u="none" strike="noStrike" cap="none" normalizeH="0" baseline="0" dirty="0" smtClean="0">
+                <a:ln>
+                  <a:noFill/>
+                </a:ln>
+                <a:solidFill>
+                  <a:srgbClr val="0000FF"/>
+                </a:solidFill>
+                <a:effectLst/>
+                <a:latin typeface="Consolas" panose="020B0609020204030204" pitchFamily="49" charset="0"/>
+              </a:rPr>
+              <a:t>=</a:t>
+            </a:r>
+            <a:r>
+              <a:rPr kumimoji="0" lang="ru-RU" altLang="ru-RU" sz="1400" b="0" i="0" u="none" strike="noStrike" cap="none" normalizeH="0" baseline="0" dirty="0" smtClean="0">
+                <a:ln>
+                  <a:noFill/>
+                </a:ln>
+                <a:solidFill>
+                  <a:srgbClr val="000000"/>
+                </a:solidFill>
+                <a:effectLst/>
+                <a:latin typeface="Consolas" panose="020B0609020204030204" pitchFamily="49" charset="0"/>
+              </a:rPr>
+              <a:t>"</a:t>
+            </a:r>
+            <a:r>
+              <a:rPr kumimoji="0" lang="ru-RU" altLang="ru-RU" sz="1400" b="0" i="0" u="none" strike="noStrike" cap="none" normalizeH="0" baseline="0" dirty="0" smtClean="0">
+                <a:ln>
+                  <a:noFill/>
+                </a:ln>
+                <a:solidFill>
+                  <a:srgbClr val="0000FF"/>
+                </a:solidFill>
+                <a:effectLst/>
+                <a:latin typeface="Consolas" panose="020B0609020204030204" pitchFamily="49" charset="0"/>
+              </a:rPr>
+              <a:t>INSTALLDIR</a:t>
+            </a:r>
+            <a:r>
+              <a:rPr kumimoji="0" lang="ru-RU" altLang="ru-RU" sz="1400" b="0" i="0" u="none" strike="noStrike" cap="none" normalizeH="0" baseline="0" dirty="0" smtClean="0">
+                <a:ln>
+                  <a:noFill/>
+                </a:ln>
+                <a:solidFill>
+                  <a:srgbClr val="000000"/>
+                </a:solidFill>
+                <a:effectLst/>
+                <a:latin typeface="Consolas" panose="020B0609020204030204" pitchFamily="49" charset="0"/>
+              </a:rPr>
+              <a:t>"</a:t>
+            </a:r>
+            <a:endParaRPr lang="en-US" altLang="ru-RU" sz="1400" dirty="0">
+              <a:solidFill>
+                <a:srgbClr val="0000FF"/>
+              </a:solidFill>
+              <a:latin typeface="Consolas" panose="020B0609020204030204" pitchFamily="49" charset="0"/>
+            </a:endParaRPr>
+          </a:p>
+          <a:p>
+            <a:pPr marL="0" marR="0" lvl="0" indent="0" algn="l" defTabSz="914400" rtl="0" eaLnBrk="0" fontAlgn="base" latinLnBrk="0" hangingPunct="0">
+              <a:lnSpc>
+                <a:spcPct val="100000"/>
+              </a:lnSpc>
+              <a:spcBef>
+                <a:spcPct val="0"/>
+              </a:spcBef>
+              <a:spcAft>
+                <a:spcPct val="0"/>
+              </a:spcAft>
+              <a:buClrTx/>
+              <a:buSzTx/>
+              <a:buFontTx/>
+              <a:buNone/>
+              <a:tabLst/>
+            </a:pPr>
+            <a:r>
+              <a:rPr kumimoji="0" lang="en-US" altLang="ru-RU" sz="1400" b="0" i="0" u="none" strike="noStrike" cap="none" normalizeH="0" baseline="0" dirty="0" smtClean="0">
+                <a:ln>
+                  <a:noFill/>
+                </a:ln>
+                <a:solidFill>
+                  <a:srgbClr val="FF0000"/>
+                </a:solidFill>
+                <a:effectLst/>
+                <a:latin typeface="Consolas" panose="020B0609020204030204" pitchFamily="49" charset="0"/>
+              </a:rPr>
+              <a:t>             </a:t>
+            </a:r>
+            <a:r>
+              <a:rPr kumimoji="0" lang="ru-RU" altLang="ru-RU" sz="1400" b="0" i="0" u="none" strike="noStrike" cap="none" normalizeH="0" baseline="0" dirty="0" err="1" smtClean="0">
+                <a:ln>
+                  <a:noFill/>
+                </a:ln>
+                <a:solidFill>
+                  <a:srgbClr val="FF0000"/>
+                </a:solidFill>
+                <a:effectLst/>
+                <a:latin typeface="Consolas" panose="020B0609020204030204" pitchFamily="49" charset="0"/>
+              </a:rPr>
+              <a:t>AutoStart</a:t>
+            </a:r>
+            <a:r>
+              <a:rPr kumimoji="0" lang="ru-RU" altLang="ru-RU" sz="1400" b="0" i="0" u="none" strike="noStrike" cap="none" normalizeH="0" baseline="0" dirty="0" smtClean="0">
+                <a:ln>
+                  <a:noFill/>
+                </a:ln>
+                <a:solidFill>
+                  <a:srgbClr val="0000FF"/>
+                </a:solidFill>
+                <a:effectLst/>
+                <a:latin typeface="Consolas" panose="020B0609020204030204" pitchFamily="49" charset="0"/>
+              </a:rPr>
+              <a:t>=</a:t>
+            </a:r>
+            <a:r>
+              <a:rPr kumimoji="0" lang="ru-RU" altLang="ru-RU" sz="1400" b="0" i="0" u="none" strike="noStrike" cap="none" normalizeH="0" baseline="0" dirty="0" smtClean="0">
+                <a:ln>
+                  <a:noFill/>
+                </a:ln>
+                <a:solidFill>
+                  <a:srgbClr val="000000"/>
+                </a:solidFill>
+                <a:effectLst/>
+                <a:latin typeface="Consolas" panose="020B0609020204030204" pitchFamily="49" charset="0"/>
+              </a:rPr>
+              <a:t>"</a:t>
+            </a:r>
+            <a:r>
+              <a:rPr kumimoji="0" lang="ru-RU" altLang="ru-RU" sz="1400" b="0" i="0" u="none" strike="noStrike" cap="none" normalizeH="0" baseline="0" dirty="0" err="1" smtClean="0">
+                <a:ln>
+                  <a:noFill/>
+                </a:ln>
+                <a:solidFill>
+                  <a:srgbClr val="0000FF"/>
+                </a:solidFill>
+                <a:effectLst/>
+                <a:latin typeface="Consolas" panose="020B0609020204030204" pitchFamily="49" charset="0"/>
+              </a:rPr>
+              <a:t>yes</a:t>
+            </a:r>
+            <a:r>
+              <a:rPr kumimoji="0" lang="ru-RU" altLang="ru-RU" sz="1400" b="0" i="0" u="none" strike="noStrike" cap="none" normalizeH="0" baseline="0" dirty="0" smtClean="0">
+                <a:ln>
+                  <a:noFill/>
+                </a:ln>
+                <a:solidFill>
+                  <a:srgbClr val="000000"/>
+                </a:solidFill>
+                <a:effectLst/>
+                <a:latin typeface="Consolas" panose="020B0609020204030204" pitchFamily="49" charset="0"/>
+              </a:rPr>
+              <a:t>"</a:t>
+            </a:r>
+            <a:endParaRPr kumimoji="0" lang="en-US" altLang="ru-RU" sz="1400" b="0" i="0" u="none" strike="noStrike" cap="none" normalizeH="0" baseline="0" dirty="0" smtClean="0">
+              <a:ln>
+                <a:noFill/>
+              </a:ln>
+              <a:solidFill>
+                <a:srgbClr val="000000"/>
+              </a:solidFill>
+              <a:effectLst/>
+              <a:latin typeface="Consolas" panose="020B0609020204030204" pitchFamily="49" charset="0"/>
+            </a:endParaRPr>
+          </a:p>
+          <a:p>
+            <a:pPr marL="0" marR="0" lvl="0" indent="0" algn="l" defTabSz="914400" rtl="0" eaLnBrk="0" fontAlgn="base" latinLnBrk="0" hangingPunct="0">
+              <a:lnSpc>
+                <a:spcPct val="100000"/>
+              </a:lnSpc>
+              <a:spcBef>
+                <a:spcPct val="0"/>
+              </a:spcBef>
+              <a:spcAft>
+                <a:spcPct val="0"/>
+              </a:spcAft>
+              <a:buClrTx/>
+              <a:buSzTx/>
+              <a:buFontTx/>
+              <a:buNone/>
+              <a:tabLst/>
+            </a:pPr>
+            <a:r>
+              <a:rPr kumimoji="0" lang="ru-RU" altLang="ru-RU" sz="1400" b="0" i="0" u="none" strike="noStrike" cap="none" normalizeH="0" baseline="0" dirty="0" smtClean="0">
+                <a:ln>
+                  <a:noFill/>
+                </a:ln>
+                <a:solidFill>
+                  <a:srgbClr val="0000FF"/>
+                </a:solidFill>
+                <a:effectLst/>
+                <a:latin typeface="Consolas" panose="020B0609020204030204" pitchFamily="49" charset="0"/>
+              </a:rPr>
+              <a:t>             </a:t>
+            </a:r>
+            <a:r>
+              <a:rPr kumimoji="0" lang="ru-RU" altLang="ru-RU" sz="1400" b="0" i="0" u="none" strike="noStrike" cap="none" normalizeH="0" baseline="0" dirty="0" err="1" smtClean="0">
+                <a:ln>
+                  <a:noFill/>
+                </a:ln>
+                <a:solidFill>
+                  <a:srgbClr val="FF0000"/>
+                </a:solidFill>
+                <a:effectLst/>
+                <a:latin typeface="Consolas" panose="020B0609020204030204" pitchFamily="49" charset="0"/>
+              </a:rPr>
+              <a:t>StartOnInstall</a:t>
+            </a:r>
+            <a:r>
+              <a:rPr kumimoji="0" lang="ru-RU" altLang="ru-RU" sz="1400" b="0" i="0" u="none" strike="noStrike" cap="none" normalizeH="0" baseline="0" dirty="0" smtClean="0">
+                <a:ln>
+                  <a:noFill/>
+                </a:ln>
+                <a:solidFill>
+                  <a:srgbClr val="0000FF"/>
+                </a:solidFill>
+                <a:effectLst/>
+                <a:latin typeface="Consolas" panose="020B0609020204030204" pitchFamily="49" charset="0"/>
+              </a:rPr>
+              <a:t>=</a:t>
+            </a:r>
+            <a:r>
+              <a:rPr kumimoji="0" lang="ru-RU" altLang="ru-RU" sz="1400" b="0" i="0" u="none" strike="noStrike" cap="none" normalizeH="0" baseline="0" dirty="0" smtClean="0">
+                <a:ln>
+                  <a:noFill/>
+                </a:ln>
+                <a:solidFill>
+                  <a:srgbClr val="000000"/>
+                </a:solidFill>
+                <a:effectLst/>
+                <a:latin typeface="Consolas" panose="020B0609020204030204" pitchFamily="49" charset="0"/>
+              </a:rPr>
+              <a:t>"</a:t>
+            </a:r>
+            <a:r>
+              <a:rPr kumimoji="0" lang="ru-RU" altLang="ru-RU" sz="1400" b="0" i="0" u="none" strike="noStrike" cap="none" normalizeH="0" baseline="0" dirty="0" err="1" smtClean="0">
+                <a:ln>
+                  <a:noFill/>
+                </a:ln>
+                <a:solidFill>
+                  <a:srgbClr val="0000FF"/>
+                </a:solidFill>
+                <a:effectLst/>
+                <a:latin typeface="Consolas" panose="020B0609020204030204" pitchFamily="49" charset="0"/>
+              </a:rPr>
+              <a:t>yes</a:t>
+            </a:r>
+            <a:r>
+              <a:rPr kumimoji="0" lang="ru-RU" altLang="ru-RU" sz="1400" b="0" i="0" u="none" strike="noStrike" cap="none" normalizeH="0" baseline="0" dirty="0" smtClean="0">
+                <a:ln>
+                  <a:noFill/>
+                </a:ln>
+                <a:solidFill>
+                  <a:srgbClr val="000000"/>
+                </a:solidFill>
+                <a:effectLst/>
+                <a:latin typeface="Consolas" panose="020B0609020204030204" pitchFamily="49" charset="0"/>
+              </a:rPr>
+              <a:t>"</a:t>
+            </a:r>
+            <a:r>
+              <a:rPr kumimoji="0" lang="ru-RU" altLang="ru-RU" sz="1400" b="0" i="0" u="none" strike="noStrike" cap="none" normalizeH="0" baseline="0" dirty="0" smtClean="0">
+                <a:ln>
+                  <a:noFill/>
+                </a:ln>
+                <a:solidFill>
+                  <a:srgbClr val="0000FF"/>
+                </a:solidFill>
+                <a:effectLst/>
+                <a:latin typeface="Consolas" panose="020B0609020204030204" pitchFamily="49" charset="0"/>
+              </a:rPr>
+              <a:t>&gt;</a:t>
+            </a:r>
+            <a:endParaRPr kumimoji="0" lang="en-US" altLang="ru-RU" sz="1400" b="0" i="0" u="none" strike="noStrike" cap="none" normalizeH="0" baseline="0" dirty="0" smtClean="0">
+              <a:ln>
+                <a:noFill/>
+              </a:ln>
+              <a:solidFill>
+                <a:srgbClr val="0000FF"/>
+              </a:solidFill>
+              <a:effectLst/>
+              <a:latin typeface="Consolas" panose="020B0609020204030204" pitchFamily="49" charset="0"/>
+            </a:endParaRPr>
+          </a:p>
+          <a:p>
+            <a:pPr marL="0" marR="0" lvl="0" indent="0" algn="l" defTabSz="914400" rtl="0" eaLnBrk="0" fontAlgn="base" latinLnBrk="0" hangingPunct="0">
+              <a:lnSpc>
+                <a:spcPct val="100000"/>
+              </a:lnSpc>
+              <a:spcBef>
+                <a:spcPct val="0"/>
+              </a:spcBef>
+              <a:spcAft>
+                <a:spcPct val="0"/>
+              </a:spcAft>
+              <a:buClrTx/>
+              <a:buSzTx/>
+              <a:buFontTx/>
+              <a:buNone/>
+              <a:tabLst/>
+            </a:pPr>
+            <a:r>
+              <a:rPr kumimoji="0" lang="ru-RU" altLang="ru-RU" sz="1400" b="0" i="0" u="none" strike="noStrike" cap="none" normalizeH="0" baseline="0" dirty="0" smtClean="0">
+                <a:ln>
+                  <a:noFill/>
+                </a:ln>
+                <a:solidFill>
+                  <a:srgbClr val="000000"/>
+                </a:solidFill>
+                <a:effectLst/>
+                <a:latin typeface="Consolas" panose="020B0609020204030204" pitchFamily="49" charset="0"/>
+              </a:rPr>
+              <a:t> </a:t>
+            </a:r>
+            <a:r>
+              <a:rPr kumimoji="0" lang="ru-RU" altLang="ru-RU" sz="1400" b="0" i="0" u="none" strike="noStrike" cap="none" normalizeH="0" baseline="0" dirty="0" smtClean="0">
+                <a:ln>
+                  <a:noFill/>
+                </a:ln>
+                <a:solidFill>
+                  <a:srgbClr val="0000FF"/>
+                </a:solidFill>
+                <a:effectLst/>
+                <a:latin typeface="Consolas" panose="020B0609020204030204" pitchFamily="49" charset="0"/>
+              </a:rPr>
+              <a:t>  </a:t>
+            </a:r>
+            <a:r>
+              <a:rPr kumimoji="0" lang="en-US" altLang="ru-RU" sz="1400" b="0" i="0" u="none" strike="noStrike" cap="none" normalizeH="0" baseline="0" dirty="0" smtClean="0">
+                <a:ln>
+                  <a:noFill/>
+                </a:ln>
+                <a:solidFill>
+                  <a:srgbClr val="0000FF"/>
+                </a:solidFill>
+                <a:effectLst/>
+                <a:latin typeface="Consolas" panose="020B0609020204030204" pitchFamily="49" charset="0"/>
+              </a:rPr>
+              <a:t> </a:t>
+            </a:r>
+            <a:r>
+              <a:rPr kumimoji="0" lang="ru-RU" altLang="ru-RU" sz="1400" b="0" i="0" u="none" strike="noStrike" cap="none" normalizeH="0" baseline="0" dirty="0" smtClean="0">
+                <a:ln>
+                  <a:noFill/>
+                </a:ln>
+                <a:solidFill>
+                  <a:srgbClr val="0000FF"/>
+                </a:solidFill>
+                <a:effectLst/>
+                <a:latin typeface="Consolas" panose="020B0609020204030204" pitchFamily="49" charset="0"/>
+              </a:rPr>
+              <a:t>&lt;</a:t>
+            </a:r>
+            <a:r>
+              <a:rPr kumimoji="0" lang="ru-RU" altLang="ru-RU" sz="1400" b="0" i="0" u="none" strike="noStrike" cap="none" normalizeH="0" baseline="0" dirty="0" err="1" smtClean="0">
+                <a:ln>
+                  <a:noFill/>
+                </a:ln>
+                <a:solidFill>
+                  <a:srgbClr val="A31515"/>
+                </a:solidFill>
+                <a:effectLst/>
+                <a:latin typeface="Consolas" panose="020B0609020204030204" pitchFamily="49" charset="0"/>
+              </a:rPr>
+              <a:t>iis:WebAddress</a:t>
+            </a:r>
+            <a:r>
+              <a:rPr kumimoji="0" lang="ru-RU" altLang="ru-RU" sz="1400" b="0" i="0" u="none" strike="noStrike" cap="none" normalizeH="0" baseline="0" dirty="0" smtClean="0">
+                <a:ln>
+                  <a:noFill/>
+                </a:ln>
+                <a:solidFill>
+                  <a:srgbClr val="0000FF"/>
+                </a:solidFill>
+                <a:effectLst/>
+                <a:latin typeface="Consolas" panose="020B0609020204030204" pitchFamily="49" charset="0"/>
+              </a:rPr>
+              <a:t> </a:t>
+            </a:r>
+            <a:r>
+              <a:rPr kumimoji="0" lang="ru-RU" altLang="ru-RU" sz="1400" b="0" i="0" u="none" strike="noStrike" cap="none" normalizeH="0" baseline="0" dirty="0" err="1" smtClean="0">
+                <a:ln>
+                  <a:noFill/>
+                </a:ln>
+                <a:solidFill>
+                  <a:srgbClr val="FF0000"/>
+                </a:solidFill>
+                <a:effectLst/>
+                <a:latin typeface="Consolas" panose="020B0609020204030204" pitchFamily="49" charset="0"/>
+              </a:rPr>
+              <a:t>Id</a:t>
+            </a:r>
+            <a:r>
+              <a:rPr kumimoji="0" lang="ru-RU" altLang="ru-RU" sz="1400" b="0" i="0" u="none" strike="noStrike" cap="none" normalizeH="0" baseline="0" dirty="0" smtClean="0">
+                <a:ln>
+                  <a:noFill/>
+                </a:ln>
+                <a:solidFill>
+                  <a:srgbClr val="0000FF"/>
+                </a:solidFill>
+                <a:effectLst/>
+                <a:latin typeface="Consolas" panose="020B0609020204030204" pitchFamily="49" charset="0"/>
+              </a:rPr>
+              <a:t>=</a:t>
+            </a:r>
+            <a:r>
+              <a:rPr kumimoji="0" lang="ru-RU" altLang="ru-RU" sz="1400" b="0" i="0" u="none" strike="noStrike" cap="none" normalizeH="0" baseline="0" dirty="0" smtClean="0">
+                <a:ln>
+                  <a:noFill/>
+                </a:ln>
+                <a:solidFill>
+                  <a:srgbClr val="000000"/>
+                </a:solidFill>
+                <a:effectLst/>
+                <a:latin typeface="Consolas" panose="020B0609020204030204" pitchFamily="49" charset="0"/>
+              </a:rPr>
+              <a:t>"</a:t>
+            </a:r>
+            <a:r>
+              <a:rPr kumimoji="0" lang="ru-RU" altLang="ru-RU" sz="1400" b="0" i="0" u="none" strike="noStrike" cap="none" normalizeH="0" baseline="0" dirty="0" err="1" smtClean="0">
+                <a:ln>
+                  <a:noFill/>
+                </a:ln>
+                <a:solidFill>
+                  <a:srgbClr val="0000FF"/>
+                </a:solidFill>
+                <a:effectLst/>
+                <a:latin typeface="Consolas" panose="020B0609020204030204" pitchFamily="49" charset="0"/>
+              </a:rPr>
+              <a:t>AllUnassigned</a:t>
+            </a:r>
+            <a:r>
+              <a:rPr kumimoji="0" lang="ru-RU" altLang="ru-RU" sz="1400" b="0" i="0" u="none" strike="noStrike" cap="none" normalizeH="0" baseline="0" dirty="0" smtClean="0">
+                <a:ln>
+                  <a:noFill/>
+                </a:ln>
+                <a:solidFill>
+                  <a:srgbClr val="000000"/>
+                </a:solidFill>
+                <a:effectLst/>
+                <a:latin typeface="Consolas" panose="020B0609020204030204" pitchFamily="49" charset="0"/>
+              </a:rPr>
+              <a:t>"</a:t>
+            </a:r>
+            <a:endParaRPr lang="en-US" altLang="ru-RU" sz="1400" dirty="0">
+              <a:solidFill>
+                <a:srgbClr val="0000FF"/>
+              </a:solidFill>
+              <a:latin typeface="Consolas" panose="020B0609020204030204" pitchFamily="49" charset="0"/>
+            </a:endParaRPr>
+          </a:p>
+          <a:p>
+            <a:pPr marL="0" marR="0" lvl="0" indent="0" algn="l" defTabSz="914400" rtl="0" eaLnBrk="0" fontAlgn="base" latinLnBrk="0" hangingPunct="0">
+              <a:lnSpc>
+                <a:spcPct val="100000"/>
+              </a:lnSpc>
+              <a:spcBef>
+                <a:spcPct val="0"/>
+              </a:spcBef>
+              <a:spcAft>
+                <a:spcPct val="0"/>
+              </a:spcAft>
+              <a:buClrTx/>
+              <a:buSzTx/>
+              <a:buFontTx/>
+              <a:buNone/>
+              <a:tabLst/>
+            </a:pPr>
+            <a:r>
+              <a:rPr kumimoji="0" lang="en-US" altLang="ru-RU" sz="1400" b="0" i="0" u="none" strike="noStrike" cap="none" normalizeH="0" baseline="0" dirty="0" smtClean="0">
+                <a:ln>
+                  <a:noFill/>
+                </a:ln>
+                <a:solidFill>
+                  <a:srgbClr val="FF0000"/>
+                </a:solidFill>
+                <a:effectLst/>
+                <a:latin typeface="Consolas" panose="020B0609020204030204" pitchFamily="49" charset="0"/>
+              </a:rPr>
+              <a:t>                    </a:t>
+            </a:r>
+            <a:r>
+              <a:rPr kumimoji="0" lang="ru-RU" altLang="ru-RU" sz="1400" b="0" i="0" u="none" strike="noStrike" cap="none" normalizeH="0" baseline="0" dirty="0" err="1" smtClean="0">
+                <a:ln>
+                  <a:noFill/>
+                </a:ln>
+                <a:solidFill>
+                  <a:srgbClr val="FF0000"/>
+                </a:solidFill>
+                <a:effectLst/>
+                <a:latin typeface="Consolas" panose="020B0609020204030204" pitchFamily="49" charset="0"/>
+              </a:rPr>
+              <a:t>Port</a:t>
+            </a:r>
+            <a:r>
+              <a:rPr kumimoji="0" lang="ru-RU" altLang="ru-RU" sz="1400" b="0" i="0" u="none" strike="noStrike" cap="none" normalizeH="0" baseline="0" dirty="0" smtClean="0">
+                <a:ln>
+                  <a:noFill/>
+                </a:ln>
+                <a:solidFill>
+                  <a:srgbClr val="0000FF"/>
+                </a:solidFill>
+                <a:effectLst/>
+                <a:latin typeface="Consolas" panose="020B0609020204030204" pitchFamily="49" charset="0"/>
+              </a:rPr>
+              <a:t>=</a:t>
+            </a:r>
+            <a:r>
+              <a:rPr kumimoji="0" lang="ru-RU" altLang="ru-RU" sz="1400" b="0" i="0" u="none" strike="noStrike" cap="none" normalizeH="0" baseline="0" dirty="0" smtClean="0">
+                <a:ln>
+                  <a:noFill/>
+                </a:ln>
+                <a:solidFill>
+                  <a:srgbClr val="000000"/>
+                </a:solidFill>
+                <a:effectLst/>
+                <a:latin typeface="Consolas" panose="020B0609020204030204" pitchFamily="49" charset="0"/>
+              </a:rPr>
+              <a:t>"</a:t>
+            </a:r>
+            <a:r>
+              <a:rPr kumimoji="0" lang="ru-RU" altLang="ru-RU" sz="1400" b="0" i="0" u="none" strike="noStrike" cap="none" normalizeH="0" baseline="0" dirty="0" smtClean="0">
+                <a:ln>
+                  <a:noFill/>
+                </a:ln>
+                <a:solidFill>
+                  <a:srgbClr val="0000FF"/>
+                </a:solidFill>
+                <a:effectLst/>
+                <a:latin typeface="Consolas" panose="020B0609020204030204" pitchFamily="49" charset="0"/>
+              </a:rPr>
+              <a:t>$(</a:t>
+            </a:r>
+            <a:r>
+              <a:rPr kumimoji="0" lang="ru-RU" altLang="ru-RU" sz="1400" b="0" i="0" u="none" strike="noStrike" cap="none" normalizeH="0" baseline="0" dirty="0" err="1" smtClean="0">
+                <a:ln>
+                  <a:noFill/>
+                </a:ln>
+                <a:solidFill>
+                  <a:srgbClr val="0000FF"/>
+                </a:solidFill>
+                <a:effectLst/>
+                <a:latin typeface="Consolas" panose="020B0609020204030204" pitchFamily="49" charset="0"/>
+              </a:rPr>
+              <a:t>var.WebsitePort</a:t>
+            </a:r>
+            <a:r>
+              <a:rPr kumimoji="0" lang="ru-RU" altLang="ru-RU" sz="1400" b="0" i="0" u="none" strike="noStrike" cap="none" normalizeH="0" baseline="0" dirty="0" smtClean="0">
+                <a:ln>
+                  <a:noFill/>
+                </a:ln>
+                <a:solidFill>
+                  <a:srgbClr val="0000FF"/>
+                </a:solidFill>
+                <a:effectLst/>
+                <a:latin typeface="Consolas" panose="020B0609020204030204" pitchFamily="49" charset="0"/>
+              </a:rPr>
+              <a:t>)</a:t>
+            </a:r>
+            <a:r>
+              <a:rPr kumimoji="0" lang="ru-RU" altLang="ru-RU" sz="1400" b="0" i="0" u="none" strike="noStrike" cap="none" normalizeH="0" baseline="0" dirty="0" smtClean="0">
+                <a:ln>
+                  <a:noFill/>
+                </a:ln>
+                <a:solidFill>
+                  <a:srgbClr val="000000"/>
+                </a:solidFill>
+                <a:effectLst/>
+                <a:latin typeface="Consolas" panose="020B0609020204030204" pitchFamily="49" charset="0"/>
+              </a:rPr>
+              <a:t>"</a:t>
+            </a:r>
+            <a:r>
+              <a:rPr kumimoji="0" lang="ru-RU" altLang="ru-RU" sz="1400" b="0" i="0" u="none" strike="noStrike" cap="none" normalizeH="0" baseline="0" dirty="0" smtClean="0">
+                <a:ln>
+                  <a:noFill/>
+                </a:ln>
+                <a:solidFill>
+                  <a:srgbClr val="0000FF"/>
+                </a:solidFill>
+                <a:effectLst/>
+                <a:latin typeface="Consolas" panose="020B0609020204030204" pitchFamily="49" charset="0"/>
+              </a:rPr>
+              <a:t> /&gt;</a:t>
+            </a:r>
+            <a:endParaRPr lang="en-US" altLang="ru-RU" sz="1400" dirty="0">
+              <a:solidFill>
+                <a:srgbClr val="000000"/>
+              </a:solidFill>
+              <a:latin typeface="Consolas" panose="020B0609020204030204" pitchFamily="49" charset="0"/>
+            </a:endParaRPr>
+          </a:p>
+          <a:p>
+            <a:pPr marL="0" marR="0" lvl="0" indent="0" algn="l" defTabSz="914400" rtl="0" eaLnBrk="0" fontAlgn="base" latinLnBrk="0" hangingPunct="0">
+              <a:lnSpc>
+                <a:spcPct val="100000"/>
+              </a:lnSpc>
+              <a:spcBef>
+                <a:spcPct val="0"/>
+              </a:spcBef>
+              <a:spcAft>
+                <a:spcPct val="0"/>
+              </a:spcAft>
+              <a:buClrTx/>
+              <a:buSzTx/>
+              <a:buFontTx/>
+              <a:buNone/>
+              <a:tabLst/>
+            </a:pPr>
+            <a:r>
+              <a:rPr kumimoji="0" lang="en-US" altLang="ru-RU" sz="1400" b="0" i="0" u="none" strike="noStrike" cap="none" normalizeH="0" dirty="0" smtClean="0">
+                <a:ln>
+                  <a:noFill/>
+                </a:ln>
+                <a:solidFill>
+                  <a:srgbClr val="000000"/>
+                </a:solidFill>
+                <a:effectLst/>
+                <a:latin typeface="Consolas" panose="020B0609020204030204" pitchFamily="49" charset="0"/>
+              </a:rPr>
+              <a:t>    </a:t>
+            </a:r>
+            <a:r>
+              <a:rPr kumimoji="0" lang="ru-RU" altLang="ru-RU" sz="1400" b="0" i="0" u="none" strike="noStrike" cap="none" normalizeH="0" baseline="0" dirty="0" smtClean="0">
+                <a:ln>
+                  <a:noFill/>
+                </a:ln>
+                <a:solidFill>
+                  <a:srgbClr val="0000FF"/>
+                </a:solidFill>
+                <a:effectLst/>
+                <a:latin typeface="Consolas" panose="020B0609020204030204" pitchFamily="49" charset="0"/>
+              </a:rPr>
+              <a:t>&lt;</a:t>
+            </a:r>
+            <a:r>
+              <a:rPr kumimoji="0" lang="ru-RU" altLang="ru-RU" sz="1400" b="0" i="0" u="none" strike="noStrike" cap="none" normalizeH="0" baseline="0" dirty="0" err="1" smtClean="0">
+                <a:ln>
+                  <a:noFill/>
+                </a:ln>
+                <a:solidFill>
+                  <a:srgbClr val="A31515"/>
+                </a:solidFill>
+                <a:effectLst/>
+                <a:latin typeface="Consolas" panose="020B0609020204030204" pitchFamily="49" charset="0"/>
+              </a:rPr>
+              <a:t>iis:WebApplication</a:t>
+            </a:r>
+            <a:r>
+              <a:rPr kumimoji="0" lang="ru-RU" altLang="ru-RU" sz="1400" b="0" i="0" u="none" strike="noStrike" cap="none" normalizeH="0" baseline="0" dirty="0" smtClean="0">
+                <a:ln>
+                  <a:noFill/>
+                </a:ln>
+                <a:solidFill>
+                  <a:srgbClr val="0000FF"/>
+                </a:solidFill>
+                <a:effectLst/>
+                <a:latin typeface="Consolas" panose="020B0609020204030204" pitchFamily="49" charset="0"/>
+              </a:rPr>
+              <a:t> </a:t>
+            </a:r>
+            <a:r>
+              <a:rPr kumimoji="0" lang="ru-RU" altLang="ru-RU" sz="1400" b="0" i="0" u="none" strike="noStrike" cap="none" normalizeH="0" baseline="0" dirty="0" err="1" smtClean="0">
+                <a:ln>
+                  <a:noFill/>
+                </a:ln>
+                <a:solidFill>
+                  <a:srgbClr val="FF0000"/>
+                </a:solidFill>
+                <a:effectLst/>
+                <a:latin typeface="Consolas" panose="020B0609020204030204" pitchFamily="49" charset="0"/>
+              </a:rPr>
+              <a:t>Id</a:t>
+            </a:r>
+            <a:r>
+              <a:rPr kumimoji="0" lang="ru-RU" altLang="ru-RU" sz="1400" b="0" i="0" u="none" strike="noStrike" cap="none" normalizeH="0" baseline="0" dirty="0" smtClean="0">
+                <a:ln>
+                  <a:noFill/>
+                </a:ln>
+                <a:solidFill>
+                  <a:srgbClr val="0000FF"/>
+                </a:solidFill>
+                <a:effectLst/>
+                <a:latin typeface="Consolas" panose="020B0609020204030204" pitchFamily="49" charset="0"/>
+              </a:rPr>
+              <a:t>=</a:t>
+            </a:r>
+            <a:r>
+              <a:rPr kumimoji="0" lang="ru-RU" altLang="ru-RU" sz="1400" b="0" i="0" u="none" strike="noStrike" cap="none" normalizeH="0" baseline="0" dirty="0" smtClean="0">
+                <a:ln>
+                  <a:noFill/>
+                </a:ln>
+                <a:solidFill>
+                  <a:srgbClr val="000000"/>
+                </a:solidFill>
+                <a:effectLst/>
+                <a:latin typeface="Consolas" panose="020B0609020204030204" pitchFamily="49" charset="0"/>
+              </a:rPr>
+              <a:t>"</a:t>
+            </a:r>
+            <a:r>
+              <a:rPr kumimoji="0" lang="ru-RU" altLang="ru-RU" sz="1400" b="0" i="0" u="none" strike="noStrike" cap="none" normalizeH="0" baseline="0" dirty="0" err="1" smtClean="0">
+                <a:ln>
+                  <a:noFill/>
+                </a:ln>
+                <a:solidFill>
+                  <a:srgbClr val="0000FF"/>
+                </a:solidFill>
+                <a:effectLst/>
+                <a:latin typeface="Consolas" panose="020B0609020204030204" pitchFamily="49" charset="0"/>
+              </a:rPr>
+              <a:t>MyWebsiteWebApp</a:t>
+            </a:r>
+            <a:r>
+              <a:rPr kumimoji="0" lang="ru-RU" altLang="ru-RU" sz="1400" b="0" i="0" u="none" strike="noStrike" cap="none" normalizeH="0" baseline="0" dirty="0" smtClean="0">
+                <a:ln>
+                  <a:noFill/>
+                </a:ln>
+                <a:solidFill>
+                  <a:srgbClr val="000000"/>
+                </a:solidFill>
+                <a:effectLst/>
+                <a:latin typeface="Consolas" panose="020B0609020204030204" pitchFamily="49" charset="0"/>
+              </a:rPr>
+              <a:t>"</a:t>
+            </a:r>
+            <a:endParaRPr lang="en-US" altLang="ru-RU" sz="1400" dirty="0">
+              <a:solidFill>
+                <a:srgbClr val="0000FF"/>
+              </a:solidFill>
+              <a:latin typeface="Consolas" panose="020B0609020204030204" pitchFamily="49" charset="0"/>
+            </a:endParaRPr>
+          </a:p>
+          <a:p>
+            <a:pPr marL="0" marR="0" lvl="0" indent="0" algn="l" defTabSz="914400" rtl="0" eaLnBrk="0" fontAlgn="base" latinLnBrk="0" hangingPunct="0">
+              <a:lnSpc>
+                <a:spcPct val="100000"/>
+              </a:lnSpc>
+              <a:spcBef>
+                <a:spcPct val="0"/>
+              </a:spcBef>
+              <a:spcAft>
+                <a:spcPct val="0"/>
+              </a:spcAft>
+              <a:buClrTx/>
+              <a:buSzTx/>
+              <a:buFontTx/>
+              <a:buNone/>
+              <a:tabLst/>
+            </a:pPr>
+            <a:r>
+              <a:rPr kumimoji="0" lang="en-US" altLang="ru-RU" sz="1400" b="0" i="0" u="none" strike="noStrike" cap="none" normalizeH="0" baseline="0" dirty="0" smtClean="0">
+                <a:ln>
+                  <a:noFill/>
+                </a:ln>
+                <a:solidFill>
+                  <a:srgbClr val="FF0000"/>
+                </a:solidFill>
+                <a:effectLst/>
+                <a:latin typeface="Consolas" panose="020B0609020204030204" pitchFamily="49" charset="0"/>
+              </a:rPr>
+              <a:t>                        </a:t>
+            </a:r>
+            <a:r>
+              <a:rPr kumimoji="0" lang="ru-RU" altLang="ru-RU" sz="1400" b="0" i="0" u="none" strike="noStrike" cap="none" normalizeH="0" baseline="0" dirty="0" err="1" smtClean="0">
+                <a:ln>
+                  <a:noFill/>
+                </a:ln>
+                <a:solidFill>
+                  <a:srgbClr val="FF0000"/>
+                </a:solidFill>
+                <a:effectLst/>
+                <a:latin typeface="Consolas" panose="020B0609020204030204" pitchFamily="49" charset="0"/>
+              </a:rPr>
+              <a:t>Name</a:t>
+            </a:r>
+            <a:r>
+              <a:rPr kumimoji="0" lang="ru-RU" altLang="ru-RU" sz="1400" b="0" i="0" u="none" strike="noStrike" cap="none" normalizeH="0" baseline="0" dirty="0" smtClean="0">
+                <a:ln>
+                  <a:noFill/>
+                </a:ln>
+                <a:solidFill>
+                  <a:srgbClr val="0000FF"/>
+                </a:solidFill>
+                <a:effectLst/>
+                <a:latin typeface="Consolas" panose="020B0609020204030204" pitchFamily="49" charset="0"/>
+              </a:rPr>
+              <a:t>=</a:t>
+            </a:r>
+            <a:r>
+              <a:rPr kumimoji="0" lang="ru-RU" altLang="ru-RU" sz="1400" b="0" i="0" u="none" strike="noStrike" cap="none" normalizeH="0" baseline="0" dirty="0" smtClean="0">
+                <a:ln>
+                  <a:noFill/>
+                </a:ln>
+                <a:solidFill>
+                  <a:srgbClr val="000000"/>
+                </a:solidFill>
+                <a:effectLst/>
+                <a:latin typeface="Consolas" panose="020B0609020204030204" pitchFamily="49" charset="0"/>
+              </a:rPr>
+              <a:t>"</a:t>
+            </a:r>
+            <a:r>
+              <a:rPr kumimoji="0" lang="ru-RU" altLang="ru-RU" sz="1400" b="0" i="0" u="none" strike="noStrike" cap="none" normalizeH="0" baseline="0" dirty="0" smtClean="0">
+                <a:ln>
+                  <a:noFill/>
+                </a:ln>
+                <a:solidFill>
+                  <a:srgbClr val="0000FF"/>
+                </a:solidFill>
+                <a:effectLst/>
+                <a:latin typeface="Consolas" panose="020B0609020204030204" pitchFamily="49" charset="0"/>
+              </a:rPr>
+              <a:t>$(</a:t>
+            </a:r>
+            <a:r>
+              <a:rPr kumimoji="0" lang="ru-RU" altLang="ru-RU" sz="1400" b="0" i="0" u="none" strike="noStrike" cap="none" normalizeH="0" baseline="0" dirty="0" err="1" smtClean="0">
+                <a:ln>
+                  <a:noFill/>
+                </a:ln>
+                <a:solidFill>
+                  <a:srgbClr val="0000FF"/>
+                </a:solidFill>
+                <a:effectLst/>
+                <a:latin typeface="Consolas" panose="020B0609020204030204" pitchFamily="49" charset="0"/>
+              </a:rPr>
+              <a:t>var.WebsiteName</a:t>
+            </a:r>
+            <a:r>
+              <a:rPr kumimoji="0" lang="ru-RU" altLang="ru-RU" sz="1400" b="0" i="0" u="none" strike="noStrike" cap="none" normalizeH="0" baseline="0" dirty="0" smtClean="0">
+                <a:ln>
+                  <a:noFill/>
+                </a:ln>
+                <a:solidFill>
+                  <a:srgbClr val="0000FF"/>
+                </a:solidFill>
+                <a:effectLst/>
+                <a:latin typeface="Consolas" panose="020B0609020204030204" pitchFamily="49" charset="0"/>
+              </a:rPr>
+              <a:t>)</a:t>
+            </a:r>
+            <a:r>
+              <a:rPr kumimoji="0" lang="ru-RU" altLang="ru-RU" sz="1400" b="0" i="0" u="none" strike="noStrike" cap="none" normalizeH="0" baseline="0" dirty="0" smtClean="0">
+                <a:ln>
+                  <a:noFill/>
+                </a:ln>
+                <a:solidFill>
+                  <a:srgbClr val="000000"/>
+                </a:solidFill>
+                <a:effectLst/>
+                <a:latin typeface="Consolas" panose="020B0609020204030204" pitchFamily="49" charset="0"/>
+              </a:rPr>
+              <a:t>"</a:t>
+            </a:r>
+            <a:endParaRPr lang="en-US" altLang="ru-RU" sz="1400" dirty="0">
+              <a:solidFill>
+                <a:srgbClr val="0000FF"/>
+              </a:solidFill>
+              <a:latin typeface="Consolas" panose="020B0609020204030204" pitchFamily="49" charset="0"/>
+            </a:endParaRPr>
+          </a:p>
+          <a:p>
+            <a:pPr marL="0" marR="0" lvl="0" indent="0" algn="l" defTabSz="914400" rtl="0" eaLnBrk="0" fontAlgn="base" latinLnBrk="0" hangingPunct="0">
+              <a:lnSpc>
+                <a:spcPct val="100000"/>
+              </a:lnSpc>
+              <a:spcBef>
+                <a:spcPct val="0"/>
+              </a:spcBef>
+              <a:spcAft>
+                <a:spcPct val="0"/>
+              </a:spcAft>
+              <a:buClrTx/>
+              <a:buSzTx/>
+              <a:buFontTx/>
+              <a:buNone/>
+              <a:tabLst/>
+            </a:pPr>
+            <a:r>
+              <a:rPr kumimoji="0" lang="en-US" altLang="ru-RU" sz="1400" b="0" i="0" u="none" strike="noStrike" cap="none" normalizeH="0" baseline="0" dirty="0" smtClean="0">
+                <a:ln>
+                  <a:noFill/>
+                </a:ln>
+                <a:solidFill>
+                  <a:srgbClr val="FF0000"/>
+                </a:solidFill>
+                <a:effectLst/>
+                <a:latin typeface="Consolas" panose="020B0609020204030204" pitchFamily="49" charset="0"/>
+              </a:rPr>
+              <a:t>                        </a:t>
+            </a:r>
+            <a:r>
+              <a:rPr kumimoji="0" lang="ru-RU" altLang="ru-RU" sz="1400" b="0" i="0" u="none" strike="noStrike" cap="none" normalizeH="0" baseline="0" dirty="0" err="1" smtClean="0">
+                <a:ln>
+                  <a:noFill/>
+                </a:ln>
+                <a:solidFill>
+                  <a:srgbClr val="FF0000"/>
+                </a:solidFill>
+                <a:effectLst/>
+                <a:latin typeface="Consolas" panose="020B0609020204030204" pitchFamily="49" charset="0"/>
+              </a:rPr>
+              <a:t>WebAppPool</a:t>
+            </a:r>
+            <a:r>
+              <a:rPr kumimoji="0" lang="ru-RU" altLang="ru-RU" sz="1400" b="0" i="0" u="none" strike="noStrike" cap="none" normalizeH="0" baseline="0" dirty="0" smtClean="0">
+                <a:ln>
+                  <a:noFill/>
+                </a:ln>
+                <a:solidFill>
+                  <a:srgbClr val="0000FF"/>
+                </a:solidFill>
+                <a:effectLst/>
+                <a:latin typeface="Consolas" panose="020B0609020204030204" pitchFamily="49" charset="0"/>
+              </a:rPr>
+              <a:t>=</a:t>
+            </a:r>
+            <a:r>
+              <a:rPr kumimoji="0" lang="ru-RU" altLang="ru-RU" sz="1400" b="0" i="0" u="none" strike="noStrike" cap="none" normalizeH="0" baseline="0" dirty="0" smtClean="0">
+                <a:ln>
+                  <a:noFill/>
+                </a:ln>
+                <a:solidFill>
+                  <a:srgbClr val="000000"/>
+                </a:solidFill>
+                <a:effectLst/>
+                <a:latin typeface="Consolas" panose="020B0609020204030204" pitchFamily="49" charset="0"/>
+              </a:rPr>
+              <a:t>"</a:t>
+            </a:r>
+            <a:r>
+              <a:rPr kumimoji="0" lang="ru-RU" altLang="ru-RU" sz="1400" b="0" i="0" u="none" strike="noStrike" cap="none" normalizeH="0" baseline="0" dirty="0" err="1" smtClean="0">
+                <a:ln>
+                  <a:noFill/>
+                </a:ln>
+                <a:solidFill>
+                  <a:srgbClr val="0000FF"/>
+                </a:solidFill>
+                <a:effectLst/>
+                <a:latin typeface="Consolas" panose="020B0609020204030204" pitchFamily="49" charset="0"/>
+              </a:rPr>
+              <a:t>MyWebsiteWebAppPool</a:t>
+            </a:r>
+            <a:r>
+              <a:rPr kumimoji="0" lang="ru-RU" altLang="ru-RU" sz="1400" b="0" i="0" u="none" strike="noStrike" cap="none" normalizeH="0" baseline="0" dirty="0" smtClean="0">
+                <a:ln>
+                  <a:noFill/>
+                </a:ln>
+                <a:solidFill>
+                  <a:srgbClr val="000000"/>
+                </a:solidFill>
+                <a:effectLst/>
+                <a:latin typeface="Consolas" panose="020B0609020204030204" pitchFamily="49" charset="0"/>
+              </a:rPr>
+              <a:t>"</a:t>
+            </a:r>
+            <a:r>
+              <a:rPr kumimoji="0" lang="ru-RU" altLang="ru-RU" sz="1400" b="0" i="0" u="none" strike="noStrike" cap="none" normalizeH="0" baseline="0" dirty="0" smtClean="0">
+                <a:ln>
+                  <a:noFill/>
+                </a:ln>
+                <a:solidFill>
+                  <a:srgbClr val="0000FF"/>
+                </a:solidFill>
+                <a:effectLst/>
+                <a:latin typeface="Consolas" panose="020B0609020204030204" pitchFamily="49" charset="0"/>
+              </a:rPr>
+              <a:t> /&gt;</a:t>
+            </a:r>
+            <a:endParaRPr lang="en-US" altLang="ru-RU" sz="1400" dirty="0">
+              <a:solidFill>
+                <a:srgbClr val="000000"/>
+              </a:solidFill>
+              <a:latin typeface="Consolas" panose="020B0609020204030204" pitchFamily="49" charset="0"/>
+            </a:endParaRPr>
+          </a:p>
+          <a:p>
+            <a:pPr marL="0" marR="0" lvl="0" indent="0" algn="l" defTabSz="914400" rtl="0" eaLnBrk="0" fontAlgn="base" latinLnBrk="0" hangingPunct="0">
+              <a:lnSpc>
+                <a:spcPct val="100000"/>
+              </a:lnSpc>
+              <a:spcBef>
+                <a:spcPct val="0"/>
+              </a:spcBef>
+              <a:spcAft>
+                <a:spcPct val="0"/>
+              </a:spcAft>
+              <a:buClrTx/>
+              <a:buSzTx/>
+              <a:buFontTx/>
+              <a:buNone/>
+              <a:tabLst/>
+            </a:pPr>
+            <a:r>
+              <a:rPr kumimoji="0" lang="ru-RU" altLang="ru-RU" sz="1400" b="0" i="0" u="none" strike="noStrike" cap="none" normalizeH="0" baseline="0" dirty="0" smtClean="0">
+                <a:ln>
+                  <a:noFill/>
+                </a:ln>
+                <a:solidFill>
+                  <a:srgbClr val="0000FF"/>
+                </a:solidFill>
+                <a:effectLst/>
+                <a:latin typeface="Consolas" panose="020B0609020204030204" pitchFamily="49" charset="0"/>
+              </a:rPr>
+              <a:t>&lt;/</a:t>
+            </a:r>
+            <a:r>
+              <a:rPr kumimoji="0" lang="ru-RU" altLang="ru-RU" sz="1400" b="0" i="0" u="none" strike="noStrike" cap="none" normalizeH="0" baseline="0" dirty="0" err="1" smtClean="0">
+                <a:ln>
+                  <a:noFill/>
+                </a:ln>
+                <a:solidFill>
+                  <a:srgbClr val="A31515"/>
+                </a:solidFill>
+                <a:effectLst/>
+                <a:latin typeface="Consolas" panose="020B0609020204030204" pitchFamily="49" charset="0"/>
+              </a:rPr>
+              <a:t>iis:WebSite</a:t>
+            </a:r>
+            <a:r>
+              <a:rPr kumimoji="0" lang="ru-RU" altLang="ru-RU" sz="1400" b="0" i="0" u="none" strike="noStrike" cap="none" normalizeH="0" baseline="0" dirty="0" smtClean="0">
+                <a:ln>
+                  <a:noFill/>
+                </a:ln>
+                <a:solidFill>
+                  <a:srgbClr val="0000FF"/>
+                </a:solidFill>
+                <a:effectLst/>
+                <a:latin typeface="Consolas" panose="020B0609020204030204" pitchFamily="49" charset="0"/>
+              </a:rPr>
+              <a:t>&gt;</a:t>
+            </a:r>
+            <a:endParaRPr kumimoji="0" lang="ru-RU" altLang="ru-RU" sz="1400" b="0" i="0" u="none" strike="noStrike" cap="none" normalizeH="0" baseline="0" dirty="0" smtClean="0">
+              <a:ln>
+                <a:noFill/>
+              </a:ln>
+              <a:solidFill>
+                <a:schemeClr val="tx1"/>
+              </a:solidFill>
+              <a:effectLst/>
+              <a:latin typeface="Arial" panose="020B0604020202020204" pitchFamily="34" charset="0"/>
+            </a:endParaRPr>
+          </a:p>
+        </p:txBody>
+      </p:sp>
+    </p:spTree>
+    <p:extLst>
+      <p:ext uri="{BB962C8B-B14F-4D97-AF65-F5344CB8AC3E}">
+        <p14:creationId xmlns:p14="http://schemas.microsoft.com/office/powerpoint/2010/main" val="2082426053"/>
+      </p:ext>
+    </p:extLst>
+  </p:cSld>
+  <p:clrMapOvr>
+    <a:masterClrMapping/>
+  </p:clrMapOvr>
+  <p:timing>
+    <p:tnLst>
+      <p:par>
+        <p:cTn id="1" dur="indefinite" restart="never" nodeType="tmRoot"/>
+      </p:par>
+    </p:tnLst>
+  </p:timing>
+</p:sld>
+</file>
+
+<file path=ppt/slides/slide6.xml><?xml version="1.0" encoding="utf-8"?>
+<p:sld xmlns:a="http://schemas.openxmlformats.org/drawingml/2006/main" xmlns:r="http://schemas.openxmlformats.org/officeDocument/2006/relationships" xmlns:p="http://schemas.openxmlformats.org/presentationml/2006/main">
+  <p:cSld>
+    <p:spTree>
+      <p:nvGrpSpPr>
+        <p:cNvPr id="1" name=""/>
+        <p:cNvGrpSpPr/>
+        <p:nvPr/>
+      </p:nvGrpSpPr>
+      <p:grpSpPr>
+        <a:xfrm>
+          <a:off x="0" y="0"/>
+          <a:ext cx="0" cy="0"/>
+          <a:chOff x="0" y="0"/>
+          <a:chExt cx="0" cy="0"/>
+        </a:xfrm>
+      </p:grpSpPr>
+      <p:sp>
+        <p:nvSpPr>
+          <p:cNvPr id="6" name="Прямоугольник 5"/>
+          <p:cNvSpPr/>
+          <p:nvPr/>
+        </p:nvSpPr>
+        <p:spPr>
+          <a:xfrm>
+            <a:off x="713449" y="344617"/>
+            <a:ext cx="4427687" cy="523220"/>
+          </a:xfrm>
+          <a:prstGeom prst="rect">
+            <a:avLst/>
+          </a:prstGeom>
+        </p:spPr>
+        <p:txBody>
+          <a:bodyPr wrap="none">
+            <a:spAutoFit/>
+          </a:bodyPr>
+          <a:lstStyle/>
+          <a:p>
+            <a:r>
+              <a:rPr lang="en-US" sz="2800" dirty="0"/>
+              <a:t>Installing Windows Service</a:t>
+            </a:r>
+          </a:p>
+        </p:txBody>
+      </p:sp>
+      <p:sp>
+        <p:nvSpPr>
+          <p:cNvPr id="7" name="TextBox 6"/>
+          <p:cNvSpPr txBox="1"/>
+          <p:nvPr/>
+        </p:nvSpPr>
+        <p:spPr>
+          <a:xfrm>
+            <a:off x="1136824" y="867837"/>
+            <a:ext cx="4354077" cy="923330"/>
+          </a:xfrm>
+          <a:prstGeom prst="rect">
+            <a:avLst/>
+          </a:prstGeom>
+          <a:noFill/>
+        </p:spPr>
+        <p:txBody>
+          <a:bodyPr wrap="none" rtlCol="0">
+            <a:spAutoFit/>
+          </a:bodyPr>
+          <a:lstStyle/>
+          <a:p>
+            <a:pPr>
+              <a:lnSpc>
+                <a:spcPct val="150000"/>
+              </a:lnSpc>
+            </a:pPr>
+            <a:r>
+              <a:rPr lang="en-US" dirty="0" smtClean="0"/>
+              <a:t>Similar to creating a website in IIS, but</a:t>
+            </a:r>
+          </a:p>
+          <a:p>
+            <a:pPr>
+              <a:lnSpc>
+                <a:spcPct val="150000"/>
+              </a:lnSpc>
+            </a:pPr>
+            <a:r>
+              <a:rPr lang="en-US" dirty="0" smtClean="0">
+                <a:solidFill>
+                  <a:srgbClr val="FF0000"/>
+                </a:solidFill>
+              </a:rPr>
+              <a:t>must be declared in the EXE file node!</a:t>
+            </a:r>
+            <a:endParaRPr lang="en-US" dirty="0" smtClean="0">
+              <a:solidFill>
+                <a:srgbClr val="FF0000"/>
+              </a:solidFill>
+            </a:endParaRPr>
+          </a:p>
+        </p:txBody>
+      </p:sp>
+      <p:sp>
+        <p:nvSpPr>
+          <p:cNvPr id="2" name="Rectangle 1"/>
+          <p:cNvSpPr>
+            <a:spLocks noChangeArrowheads="1"/>
+          </p:cNvSpPr>
+          <p:nvPr/>
+        </p:nvSpPr>
+        <p:spPr bwMode="auto">
+          <a:xfrm>
+            <a:off x="713449" y="1947192"/>
+            <a:ext cx="6545382" cy="4616648"/>
+          </a:xfrm>
+          <a:prstGeom prst="rect">
+            <a:avLst/>
+          </a:prstGeom>
+          <a:solidFill>
+            <a:srgbClr val="FFFFFF"/>
+          </a:solidFill>
+          <a:ln>
+            <a:noFill/>
+          </a:ln>
+          <a:effectLst/>
+          <a:extLst>
+            <a:ext uri="{91240B29-F687-4F45-9708-019B960494DF}">
+              <a14:hiddenLine xmlns:a14="http://schemas.microsoft.com/office/drawing/2010/main" w="9525">
+                <a:solidFill>
+                  <a:schemeClr val="tx1"/>
+                </a:solidFill>
+                <a:miter lim="800000"/>
+                <a:headEnd/>
+                <a:tailEnd/>
+              </a14:hiddenLine>
+            </a:ext>
+            <a:ext uri="{AF507438-7753-43E0-B8FC-AC1667EBCBE1}">
+              <a14:hiddenEffects xmlns:a14="http://schemas.microsoft.com/office/drawing/2010/main">
+                <a:effectLst>
+                  <a:outerShdw dist="35921" dir="2700000" algn="ctr" rotWithShape="0">
+                    <a:schemeClr val="bg2"/>
+                  </a:outerShdw>
+                </a:effectLst>
+              </a14:hiddenEffects>
+            </a:ext>
+          </a:extLst>
+        </p:spPr>
+        <p:txBody>
+          <a:bodyPr vert="horz" wrap="none" lIns="91440" tIns="45720" rIns="91440" bIns="45720" numCol="1" anchor="ctr" anchorCtr="0" compatLnSpc="1">
+            <a:prstTxWarp prst="textNoShape">
+              <a:avLst/>
+            </a:prstTxWarp>
+            <a:spAutoFit/>
+          </a:bodyPr>
+          <a:lstStyle/>
+          <a:p>
+            <a:pPr marL="0" marR="0" lvl="0" indent="0" algn="l" defTabSz="914400" rtl="0" eaLnBrk="0" fontAlgn="base" latinLnBrk="0" hangingPunct="0">
+              <a:lnSpc>
+                <a:spcPct val="100000"/>
+              </a:lnSpc>
+              <a:spcBef>
+                <a:spcPct val="0"/>
+              </a:spcBef>
+              <a:spcAft>
+                <a:spcPct val="0"/>
+              </a:spcAft>
+              <a:buClrTx/>
+              <a:buSzTx/>
+              <a:buFontTx/>
+              <a:buNone/>
+              <a:tabLst/>
+            </a:pPr>
+            <a:r>
+              <a:rPr kumimoji="0" lang="ru-RU" altLang="ru-RU" sz="1400" b="0" i="0" u="none" strike="noStrike" cap="none" normalizeH="0" baseline="0" dirty="0" smtClean="0">
+                <a:ln>
+                  <a:noFill/>
+                </a:ln>
+                <a:solidFill>
+                  <a:srgbClr val="0000FF"/>
+                </a:solidFill>
+                <a:effectLst/>
+                <a:latin typeface="Consolas" panose="020B0609020204030204" pitchFamily="49" charset="0"/>
+              </a:rPr>
+              <a:t>&lt;</a:t>
+            </a:r>
+            <a:r>
+              <a:rPr kumimoji="0" lang="ru-RU" altLang="ru-RU" sz="1400" b="0" i="0" u="none" strike="noStrike" cap="none" normalizeH="0" baseline="0" dirty="0" err="1" smtClean="0">
+                <a:ln>
+                  <a:noFill/>
+                </a:ln>
+                <a:solidFill>
+                  <a:srgbClr val="A31515"/>
+                </a:solidFill>
+                <a:effectLst/>
+                <a:latin typeface="Consolas" panose="020B0609020204030204" pitchFamily="49" charset="0"/>
+              </a:rPr>
+              <a:t>Component</a:t>
+            </a:r>
+            <a:r>
+              <a:rPr kumimoji="0" lang="ru-RU" altLang="ru-RU" sz="1400" b="0" i="0" u="none" strike="noStrike" cap="none" normalizeH="0" baseline="0" dirty="0" smtClean="0">
+                <a:ln>
+                  <a:noFill/>
+                </a:ln>
+                <a:solidFill>
+                  <a:srgbClr val="0000FF"/>
+                </a:solidFill>
+                <a:effectLst/>
+                <a:latin typeface="Consolas" panose="020B0609020204030204" pitchFamily="49" charset="0"/>
+              </a:rPr>
+              <a:t> </a:t>
+            </a:r>
+            <a:r>
+              <a:rPr kumimoji="0" lang="ru-RU" altLang="ru-RU" sz="1400" b="0" i="0" u="none" strike="noStrike" cap="none" normalizeH="0" baseline="0" dirty="0" err="1" smtClean="0">
+                <a:ln>
+                  <a:noFill/>
+                </a:ln>
+                <a:solidFill>
+                  <a:srgbClr val="FF0000"/>
+                </a:solidFill>
+                <a:effectLst/>
+                <a:latin typeface="Consolas" panose="020B0609020204030204" pitchFamily="49" charset="0"/>
+              </a:rPr>
+              <a:t>Id</a:t>
+            </a:r>
+            <a:r>
+              <a:rPr kumimoji="0" lang="ru-RU" altLang="ru-RU" sz="1400" b="0" i="0" u="none" strike="noStrike" cap="none" normalizeH="0" baseline="0" dirty="0" smtClean="0">
+                <a:ln>
+                  <a:noFill/>
+                </a:ln>
+                <a:solidFill>
+                  <a:srgbClr val="0000FF"/>
+                </a:solidFill>
+                <a:effectLst/>
+                <a:latin typeface="Consolas" panose="020B0609020204030204" pitchFamily="49" charset="0"/>
+              </a:rPr>
+              <a:t>=</a:t>
+            </a:r>
+            <a:r>
+              <a:rPr kumimoji="0" lang="ru-RU" altLang="ru-RU" sz="1400" b="0" i="0" u="none" strike="noStrike" cap="none" normalizeH="0" baseline="0" dirty="0" smtClean="0">
+                <a:ln>
+                  <a:noFill/>
+                </a:ln>
+                <a:solidFill>
+                  <a:srgbClr val="000000"/>
+                </a:solidFill>
+                <a:effectLst/>
+                <a:latin typeface="Consolas" panose="020B0609020204030204" pitchFamily="49" charset="0"/>
+              </a:rPr>
+              <a:t>"</a:t>
+            </a:r>
+            <a:r>
+              <a:rPr lang="en-US" altLang="ru-RU" sz="1400" dirty="0" smtClean="0">
+                <a:solidFill>
+                  <a:srgbClr val="0000FF"/>
+                </a:solidFill>
+                <a:latin typeface="Consolas" panose="020B0609020204030204" pitchFamily="49" charset="0"/>
+              </a:rPr>
+              <a:t>MyServiceApp.exe</a:t>
+            </a:r>
+            <a:r>
+              <a:rPr kumimoji="0" lang="ru-RU" altLang="ru-RU" sz="1400" b="0" i="0" u="none" strike="noStrike" cap="none" normalizeH="0" baseline="0" dirty="0" smtClean="0">
+                <a:ln>
+                  <a:noFill/>
+                </a:ln>
+                <a:solidFill>
+                  <a:srgbClr val="000000"/>
+                </a:solidFill>
+                <a:effectLst/>
+                <a:latin typeface="Consolas" panose="020B0609020204030204" pitchFamily="49" charset="0"/>
+              </a:rPr>
+              <a:t>"</a:t>
+            </a:r>
+            <a:endParaRPr lang="en-US" altLang="ru-RU" sz="1400" dirty="0">
+              <a:solidFill>
+                <a:srgbClr val="0000FF"/>
+              </a:solidFill>
+              <a:latin typeface="Consolas" panose="020B0609020204030204" pitchFamily="49" charset="0"/>
+            </a:endParaRPr>
+          </a:p>
+          <a:p>
+            <a:pPr marL="0" marR="0" lvl="0" indent="0" algn="l" defTabSz="914400" rtl="0" eaLnBrk="0" fontAlgn="base" latinLnBrk="0" hangingPunct="0">
+              <a:lnSpc>
+                <a:spcPct val="100000"/>
+              </a:lnSpc>
+              <a:spcBef>
+                <a:spcPct val="0"/>
+              </a:spcBef>
+              <a:spcAft>
+                <a:spcPct val="0"/>
+              </a:spcAft>
+              <a:buClrTx/>
+              <a:buSzTx/>
+              <a:buFontTx/>
+              <a:buNone/>
+              <a:tabLst/>
+            </a:pPr>
+            <a:r>
+              <a:rPr kumimoji="0" lang="en-US" altLang="ru-RU" sz="1400" b="0" i="0" u="none" strike="noStrike" cap="none" normalizeH="0" baseline="0" dirty="0" smtClean="0">
+                <a:ln>
+                  <a:noFill/>
+                </a:ln>
+                <a:solidFill>
+                  <a:srgbClr val="FF0000"/>
+                </a:solidFill>
+                <a:effectLst/>
+                <a:latin typeface="Consolas" panose="020B0609020204030204" pitchFamily="49" charset="0"/>
+              </a:rPr>
+              <a:t>           </a:t>
+            </a:r>
+            <a:r>
+              <a:rPr kumimoji="0" lang="ru-RU" altLang="ru-RU" sz="1400" b="0" i="0" u="none" strike="noStrike" cap="none" normalizeH="0" baseline="0" dirty="0" err="1" smtClean="0">
+                <a:ln>
+                  <a:noFill/>
+                </a:ln>
+                <a:solidFill>
+                  <a:srgbClr val="FF0000"/>
+                </a:solidFill>
+                <a:effectLst/>
+                <a:latin typeface="Consolas" panose="020B0609020204030204" pitchFamily="49" charset="0"/>
+              </a:rPr>
+              <a:t>Guid</a:t>
+            </a:r>
+            <a:r>
+              <a:rPr kumimoji="0" lang="ru-RU" altLang="ru-RU" sz="1400" b="0" i="0" u="none" strike="noStrike" cap="none" normalizeH="0" baseline="0" dirty="0" smtClean="0">
+                <a:ln>
+                  <a:noFill/>
+                </a:ln>
+                <a:solidFill>
+                  <a:srgbClr val="0000FF"/>
+                </a:solidFill>
+                <a:effectLst/>
+                <a:latin typeface="Consolas" panose="020B0609020204030204" pitchFamily="49" charset="0"/>
+              </a:rPr>
+              <a:t>=</a:t>
+            </a:r>
+            <a:r>
+              <a:rPr kumimoji="0" lang="ru-RU" altLang="ru-RU" sz="1400" b="0" i="0" u="none" strike="noStrike" cap="none" normalizeH="0" baseline="0" dirty="0" smtClean="0">
+                <a:ln>
+                  <a:noFill/>
+                </a:ln>
+                <a:solidFill>
+                  <a:srgbClr val="000000"/>
+                </a:solidFill>
+                <a:effectLst/>
+                <a:latin typeface="Consolas" panose="020B0609020204030204" pitchFamily="49" charset="0"/>
+              </a:rPr>
+              <a:t>"</a:t>
+            </a:r>
+            <a:r>
+              <a:rPr kumimoji="0" lang="ru-RU" altLang="ru-RU" sz="1400" b="0" i="0" u="none" strike="noStrike" cap="none" normalizeH="0" baseline="0" dirty="0" smtClean="0">
+                <a:ln>
+                  <a:noFill/>
+                </a:ln>
+                <a:solidFill>
+                  <a:srgbClr val="0000FF"/>
+                </a:solidFill>
+                <a:effectLst/>
+                <a:latin typeface="Consolas" panose="020B0609020204030204" pitchFamily="49" charset="0"/>
+              </a:rPr>
+              <a:t>1179AEC7-6B76-46F8-B38E-6841D47C67A0</a:t>
+            </a:r>
+            <a:r>
+              <a:rPr kumimoji="0" lang="ru-RU" altLang="ru-RU" sz="1400" b="0" i="0" u="none" strike="noStrike" cap="none" normalizeH="0" baseline="0" dirty="0" smtClean="0">
+                <a:ln>
+                  <a:noFill/>
+                </a:ln>
+                <a:solidFill>
+                  <a:srgbClr val="000000"/>
+                </a:solidFill>
+                <a:effectLst/>
+                <a:latin typeface="Consolas" panose="020B0609020204030204" pitchFamily="49" charset="0"/>
+              </a:rPr>
+              <a:t>"</a:t>
+            </a:r>
+            <a:r>
+              <a:rPr kumimoji="0" lang="ru-RU" altLang="ru-RU" sz="1400" b="0" i="0" u="none" strike="noStrike" cap="none" normalizeH="0" baseline="0" dirty="0" smtClean="0">
+                <a:ln>
+                  <a:noFill/>
+                </a:ln>
+                <a:solidFill>
+                  <a:srgbClr val="0000FF"/>
+                </a:solidFill>
+                <a:effectLst/>
+                <a:latin typeface="Consolas" panose="020B0609020204030204" pitchFamily="49" charset="0"/>
+              </a:rPr>
+              <a:t>&gt;</a:t>
+            </a:r>
+            <a:endParaRPr kumimoji="0" lang="en-US" altLang="ru-RU" sz="1400" b="0" i="0" u="none" strike="noStrike" cap="none" normalizeH="0" baseline="0" dirty="0" smtClean="0">
+              <a:ln>
+                <a:noFill/>
+              </a:ln>
+              <a:solidFill>
+                <a:srgbClr val="0000FF"/>
+              </a:solidFill>
+              <a:effectLst/>
+              <a:latin typeface="Consolas" panose="020B0609020204030204" pitchFamily="49" charset="0"/>
+            </a:endParaRPr>
+          </a:p>
+          <a:p>
+            <a:pPr marL="0" marR="0" lvl="0" indent="0" algn="l" defTabSz="914400" rtl="0" eaLnBrk="0" fontAlgn="base" latinLnBrk="0" hangingPunct="0">
+              <a:lnSpc>
+                <a:spcPct val="100000"/>
+              </a:lnSpc>
+              <a:spcBef>
+                <a:spcPct val="0"/>
+              </a:spcBef>
+              <a:spcAft>
+                <a:spcPct val="0"/>
+              </a:spcAft>
+              <a:buClrTx/>
+              <a:buSzTx/>
+              <a:buFontTx/>
+              <a:buNone/>
+              <a:tabLst/>
+            </a:pPr>
+            <a:r>
+              <a:rPr kumimoji="0" lang="ru-RU" altLang="ru-RU" sz="1400" b="0" i="0" u="none" strike="noStrike" cap="none" normalizeH="0" baseline="0" dirty="0" smtClean="0">
+                <a:ln>
+                  <a:noFill/>
+                </a:ln>
+                <a:solidFill>
+                  <a:srgbClr val="000000"/>
+                </a:solidFill>
+                <a:effectLst/>
+                <a:latin typeface="Consolas" panose="020B0609020204030204" pitchFamily="49" charset="0"/>
+              </a:rPr>
+              <a:t> </a:t>
+            </a:r>
+            <a:r>
+              <a:rPr kumimoji="0" lang="ru-RU" altLang="ru-RU" sz="1400" b="0" i="0" u="none" strike="noStrike" cap="none" normalizeH="0" baseline="0" dirty="0" smtClean="0">
+                <a:ln>
+                  <a:noFill/>
+                </a:ln>
+                <a:solidFill>
+                  <a:srgbClr val="0000FF"/>
+                </a:solidFill>
+                <a:effectLst/>
+                <a:latin typeface="Consolas" panose="020B0609020204030204" pitchFamily="49" charset="0"/>
+              </a:rPr>
+              <a:t>  </a:t>
+            </a:r>
+            <a:r>
+              <a:rPr kumimoji="0" lang="en-US" altLang="ru-RU" sz="1400" b="0" i="0" u="none" strike="noStrike" cap="none" normalizeH="0" baseline="0" dirty="0" smtClean="0">
+                <a:ln>
+                  <a:noFill/>
+                </a:ln>
+                <a:solidFill>
+                  <a:srgbClr val="0000FF"/>
+                </a:solidFill>
+                <a:effectLst/>
+                <a:latin typeface="Consolas" panose="020B0609020204030204" pitchFamily="49" charset="0"/>
+              </a:rPr>
+              <a:t> </a:t>
+            </a:r>
+            <a:r>
+              <a:rPr kumimoji="0" lang="ru-RU" altLang="ru-RU" sz="1400" b="0" i="0" u="none" strike="noStrike" cap="none" normalizeH="0" baseline="0" dirty="0" smtClean="0">
+                <a:ln>
+                  <a:noFill/>
+                </a:ln>
+                <a:solidFill>
+                  <a:srgbClr val="0000FF"/>
+                </a:solidFill>
+                <a:effectLst/>
+                <a:latin typeface="Consolas" panose="020B0609020204030204" pitchFamily="49" charset="0"/>
+              </a:rPr>
+              <a:t>&lt;</a:t>
+            </a:r>
+            <a:r>
+              <a:rPr kumimoji="0" lang="ru-RU" altLang="ru-RU" sz="1400" b="0" i="0" u="none" strike="noStrike" cap="none" normalizeH="0" baseline="0" dirty="0" err="1" smtClean="0">
+                <a:ln>
+                  <a:noFill/>
+                </a:ln>
+                <a:solidFill>
+                  <a:srgbClr val="A31515"/>
+                </a:solidFill>
+                <a:effectLst/>
+                <a:latin typeface="Consolas" panose="020B0609020204030204" pitchFamily="49" charset="0"/>
+              </a:rPr>
+              <a:t>File</a:t>
+            </a:r>
+            <a:r>
+              <a:rPr kumimoji="0" lang="ru-RU" altLang="ru-RU" sz="1400" b="0" i="0" u="none" strike="noStrike" cap="none" normalizeH="0" baseline="0" dirty="0" smtClean="0">
+                <a:ln>
+                  <a:noFill/>
+                </a:ln>
+                <a:solidFill>
+                  <a:srgbClr val="0000FF"/>
+                </a:solidFill>
+                <a:effectLst/>
+                <a:latin typeface="Consolas" panose="020B0609020204030204" pitchFamily="49" charset="0"/>
+              </a:rPr>
+              <a:t> </a:t>
+            </a:r>
+            <a:r>
+              <a:rPr kumimoji="0" lang="ru-RU" altLang="ru-RU" sz="1400" b="0" i="0" u="none" strike="noStrike" cap="none" normalizeH="0" baseline="0" dirty="0" err="1" smtClean="0">
+                <a:ln>
+                  <a:noFill/>
+                </a:ln>
+                <a:solidFill>
+                  <a:srgbClr val="FF0000"/>
+                </a:solidFill>
+                <a:effectLst/>
+                <a:latin typeface="Consolas" panose="020B0609020204030204" pitchFamily="49" charset="0"/>
+              </a:rPr>
+              <a:t>Id</a:t>
+            </a:r>
+            <a:r>
+              <a:rPr kumimoji="0" lang="ru-RU" altLang="ru-RU" sz="1400" b="0" i="0" u="none" strike="noStrike" cap="none" normalizeH="0" baseline="0" dirty="0" smtClean="0">
+                <a:ln>
+                  <a:noFill/>
+                </a:ln>
+                <a:solidFill>
+                  <a:srgbClr val="0000FF"/>
+                </a:solidFill>
+                <a:effectLst/>
+                <a:latin typeface="Consolas" panose="020B0609020204030204" pitchFamily="49" charset="0"/>
+              </a:rPr>
+              <a:t>=</a:t>
+            </a:r>
+            <a:r>
+              <a:rPr kumimoji="0" lang="ru-RU" altLang="ru-RU" sz="1400" b="0" i="0" u="none" strike="noStrike" cap="none" normalizeH="0" baseline="0" dirty="0" smtClean="0">
+                <a:ln>
+                  <a:noFill/>
+                </a:ln>
+                <a:solidFill>
+                  <a:srgbClr val="000000"/>
+                </a:solidFill>
+                <a:effectLst/>
+                <a:latin typeface="Consolas" panose="020B0609020204030204" pitchFamily="49" charset="0"/>
+              </a:rPr>
+              <a:t>"</a:t>
+            </a:r>
+            <a:r>
+              <a:rPr kumimoji="0" lang="ru-RU" altLang="ru-RU" sz="1400" b="0" i="0" u="none" strike="noStrike" cap="none" normalizeH="0" baseline="0" dirty="0" smtClean="0">
+                <a:ln>
+                  <a:noFill/>
+                </a:ln>
+                <a:solidFill>
+                  <a:srgbClr val="0000FF"/>
+                </a:solidFill>
+                <a:effectLst/>
+                <a:latin typeface="Consolas" panose="020B0609020204030204" pitchFamily="49" charset="0"/>
+              </a:rPr>
+              <a:t>fil3D5D138B53B3831C88AA1958E1C8D81D</a:t>
+            </a:r>
+            <a:r>
+              <a:rPr kumimoji="0" lang="ru-RU" altLang="ru-RU" sz="1400" b="0" i="0" u="none" strike="noStrike" cap="none" normalizeH="0" baseline="0" dirty="0" smtClean="0">
+                <a:ln>
+                  <a:noFill/>
+                </a:ln>
+                <a:solidFill>
+                  <a:srgbClr val="000000"/>
+                </a:solidFill>
+                <a:effectLst/>
+                <a:latin typeface="Consolas" panose="020B0609020204030204" pitchFamily="49" charset="0"/>
+              </a:rPr>
+              <a:t>"</a:t>
+            </a:r>
+            <a:endParaRPr lang="en-US" altLang="ru-RU" sz="1400" dirty="0">
+              <a:solidFill>
+                <a:srgbClr val="0000FF"/>
+              </a:solidFill>
+              <a:latin typeface="Consolas" panose="020B0609020204030204" pitchFamily="49" charset="0"/>
+            </a:endParaRPr>
+          </a:p>
+          <a:p>
+            <a:pPr marL="0" marR="0" lvl="0" indent="0" algn="l" defTabSz="914400" rtl="0" eaLnBrk="0" fontAlgn="base" latinLnBrk="0" hangingPunct="0">
+              <a:lnSpc>
+                <a:spcPct val="100000"/>
+              </a:lnSpc>
+              <a:spcBef>
+                <a:spcPct val="0"/>
+              </a:spcBef>
+              <a:spcAft>
+                <a:spcPct val="0"/>
+              </a:spcAft>
+              <a:buClrTx/>
+              <a:buSzTx/>
+              <a:buFontTx/>
+              <a:buNone/>
+              <a:tabLst/>
+            </a:pPr>
+            <a:r>
+              <a:rPr kumimoji="0" lang="en-US" altLang="ru-RU" sz="1400" b="0" i="0" u="none" strike="noStrike" cap="none" normalizeH="0" baseline="0" dirty="0" smtClean="0">
+                <a:ln>
+                  <a:noFill/>
+                </a:ln>
+                <a:solidFill>
+                  <a:srgbClr val="FF0000"/>
+                </a:solidFill>
+                <a:effectLst/>
+                <a:latin typeface="Consolas" panose="020B0609020204030204" pitchFamily="49" charset="0"/>
+              </a:rPr>
+              <a:t>          </a:t>
+            </a:r>
+            <a:r>
+              <a:rPr kumimoji="0" lang="ru-RU" altLang="ru-RU" sz="1400" b="0" i="0" u="none" strike="noStrike" cap="none" normalizeH="0" baseline="0" dirty="0" err="1" smtClean="0">
+                <a:ln>
+                  <a:noFill/>
+                </a:ln>
+                <a:solidFill>
+                  <a:srgbClr val="FF0000"/>
+                </a:solidFill>
+                <a:effectLst/>
+                <a:latin typeface="Consolas" panose="020B0609020204030204" pitchFamily="49" charset="0"/>
+              </a:rPr>
+              <a:t>KeyPath</a:t>
+            </a:r>
+            <a:r>
+              <a:rPr kumimoji="0" lang="ru-RU" altLang="ru-RU" sz="1400" b="0" i="0" u="none" strike="noStrike" cap="none" normalizeH="0" baseline="0" dirty="0" smtClean="0">
+                <a:ln>
+                  <a:noFill/>
+                </a:ln>
+                <a:solidFill>
+                  <a:srgbClr val="0000FF"/>
+                </a:solidFill>
+                <a:effectLst/>
+                <a:latin typeface="Consolas" panose="020B0609020204030204" pitchFamily="49" charset="0"/>
+              </a:rPr>
+              <a:t>=</a:t>
+            </a:r>
+            <a:r>
+              <a:rPr kumimoji="0" lang="ru-RU" altLang="ru-RU" sz="1400" b="0" i="0" u="none" strike="noStrike" cap="none" normalizeH="0" baseline="0" dirty="0" smtClean="0">
+                <a:ln>
+                  <a:noFill/>
+                </a:ln>
+                <a:solidFill>
+                  <a:srgbClr val="000000"/>
+                </a:solidFill>
+                <a:effectLst/>
+                <a:latin typeface="Consolas" panose="020B0609020204030204" pitchFamily="49" charset="0"/>
+              </a:rPr>
+              <a:t>"</a:t>
+            </a:r>
+            <a:r>
+              <a:rPr kumimoji="0" lang="ru-RU" altLang="ru-RU" sz="1400" b="0" i="0" u="none" strike="noStrike" cap="none" normalizeH="0" baseline="0" dirty="0" err="1" smtClean="0">
+                <a:ln>
+                  <a:noFill/>
+                </a:ln>
+                <a:solidFill>
+                  <a:srgbClr val="0000FF"/>
+                </a:solidFill>
+                <a:effectLst/>
+                <a:latin typeface="Consolas" panose="020B0609020204030204" pitchFamily="49" charset="0"/>
+              </a:rPr>
+              <a:t>yes</a:t>
+            </a:r>
+            <a:r>
+              <a:rPr kumimoji="0" lang="ru-RU" altLang="ru-RU" sz="1400" b="0" i="0" u="none" strike="noStrike" cap="none" normalizeH="0" baseline="0" dirty="0" smtClean="0">
+                <a:ln>
+                  <a:noFill/>
+                </a:ln>
+                <a:solidFill>
+                  <a:srgbClr val="000000"/>
+                </a:solidFill>
+                <a:effectLst/>
+                <a:latin typeface="Consolas" panose="020B0609020204030204" pitchFamily="49" charset="0"/>
+              </a:rPr>
+              <a:t>"</a:t>
+            </a:r>
+            <a:endParaRPr lang="en-US" altLang="ru-RU" sz="1400" dirty="0">
+              <a:solidFill>
+                <a:srgbClr val="0000FF"/>
+              </a:solidFill>
+              <a:latin typeface="Consolas" panose="020B0609020204030204" pitchFamily="49" charset="0"/>
+            </a:endParaRPr>
+          </a:p>
+          <a:p>
+            <a:pPr lvl="0" eaLnBrk="0" fontAlgn="base" hangingPunct="0">
+              <a:spcBef>
+                <a:spcPct val="0"/>
+              </a:spcBef>
+              <a:spcAft>
+                <a:spcPct val="0"/>
+              </a:spcAft>
+            </a:pPr>
+            <a:r>
+              <a:rPr kumimoji="0" lang="en-US" altLang="ru-RU" sz="1400" b="0" i="0" u="none" strike="noStrike" cap="none" normalizeH="0" baseline="0" dirty="0" smtClean="0">
+                <a:ln>
+                  <a:noFill/>
+                </a:ln>
+                <a:solidFill>
+                  <a:srgbClr val="FF0000"/>
+                </a:solidFill>
+                <a:effectLst/>
+                <a:latin typeface="Consolas" panose="020B0609020204030204" pitchFamily="49" charset="0"/>
+              </a:rPr>
+              <a:t>          </a:t>
+            </a:r>
+            <a:r>
+              <a:rPr kumimoji="0" lang="ru-RU" altLang="ru-RU" sz="1400" b="0" i="0" u="none" strike="noStrike" cap="none" normalizeH="0" baseline="0" dirty="0" err="1" smtClean="0">
+                <a:ln>
+                  <a:noFill/>
+                </a:ln>
+                <a:solidFill>
+                  <a:srgbClr val="FF0000"/>
+                </a:solidFill>
+                <a:effectLst/>
+                <a:latin typeface="Consolas" panose="020B0609020204030204" pitchFamily="49" charset="0"/>
+              </a:rPr>
+              <a:t>Source</a:t>
+            </a:r>
+            <a:r>
+              <a:rPr kumimoji="0" lang="ru-RU" altLang="ru-RU" sz="1400" b="0" i="0" u="none" strike="noStrike" cap="none" normalizeH="0" baseline="0" dirty="0" smtClean="0">
+                <a:ln>
+                  <a:noFill/>
+                </a:ln>
+                <a:solidFill>
+                  <a:srgbClr val="0000FF"/>
+                </a:solidFill>
+                <a:effectLst/>
+                <a:latin typeface="Consolas" panose="020B0609020204030204" pitchFamily="49" charset="0"/>
+              </a:rPr>
+              <a:t>=</a:t>
+            </a:r>
+            <a:r>
+              <a:rPr kumimoji="0" lang="ru-RU" altLang="ru-RU" sz="1400" b="0" i="0" u="none" strike="noStrike" cap="none" normalizeH="0" baseline="0" dirty="0" smtClean="0">
+                <a:ln>
+                  <a:noFill/>
+                </a:ln>
+                <a:solidFill>
+                  <a:srgbClr val="000000"/>
+                </a:solidFill>
+                <a:effectLst/>
+                <a:latin typeface="Consolas" panose="020B0609020204030204" pitchFamily="49" charset="0"/>
+              </a:rPr>
+              <a:t>"</a:t>
+            </a:r>
+            <a:r>
+              <a:rPr kumimoji="0" lang="ru-RU" altLang="ru-RU" sz="1400" b="0" i="0" u="none" strike="noStrike" cap="none" normalizeH="0" baseline="0" dirty="0" smtClean="0">
+                <a:ln>
+                  <a:noFill/>
+                </a:ln>
+                <a:solidFill>
+                  <a:srgbClr val="0000FF"/>
+                </a:solidFill>
+                <a:effectLst/>
+                <a:latin typeface="Consolas" panose="020B0609020204030204" pitchFamily="49" charset="0"/>
+              </a:rPr>
+              <a:t>$(</a:t>
+            </a:r>
+            <a:r>
+              <a:rPr kumimoji="0" lang="ru-RU" altLang="ru-RU" sz="1400" b="0" i="0" u="none" strike="noStrike" cap="none" normalizeH="0" baseline="0" dirty="0" err="1" smtClean="0">
+                <a:ln>
+                  <a:noFill/>
+                </a:ln>
+                <a:solidFill>
+                  <a:srgbClr val="0000FF"/>
+                </a:solidFill>
+                <a:effectLst/>
+                <a:latin typeface="Consolas" panose="020B0609020204030204" pitchFamily="49" charset="0"/>
+              </a:rPr>
+              <a:t>var.SourceDir</a:t>
+            </a:r>
+            <a:r>
+              <a:rPr kumimoji="0" lang="ru-RU" altLang="ru-RU" sz="1400" b="0" i="0" u="none" strike="noStrike" cap="none" normalizeH="0" baseline="0" dirty="0" smtClean="0">
+                <a:ln>
+                  <a:noFill/>
+                </a:ln>
+                <a:solidFill>
+                  <a:srgbClr val="0000FF"/>
+                </a:solidFill>
+                <a:effectLst/>
+                <a:latin typeface="Consolas" panose="020B0609020204030204" pitchFamily="49" charset="0"/>
+              </a:rPr>
+              <a:t>)\</a:t>
+            </a:r>
+            <a:r>
+              <a:rPr lang="en-US" altLang="ru-RU" sz="1400" dirty="0" smtClean="0">
+                <a:solidFill>
+                  <a:srgbClr val="0000FF"/>
+                </a:solidFill>
+                <a:latin typeface="Consolas" panose="020B0609020204030204" pitchFamily="49" charset="0"/>
+              </a:rPr>
+              <a:t>MyServiceApp.exe</a:t>
+            </a:r>
+            <a:r>
+              <a:rPr kumimoji="0" lang="ru-RU" altLang="ru-RU" sz="1400" b="0" i="0" u="none" strike="noStrike" cap="none" normalizeH="0" baseline="0" dirty="0" smtClean="0">
+                <a:ln>
+                  <a:noFill/>
+                </a:ln>
+                <a:solidFill>
+                  <a:srgbClr val="000000"/>
+                </a:solidFill>
+                <a:effectLst/>
+                <a:latin typeface="Consolas" panose="020B0609020204030204" pitchFamily="49" charset="0"/>
+              </a:rPr>
+              <a:t>"</a:t>
+            </a:r>
+            <a:r>
+              <a:rPr kumimoji="0" lang="ru-RU" altLang="ru-RU" sz="1400" b="0" i="0" u="none" strike="noStrike" cap="none" normalizeH="0" baseline="0" dirty="0" smtClean="0">
+                <a:ln>
+                  <a:noFill/>
+                </a:ln>
+                <a:solidFill>
+                  <a:srgbClr val="0000FF"/>
+                </a:solidFill>
+                <a:effectLst/>
+                <a:latin typeface="Consolas" panose="020B0609020204030204" pitchFamily="49" charset="0"/>
+              </a:rPr>
+              <a:t> /&gt;</a:t>
+            </a:r>
+            <a:endParaRPr lang="en-US" altLang="ru-RU" sz="1400" dirty="0">
+              <a:solidFill>
+                <a:srgbClr val="000000"/>
+              </a:solidFill>
+              <a:latin typeface="Consolas" panose="020B0609020204030204" pitchFamily="49" charset="0"/>
+            </a:endParaRPr>
+          </a:p>
+          <a:p>
+            <a:pPr lvl="0" eaLnBrk="0" fontAlgn="base" hangingPunct="0">
+              <a:spcBef>
+                <a:spcPct val="0"/>
+              </a:spcBef>
+              <a:spcAft>
+                <a:spcPct val="0"/>
+              </a:spcAft>
+            </a:pPr>
+            <a:r>
+              <a:rPr kumimoji="0" lang="en-US" altLang="ru-RU" sz="1400" b="0" i="0" u="none" strike="noStrike" cap="none" normalizeH="0" dirty="0" smtClean="0">
+                <a:ln>
+                  <a:noFill/>
+                </a:ln>
+                <a:solidFill>
+                  <a:srgbClr val="0000FF"/>
+                </a:solidFill>
+                <a:effectLst/>
+                <a:latin typeface="Consolas" panose="020B0609020204030204" pitchFamily="49" charset="0"/>
+              </a:rPr>
+              <a:t>    </a:t>
+            </a:r>
+            <a:r>
+              <a:rPr kumimoji="0" lang="ru-RU" altLang="ru-RU" sz="1400" b="0" i="0" u="none" strike="noStrike" cap="none" normalizeH="0" baseline="0" dirty="0" smtClean="0">
+                <a:ln>
+                  <a:noFill/>
+                </a:ln>
+                <a:solidFill>
+                  <a:srgbClr val="0000FF"/>
+                </a:solidFill>
+                <a:effectLst/>
+                <a:latin typeface="Consolas" panose="020B0609020204030204" pitchFamily="49" charset="0"/>
+              </a:rPr>
+              <a:t>&lt;</a:t>
+            </a:r>
+            <a:r>
+              <a:rPr kumimoji="0" lang="ru-RU" altLang="ru-RU" sz="1400" b="0" i="0" u="none" strike="noStrike" cap="none" normalizeH="0" baseline="0" dirty="0" err="1" smtClean="0">
+                <a:ln>
+                  <a:noFill/>
+                </a:ln>
+                <a:solidFill>
+                  <a:srgbClr val="A31515"/>
+                </a:solidFill>
+                <a:effectLst/>
+                <a:latin typeface="Consolas" panose="020B0609020204030204" pitchFamily="49" charset="0"/>
+              </a:rPr>
+              <a:t>ServiceInstall</a:t>
+            </a:r>
+            <a:r>
+              <a:rPr kumimoji="0" lang="ru-RU" altLang="ru-RU" sz="1400" b="0" i="0" u="none" strike="noStrike" cap="none" normalizeH="0" baseline="0" dirty="0" smtClean="0">
+                <a:ln>
+                  <a:noFill/>
+                </a:ln>
+                <a:solidFill>
+                  <a:srgbClr val="0000FF"/>
+                </a:solidFill>
+                <a:effectLst/>
+                <a:latin typeface="Consolas" panose="020B0609020204030204" pitchFamily="49" charset="0"/>
+              </a:rPr>
+              <a:t> </a:t>
+            </a:r>
+            <a:r>
+              <a:rPr kumimoji="0" lang="ru-RU" altLang="ru-RU" sz="1400" b="0" i="0" u="none" strike="noStrike" cap="none" normalizeH="0" baseline="0" dirty="0" err="1" smtClean="0">
+                <a:ln>
+                  <a:noFill/>
+                </a:ln>
+                <a:solidFill>
+                  <a:srgbClr val="FF0000"/>
+                </a:solidFill>
+                <a:effectLst/>
+                <a:latin typeface="Consolas" panose="020B0609020204030204" pitchFamily="49" charset="0"/>
+              </a:rPr>
+              <a:t>Id</a:t>
+            </a:r>
+            <a:r>
+              <a:rPr kumimoji="0" lang="ru-RU" altLang="ru-RU" sz="1400" b="0" i="0" u="none" strike="noStrike" cap="none" normalizeH="0" baseline="0" dirty="0" smtClean="0">
+                <a:ln>
+                  <a:noFill/>
+                </a:ln>
+                <a:solidFill>
+                  <a:srgbClr val="0000FF"/>
+                </a:solidFill>
+                <a:effectLst/>
+                <a:latin typeface="Consolas" panose="020B0609020204030204" pitchFamily="49" charset="0"/>
+              </a:rPr>
+              <a:t>=</a:t>
+            </a:r>
+            <a:r>
+              <a:rPr kumimoji="0" lang="ru-RU" altLang="ru-RU" sz="1400" b="0" i="0" u="none" strike="noStrike" cap="none" normalizeH="0" baseline="0" dirty="0" smtClean="0">
+                <a:ln>
+                  <a:noFill/>
+                </a:ln>
+                <a:solidFill>
+                  <a:srgbClr val="000000"/>
+                </a:solidFill>
+                <a:effectLst/>
+                <a:latin typeface="Consolas" panose="020B0609020204030204" pitchFamily="49" charset="0"/>
+              </a:rPr>
+              <a:t>“</a:t>
+            </a:r>
+            <a:r>
+              <a:rPr kumimoji="0" lang="en-US" altLang="ru-RU" sz="1400" b="0" i="0" u="none" strike="noStrike" cap="none" normalizeH="0" baseline="0" dirty="0" err="1" smtClean="0">
+                <a:ln>
+                  <a:noFill/>
+                </a:ln>
+                <a:solidFill>
+                  <a:srgbClr val="0000FF"/>
+                </a:solidFill>
+                <a:effectLst/>
+                <a:latin typeface="Consolas" panose="020B0609020204030204" pitchFamily="49" charset="0"/>
+              </a:rPr>
+              <a:t>MyServiceApp</a:t>
+            </a:r>
+            <a:r>
+              <a:rPr kumimoji="0" lang="ru-RU" altLang="ru-RU" sz="1400" b="0" i="0" u="none" strike="noStrike" cap="none" normalizeH="0" baseline="0" dirty="0" err="1" smtClean="0">
+                <a:ln>
+                  <a:noFill/>
+                </a:ln>
+                <a:solidFill>
+                  <a:srgbClr val="0000FF"/>
+                </a:solidFill>
+                <a:effectLst/>
+                <a:latin typeface="Consolas" panose="020B0609020204030204" pitchFamily="49" charset="0"/>
+              </a:rPr>
+              <a:t>ServiceInstaller</a:t>
+            </a:r>
+            <a:r>
+              <a:rPr kumimoji="0" lang="ru-RU" altLang="ru-RU" sz="1400" b="0" i="0" u="none" strike="noStrike" cap="none" normalizeH="0" baseline="0" dirty="0" smtClean="0">
+                <a:ln>
+                  <a:noFill/>
+                </a:ln>
+                <a:solidFill>
+                  <a:srgbClr val="000000"/>
+                </a:solidFill>
+                <a:effectLst/>
+                <a:latin typeface="Consolas" panose="020B0609020204030204" pitchFamily="49" charset="0"/>
+              </a:rPr>
+              <a:t>"</a:t>
+            </a:r>
+            <a:endParaRPr kumimoji="0" lang="en-US" altLang="ru-RU" sz="1400" b="0" i="0" u="none" strike="noStrike" cap="none" normalizeH="0" baseline="0" dirty="0" smtClean="0">
+              <a:ln>
+                <a:noFill/>
+              </a:ln>
+              <a:solidFill>
+                <a:srgbClr val="000000"/>
+              </a:solidFill>
+              <a:effectLst/>
+              <a:latin typeface="Consolas" panose="020B0609020204030204" pitchFamily="49" charset="0"/>
+            </a:endParaRPr>
+          </a:p>
+          <a:p>
+            <a:pPr lvl="0" eaLnBrk="0" fontAlgn="base" hangingPunct="0">
+              <a:spcBef>
+                <a:spcPct val="0"/>
+              </a:spcBef>
+              <a:spcAft>
+                <a:spcPct val="0"/>
+              </a:spcAft>
+            </a:pPr>
+            <a:r>
+              <a:rPr kumimoji="0" lang="en-US" altLang="ru-RU" sz="1400" b="0" i="0" u="none" strike="noStrike" cap="none" normalizeH="0" baseline="0" dirty="0" smtClean="0">
+                <a:ln>
+                  <a:noFill/>
+                </a:ln>
+                <a:solidFill>
+                  <a:srgbClr val="000000"/>
+                </a:solidFill>
+                <a:effectLst/>
+                <a:latin typeface="Consolas" panose="020B0609020204030204" pitchFamily="49" charset="0"/>
+              </a:rPr>
+              <a:t> </a:t>
+            </a:r>
+            <a:r>
+              <a:rPr kumimoji="0" lang="ru-RU" altLang="ru-RU" sz="1400" b="0" i="0" u="none" strike="noStrike" cap="none" normalizeH="0" baseline="0" dirty="0" smtClean="0">
+                <a:ln>
+                  <a:noFill/>
+                </a:ln>
+                <a:solidFill>
+                  <a:srgbClr val="000000"/>
+                </a:solidFill>
+                <a:effectLst/>
+                <a:latin typeface="Consolas" panose="020B0609020204030204" pitchFamily="49" charset="0"/>
+              </a:rPr>
+              <a:t> </a:t>
+            </a:r>
+            <a:r>
+              <a:rPr kumimoji="0" lang="ru-RU" altLang="ru-RU" sz="1400" b="0" i="0" u="none" strike="noStrike" cap="none" normalizeH="0" baseline="0" dirty="0" smtClean="0">
+                <a:ln>
+                  <a:noFill/>
+                </a:ln>
+                <a:solidFill>
+                  <a:srgbClr val="0000FF"/>
+                </a:solidFill>
+                <a:effectLst/>
+                <a:latin typeface="Consolas" panose="020B0609020204030204" pitchFamily="49" charset="0"/>
+              </a:rPr>
+              <a:t>                  </a:t>
+            </a:r>
+            <a:r>
+              <a:rPr kumimoji="0" lang="ru-RU" altLang="ru-RU" sz="1400" b="0" i="0" u="none" strike="noStrike" cap="none" normalizeH="0" baseline="0" dirty="0" err="1" smtClean="0">
+                <a:ln>
+                  <a:noFill/>
+                </a:ln>
+                <a:solidFill>
+                  <a:srgbClr val="FF0000"/>
+                </a:solidFill>
+                <a:effectLst/>
+                <a:latin typeface="Consolas" panose="020B0609020204030204" pitchFamily="49" charset="0"/>
+              </a:rPr>
+              <a:t>Type</a:t>
+            </a:r>
+            <a:r>
+              <a:rPr kumimoji="0" lang="ru-RU" altLang="ru-RU" sz="1400" b="0" i="0" u="none" strike="noStrike" cap="none" normalizeH="0" baseline="0" dirty="0" smtClean="0">
+                <a:ln>
+                  <a:noFill/>
+                </a:ln>
+                <a:solidFill>
+                  <a:srgbClr val="0000FF"/>
+                </a:solidFill>
+                <a:effectLst/>
+                <a:latin typeface="Consolas" panose="020B0609020204030204" pitchFamily="49" charset="0"/>
+              </a:rPr>
+              <a:t>=</a:t>
+            </a:r>
+            <a:r>
+              <a:rPr kumimoji="0" lang="ru-RU" altLang="ru-RU" sz="1400" b="0" i="0" u="none" strike="noStrike" cap="none" normalizeH="0" baseline="0" dirty="0" smtClean="0">
+                <a:ln>
+                  <a:noFill/>
+                </a:ln>
+                <a:solidFill>
+                  <a:srgbClr val="000000"/>
+                </a:solidFill>
+                <a:effectLst/>
+                <a:latin typeface="Consolas" panose="020B0609020204030204" pitchFamily="49" charset="0"/>
+              </a:rPr>
+              <a:t>"</a:t>
+            </a:r>
+            <a:r>
+              <a:rPr kumimoji="0" lang="ru-RU" altLang="ru-RU" sz="1400" b="0" i="0" u="none" strike="noStrike" cap="none" normalizeH="0" baseline="0" dirty="0" err="1" smtClean="0">
+                <a:ln>
+                  <a:noFill/>
+                </a:ln>
+                <a:solidFill>
+                  <a:srgbClr val="0000FF"/>
+                </a:solidFill>
+                <a:effectLst/>
+                <a:latin typeface="Consolas" panose="020B0609020204030204" pitchFamily="49" charset="0"/>
+              </a:rPr>
+              <a:t>ownProcess</a:t>
+            </a:r>
+            <a:r>
+              <a:rPr kumimoji="0" lang="ru-RU" altLang="ru-RU" sz="1400" b="0" i="0" u="none" strike="noStrike" cap="none" normalizeH="0" baseline="0" dirty="0" smtClean="0">
+                <a:ln>
+                  <a:noFill/>
+                </a:ln>
+                <a:solidFill>
+                  <a:srgbClr val="000000"/>
+                </a:solidFill>
+                <a:effectLst/>
+                <a:latin typeface="Consolas" panose="020B0609020204030204" pitchFamily="49" charset="0"/>
+              </a:rPr>
+              <a:t>"</a:t>
+            </a:r>
+            <a:endParaRPr kumimoji="0" lang="en-US" altLang="ru-RU" sz="1400" b="0" i="0" u="none" strike="noStrike" cap="none" normalizeH="0" baseline="0" dirty="0" smtClean="0">
+              <a:ln>
+                <a:noFill/>
+              </a:ln>
+              <a:solidFill>
+                <a:srgbClr val="000000"/>
+              </a:solidFill>
+              <a:effectLst/>
+              <a:latin typeface="Consolas" panose="020B0609020204030204" pitchFamily="49" charset="0"/>
+            </a:endParaRPr>
+          </a:p>
+          <a:p>
+            <a:pPr lvl="0" eaLnBrk="0" fontAlgn="base" hangingPunct="0">
+              <a:spcBef>
+                <a:spcPct val="0"/>
+              </a:spcBef>
+              <a:spcAft>
+                <a:spcPct val="0"/>
+              </a:spcAft>
+            </a:pPr>
+            <a:r>
+              <a:rPr kumimoji="0" lang="en-US" altLang="ru-RU" sz="1400" b="0" i="0" u="none" strike="noStrike" cap="none" normalizeH="0" baseline="0" dirty="0" smtClean="0">
+                <a:ln>
+                  <a:noFill/>
+                </a:ln>
+                <a:solidFill>
+                  <a:srgbClr val="000000"/>
+                </a:solidFill>
+                <a:effectLst/>
+                <a:latin typeface="Consolas" panose="020B0609020204030204" pitchFamily="49" charset="0"/>
+              </a:rPr>
+              <a:t> </a:t>
+            </a:r>
+            <a:r>
+              <a:rPr kumimoji="0" lang="ru-RU" altLang="ru-RU" sz="1400" b="0" i="0" u="none" strike="noStrike" cap="none" normalizeH="0" baseline="0" dirty="0" smtClean="0">
+                <a:ln>
+                  <a:noFill/>
+                </a:ln>
+                <a:solidFill>
+                  <a:srgbClr val="000000"/>
+                </a:solidFill>
+                <a:effectLst/>
+                <a:latin typeface="Consolas" panose="020B0609020204030204" pitchFamily="49" charset="0"/>
+              </a:rPr>
+              <a:t> </a:t>
+            </a:r>
+            <a:r>
+              <a:rPr kumimoji="0" lang="ru-RU" altLang="ru-RU" sz="1400" b="0" i="0" u="none" strike="noStrike" cap="none" normalizeH="0" baseline="0" dirty="0" smtClean="0">
+                <a:ln>
+                  <a:noFill/>
+                </a:ln>
+                <a:solidFill>
+                  <a:srgbClr val="0000FF"/>
+                </a:solidFill>
+                <a:effectLst/>
+                <a:latin typeface="Consolas" panose="020B0609020204030204" pitchFamily="49" charset="0"/>
+              </a:rPr>
+              <a:t>                  </a:t>
+            </a:r>
+            <a:r>
+              <a:rPr kumimoji="0" lang="ru-RU" altLang="ru-RU" sz="1400" b="0" i="0" u="none" strike="noStrike" cap="none" normalizeH="0" baseline="0" dirty="0" err="1" smtClean="0">
+                <a:ln>
+                  <a:noFill/>
+                </a:ln>
+                <a:solidFill>
+                  <a:srgbClr val="FF0000"/>
+                </a:solidFill>
+                <a:effectLst/>
+                <a:latin typeface="Consolas" panose="020B0609020204030204" pitchFamily="49" charset="0"/>
+              </a:rPr>
+              <a:t>Name</a:t>
+            </a:r>
+            <a:r>
+              <a:rPr kumimoji="0" lang="ru-RU" altLang="ru-RU" sz="1400" b="0" i="0" u="none" strike="noStrike" cap="none" normalizeH="0" baseline="0" dirty="0" smtClean="0">
+                <a:ln>
+                  <a:noFill/>
+                </a:ln>
+                <a:solidFill>
+                  <a:srgbClr val="0000FF"/>
+                </a:solidFill>
+                <a:effectLst/>
+                <a:latin typeface="Consolas" panose="020B0609020204030204" pitchFamily="49" charset="0"/>
+              </a:rPr>
+              <a:t>=</a:t>
+            </a:r>
+            <a:r>
+              <a:rPr kumimoji="0" lang="ru-RU" altLang="ru-RU" sz="1400" b="0" i="0" u="none" strike="noStrike" cap="none" normalizeH="0" baseline="0" dirty="0" smtClean="0">
+                <a:ln>
+                  <a:noFill/>
+                </a:ln>
+                <a:solidFill>
+                  <a:srgbClr val="000000"/>
+                </a:solidFill>
+                <a:effectLst/>
+                <a:latin typeface="Consolas" panose="020B0609020204030204" pitchFamily="49" charset="0"/>
+              </a:rPr>
+              <a:t>"</a:t>
+            </a:r>
+            <a:r>
+              <a:rPr lang="en-US" altLang="ru-RU" sz="1400" dirty="0" err="1" smtClean="0">
+                <a:solidFill>
+                  <a:srgbClr val="0000FF"/>
+                </a:solidFill>
+                <a:latin typeface="Consolas" panose="020B0609020204030204" pitchFamily="49" charset="0"/>
+              </a:rPr>
+              <a:t>MyServiceApp</a:t>
+            </a:r>
+            <a:r>
+              <a:rPr kumimoji="0" lang="ru-RU" altLang="ru-RU" sz="1400" b="0" i="0" u="none" strike="noStrike" cap="none" normalizeH="0" baseline="0" dirty="0" smtClean="0">
+                <a:ln>
+                  <a:noFill/>
+                </a:ln>
+                <a:solidFill>
+                  <a:srgbClr val="000000"/>
+                </a:solidFill>
+                <a:effectLst/>
+                <a:latin typeface="Consolas" panose="020B0609020204030204" pitchFamily="49" charset="0"/>
+              </a:rPr>
+              <a:t>"</a:t>
+            </a:r>
+            <a:endParaRPr kumimoji="0" lang="en-US" altLang="ru-RU" sz="1400" b="0" i="0" u="none" strike="noStrike" cap="none" normalizeH="0" baseline="0" dirty="0" smtClean="0">
+              <a:ln>
+                <a:noFill/>
+              </a:ln>
+              <a:solidFill>
+                <a:srgbClr val="000000"/>
+              </a:solidFill>
+              <a:effectLst/>
+              <a:latin typeface="Consolas" panose="020B0609020204030204" pitchFamily="49" charset="0"/>
+            </a:endParaRPr>
+          </a:p>
+          <a:p>
+            <a:pPr lvl="0" eaLnBrk="0" fontAlgn="base" hangingPunct="0">
+              <a:spcBef>
+                <a:spcPct val="0"/>
+              </a:spcBef>
+              <a:spcAft>
+                <a:spcPct val="0"/>
+              </a:spcAft>
+            </a:pPr>
+            <a:r>
+              <a:rPr kumimoji="0" lang="en-US" altLang="ru-RU" sz="1400" b="0" i="0" u="none" strike="noStrike" cap="none" normalizeH="0" baseline="0" dirty="0" smtClean="0">
+                <a:ln>
+                  <a:noFill/>
+                </a:ln>
+                <a:solidFill>
+                  <a:srgbClr val="000000"/>
+                </a:solidFill>
+                <a:effectLst/>
+                <a:latin typeface="Consolas" panose="020B0609020204030204" pitchFamily="49" charset="0"/>
+              </a:rPr>
+              <a:t> </a:t>
+            </a:r>
+            <a:r>
+              <a:rPr kumimoji="0" lang="ru-RU" altLang="ru-RU" sz="1400" b="0" i="0" u="none" strike="noStrike" cap="none" normalizeH="0" baseline="0" dirty="0" smtClean="0">
+                <a:ln>
+                  <a:noFill/>
+                </a:ln>
+                <a:solidFill>
+                  <a:srgbClr val="000000"/>
+                </a:solidFill>
+                <a:effectLst/>
+                <a:latin typeface="Consolas" panose="020B0609020204030204" pitchFamily="49" charset="0"/>
+              </a:rPr>
+              <a:t> </a:t>
+            </a:r>
+            <a:r>
+              <a:rPr kumimoji="0" lang="ru-RU" altLang="ru-RU" sz="1400" b="0" i="0" u="none" strike="noStrike" cap="none" normalizeH="0" baseline="0" dirty="0" smtClean="0">
+                <a:ln>
+                  <a:noFill/>
+                </a:ln>
+                <a:solidFill>
+                  <a:srgbClr val="0000FF"/>
+                </a:solidFill>
+                <a:effectLst/>
+                <a:latin typeface="Consolas" panose="020B0609020204030204" pitchFamily="49" charset="0"/>
+              </a:rPr>
+              <a:t>                  </a:t>
+            </a:r>
+            <a:r>
+              <a:rPr kumimoji="0" lang="ru-RU" altLang="ru-RU" sz="1400" b="0" i="0" u="none" strike="noStrike" cap="none" normalizeH="0" baseline="0" dirty="0" err="1" smtClean="0">
+                <a:ln>
+                  <a:noFill/>
+                </a:ln>
+                <a:solidFill>
+                  <a:srgbClr val="FF0000"/>
+                </a:solidFill>
+                <a:effectLst/>
+                <a:latin typeface="Consolas" panose="020B0609020204030204" pitchFamily="49" charset="0"/>
+              </a:rPr>
+              <a:t>DisplayName</a:t>
+            </a:r>
+            <a:r>
+              <a:rPr kumimoji="0" lang="ru-RU" altLang="ru-RU" sz="1400" b="0" i="0" u="none" strike="noStrike" cap="none" normalizeH="0" baseline="0" dirty="0" smtClean="0">
+                <a:ln>
+                  <a:noFill/>
+                </a:ln>
+                <a:solidFill>
+                  <a:srgbClr val="0000FF"/>
+                </a:solidFill>
+                <a:effectLst/>
+                <a:latin typeface="Consolas" panose="020B0609020204030204" pitchFamily="49" charset="0"/>
+              </a:rPr>
+              <a:t>=</a:t>
+            </a:r>
+            <a:r>
+              <a:rPr kumimoji="0" lang="ru-RU" altLang="ru-RU" sz="1400" b="0" i="0" u="none" strike="noStrike" cap="none" normalizeH="0" baseline="0" dirty="0" smtClean="0">
+                <a:ln>
+                  <a:noFill/>
+                </a:ln>
+                <a:solidFill>
+                  <a:srgbClr val="000000"/>
+                </a:solidFill>
+                <a:effectLst/>
+                <a:latin typeface="Consolas" panose="020B0609020204030204" pitchFamily="49" charset="0"/>
+              </a:rPr>
+              <a:t>"</a:t>
+            </a:r>
+            <a:r>
+              <a:rPr lang="en-US" altLang="ru-RU" sz="1400" dirty="0" smtClean="0">
+                <a:solidFill>
+                  <a:srgbClr val="0000FF"/>
+                </a:solidFill>
+                <a:latin typeface="Consolas" panose="020B0609020204030204" pitchFamily="49" charset="0"/>
+              </a:rPr>
+              <a:t>My Service App</a:t>
+            </a:r>
+            <a:r>
+              <a:rPr kumimoji="0" lang="ru-RU" altLang="ru-RU" sz="1400" b="0" i="0" u="none" strike="noStrike" cap="none" normalizeH="0" baseline="0" dirty="0" smtClean="0">
+                <a:ln>
+                  <a:noFill/>
+                </a:ln>
+                <a:solidFill>
+                  <a:srgbClr val="000000"/>
+                </a:solidFill>
+                <a:effectLst/>
+                <a:latin typeface="Consolas" panose="020B0609020204030204" pitchFamily="49" charset="0"/>
+              </a:rPr>
+              <a:t>"</a:t>
+            </a:r>
+            <a:endParaRPr kumimoji="0" lang="en-US" altLang="ru-RU" sz="1400" b="0" i="0" u="none" strike="noStrike" cap="none" normalizeH="0" baseline="0" dirty="0" smtClean="0">
+              <a:ln>
+                <a:noFill/>
+              </a:ln>
+              <a:solidFill>
+                <a:srgbClr val="000000"/>
+              </a:solidFill>
+              <a:effectLst/>
+              <a:latin typeface="Consolas" panose="020B0609020204030204" pitchFamily="49" charset="0"/>
+            </a:endParaRPr>
+          </a:p>
+          <a:p>
+            <a:pPr lvl="0" eaLnBrk="0" fontAlgn="base" hangingPunct="0">
+              <a:spcBef>
+                <a:spcPct val="0"/>
+              </a:spcBef>
+              <a:spcAft>
+                <a:spcPct val="0"/>
+              </a:spcAft>
+            </a:pPr>
+            <a:r>
+              <a:rPr kumimoji="0" lang="en-US" altLang="ru-RU" sz="1400" b="0" i="0" u="none" strike="noStrike" cap="none" normalizeH="0" baseline="0" dirty="0" smtClean="0">
+                <a:ln>
+                  <a:noFill/>
+                </a:ln>
+                <a:solidFill>
+                  <a:srgbClr val="000000"/>
+                </a:solidFill>
+                <a:effectLst/>
+                <a:latin typeface="Consolas" panose="020B0609020204030204" pitchFamily="49" charset="0"/>
+              </a:rPr>
+              <a:t> </a:t>
+            </a:r>
+            <a:r>
+              <a:rPr kumimoji="0" lang="ru-RU" altLang="ru-RU" sz="1400" b="0" i="0" u="none" strike="noStrike" cap="none" normalizeH="0" baseline="0" dirty="0" smtClean="0">
+                <a:ln>
+                  <a:noFill/>
+                </a:ln>
+                <a:solidFill>
+                  <a:srgbClr val="000000"/>
+                </a:solidFill>
+                <a:effectLst/>
+                <a:latin typeface="Consolas" panose="020B0609020204030204" pitchFamily="49" charset="0"/>
+              </a:rPr>
+              <a:t> </a:t>
+            </a:r>
+            <a:r>
+              <a:rPr kumimoji="0" lang="ru-RU" altLang="ru-RU" sz="1400" b="0" i="0" u="none" strike="noStrike" cap="none" normalizeH="0" baseline="0" dirty="0" smtClean="0">
+                <a:ln>
+                  <a:noFill/>
+                </a:ln>
+                <a:solidFill>
+                  <a:srgbClr val="0000FF"/>
+                </a:solidFill>
+                <a:effectLst/>
+                <a:latin typeface="Consolas" panose="020B0609020204030204" pitchFamily="49" charset="0"/>
+              </a:rPr>
+              <a:t>                  </a:t>
+            </a:r>
+            <a:r>
+              <a:rPr kumimoji="0" lang="ru-RU" altLang="ru-RU" sz="1400" b="0" i="0" u="none" strike="noStrike" cap="none" normalizeH="0" baseline="0" dirty="0" err="1" smtClean="0">
+                <a:ln>
+                  <a:noFill/>
+                </a:ln>
+                <a:solidFill>
+                  <a:srgbClr val="FF0000"/>
+                </a:solidFill>
+                <a:effectLst/>
+                <a:latin typeface="Consolas" panose="020B0609020204030204" pitchFamily="49" charset="0"/>
+              </a:rPr>
+              <a:t>Description</a:t>
+            </a:r>
+            <a:r>
+              <a:rPr kumimoji="0" lang="ru-RU" altLang="ru-RU" sz="1400" b="0" i="0" u="none" strike="noStrike" cap="none" normalizeH="0" baseline="0" dirty="0" smtClean="0">
+                <a:ln>
+                  <a:noFill/>
+                </a:ln>
+                <a:solidFill>
+                  <a:srgbClr val="0000FF"/>
+                </a:solidFill>
+                <a:effectLst/>
+                <a:latin typeface="Consolas" panose="020B0609020204030204" pitchFamily="49" charset="0"/>
+              </a:rPr>
+              <a:t>=</a:t>
+            </a:r>
+            <a:r>
+              <a:rPr kumimoji="0" lang="ru-RU" altLang="ru-RU" sz="1400" b="0" i="0" u="none" strike="noStrike" cap="none" normalizeH="0" baseline="0" dirty="0" smtClean="0">
+                <a:ln>
+                  <a:noFill/>
+                </a:ln>
+                <a:solidFill>
+                  <a:srgbClr val="000000"/>
+                </a:solidFill>
+                <a:effectLst/>
+                <a:latin typeface="Consolas" panose="020B0609020204030204" pitchFamily="49" charset="0"/>
+              </a:rPr>
+              <a:t>"</a:t>
+            </a:r>
+            <a:r>
+              <a:rPr lang="en-US" altLang="ru-RU" sz="1400" dirty="0" smtClean="0">
+                <a:solidFill>
+                  <a:srgbClr val="0000FF"/>
+                </a:solidFill>
+                <a:latin typeface="Consolas" panose="020B0609020204030204" pitchFamily="49" charset="0"/>
+              </a:rPr>
+              <a:t>Description of my service app</a:t>
+            </a:r>
+            <a:r>
+              <a:rPr kumimoji="0" lang="ru-RU" altLang="ru-RU" sz="1400" b="0" i="0" u="none" strike="noStrike" cap="none" normalizeH="0" baseline="0" dirty="0" smtClean="0">
+                <a:ln>
+                  <a:noFill/>
+                </a:ln>
+                <a:solidFill>
+                  <a:srgbClr val="0000FF"/>
+                </a:solidFill>
+                <a:effectLst/>
+                <a:latin typeface="Consolas" panose="020B0609020204030204" pitchFamily="49" charset="0"/>
+              </a:rPr>
+              <a:t>.</a:t>
+            </a:r>
+            <a:r>
+              <a:rPr kumimoji="0" lang="ru-RU" altLang="ru-RU" sz="1400" b="0" i="0" u="none" strike="noStrike" cap="none" normalizeH="0" baseline="0" dirty="0" smtClean="0">
+                <a:ln>
+                  <a:noFill/>
+                </a:ln>
+                <a:solidFill>
+                  <a:srgbClr val="000000"/>
+                </a:solidFill>
+                <a:effectLst/>
+                <a:latin typeface="Consolas" panose="020B0609020204030204" pitchFamily="49" charset="0"/>
+              </a:rPr>
+              <a:t>"</a:t>
+            </a:r>
+            <a:endParaRPr kumimoji="0" lang="en-US" altLang="ru-RU" sz="1400" b="0" i="0" u="none" strike="noStrike" cap="none" normalizeH="0" baseline="0" dirty="0" smtClean="0">
+              <a:ln>
+                <a:noFill/>
+              </a:ln>
+              <a:solidFill>
+                <a:srgbClr val="000000"/>
+              </a:solidFill>
+              <a:effectLst/>
+              <a:latin typeface="Consolas" panose="020B0609020204030204" pitchFamily="49" charset="0"/>
+            </a:endParaRPr>
+          </a:p>
+          <a:p>
+            <a:pPr lvl="0" eaLnBrk="0" fontAlgn="base" hangingPunct="0">
+              <a:spcBef>
+                <a:spcPct val="0"/>
+              </a:spcBef>
+              <a:spcAft>
+                <a:spcPct val="0"/>
+              </a:spcAft>
+            </a:pPr>
+            <a:r>
+              <a:rPr kumimoji="0" lang="en-US" altLang="ru-RU" sz="1400" b="0" i="0" u="none" strike="noStrike" cap="none" normalizeH="0" baseline="0" dirty="0" smtClean="0">
+                <a:ln>
+                  <a:noFill/>
+                </a:ln>
+                <a:solidFill>
+                  <a:srgbClr val="000000"/>
+                </a:solidFill>
+                <a:effectLst/>
+                <a:latin typeface="Consolas" panose="020B0609020204030204" pitchFamily="49" charset="0"/>
+              </a:rPr>
+              <a:t> </a:t>
+            </a:r>
+            <a:r>
+              <a:rPr kumimoji="0" lang="ru-RU" altLang="ru-RU" sz="1400" b="0" i="0" u="none" strike="noStrike" cap="none" normalizeH="0" baseline="0" dirty="0" smtClean="0">
+                <a:ln>
+                  <a:noFill/>
+                </a:ln>
+                <a:solidFill>
+                  <a:srgbClr val="000000"/>
+                </a:solidFill>
+                <a:effectLst/>
+                <a:latin typeface="Consolas" panose="020B0609020204030204" pitchFamily="49" charset="0"/>
+              </a:rPr>
+              <a:t> </a:t>
+            </a:r>
+            <a:r>
+              <a:rPr kumimoji="0" lang="ru-RU" altLang="ru-RU" sz="1400" b="0" i="0" u="none" strike="noStrike" cap="none" normalizeH="0" baseline="0" dirty="0" smtClean="0">
+                <a:ln>
+                  <a:noFill/>
+                </a:ln>
+                <a:solidFill>
+                  <a:srgbClr val="0000FF"/>
+                </a:solidFill>
+                <a:effectLst/>
+                <a:latin typeface="Consolas" panose="020B0609020204030204" pitchFamily="49" charset="0"/>
+              </a:rPr>
+              <a:t>                  </a:t>
+            </a:r>
+            <a:r>
+              <a:rPr kumimoji="0" lang="ru-RU" altLang="ru-RU" sz="1400" b="0" i="0" u="none" strike="noStrike" cap="none" normalizeH="0" baseline="0" dirty="0" err="1" smtClean="0">
+                <a:ln>
+                  <a:noFill/>
+                </a:ln>
+                <a:solidFill>
+                  <a:srgbClr val="FF0000"/>
+                </a:solidFill>
+                <a:effectLst/>
+                <a:latin typeface="Consolas" panose="020B0609020204030204" pitchFamily="49" charset="0"/>
+              </a:rPr>
+              <a:t>Start</a:t>
+            </a:r>
+            <a:r>
+              <a:rPr kumimoji="0" lang="ru-RU" altLang="ru-RU" sz="1400" b="0" i="0" u="none" strike="noStrike" cap="none" normalizeH="0" baseline="0" dirty="0" smtClean="0">
+                <a:ln>
+                  <a:noFill/>
+                </a:ln>
+                <a:solidFill>
+                  <a:srgbClr val="0000FF"/>
+                </a:solidFill>
+                <a:effectLst/>
+                <a:latin typeface="Consolas" panose="020B0609020204030204" pitchFamily="49" charset="0"/>
+              </a:rPr>
+              <a:t>=</a:t>
+            </a:r>
+            <a:r>
+              <a:rPr kumimoji="0" lang="ru-RU" altLang="ru-RU" sz="1400" b="0" i="0" u="none" strike="noStrike" cap="none" normalizeH="0" baseline="0" dirty="0" smtClean="0">
+                <a:ln>
+                  <a:noFill/>
+                </a:ln>
+                <a:solidFill>
+                  <a:srgbClr val="000000"/>
+                </a:solidFill>
+                <a:effectLst/>
+                <a:latin typeface="Consolas" panose="020B0609020204030204" pitchFamily="49" charset="0"/>
+              </a:rPr>
+              <a:t>"</a:t>
+            </a:r>
+            <a:r>
+              <a:rPr kumimoji="0" lang="ru-RU" altLang="ru-RU" sz="1400" b="0" i="0" u="none" strike="noStrike" cap="none" normalizeH="0" baseline="0" dirty="0" err="1" smtClean="0">
+                <a:ln>
+                  <a:noFill/>
+                </a:ln>
+                <a:solidFill>
+                  <a:srgbClr val="0000FF"/>
+                </a:solidFill>
+                <a:effectLst/>
+                <a:latin typeface="Consolas" panose="020B0609020204030204" pitchFamily="49" charset="0"/>
+              </a:rPr>
+              <a:t>auto</a:t>
+            </a:r>
+            <a:r>
+              <a:rPr kumimoji="0" lang="ru-RU" altLang="ru-RU" sz="1400" b="0" i="0" u="none" strike="noStrike" cap="none" normalizeH="0" baseline="0" dirty="0" smtClean="0">
+                <a:ln>
+                  <a:noFill/>
+                </a:ln>
+                <a:solidFill>
+                  <a:srgbClr val="000000"/>
+                </a:solidFill>
+                <a:effectLst/>
+                <a:latin typeface="Consolas" panose="020B0609020204030204" pitchFamily="49" charset="0"/>
+              </a:rPr>
+              <a:t>"</a:t>
+            </a:r>
+            <a:endParaRPr kumimoji="0" lang="en-US" altLang="ru-RU" sz="1400" b="0" i="0" u="none" strike="noStrike" cap="none" normalizeH="0" baseline="0" dirty="0" smtClean="0">
+              <a:ln>
+                <a:noFill/>
+              </a:ln>
+              <a:solidFill>
+                <a:srgbClr val="000000"/>
+              </a:solidFill>
+              <a:effectLst/>
+              <a:latin typeface="Consolas" panose="020B0609020204030204" pitchFamily="49" charset="0"/>
+            </a:endParaRPr>
+          </a:p>
+          <a:p>
+            <a:pPr lvl="0" eaLnBrk="0" fontAlgn="base" hangingPunct="0">
+              <a:spcBef>
+                <a:spcPct val="0"/>
+              </a:spcBef>
+              <a:spcAft>
+                <a:spcPct val="0"/>
+              </a:spcAft>
+            </a:pPr>
+            <a:r>
+              <a:rPr kumimoji="0" lang="en-US" altLang="ru-RU" sz="1400" b="0" i="0" u="none" strike="noStrike" cap="none" normalizeH="0" baseline="0" dirty="0" smtClean="0">
+                <a:ln>
+                  <a:noFill/>
+                </a:ln>
+                <a:solidFill>
+                  <a:srgbClr val="000000"/>
+                </a:solidFill>
+                <a:effectLst/>
+                <a:latin typeface="Consolas" panose="020B0609020204030204" pitchFamily="49" charset="0"/>
+              </a:rPr>
+              <a:t> </a:t>
+            </a:r>
+            <a:r>
+              <a:rPr kumimoji="0" lang="ru-RU" altLang="ru-RU" sz="1400" b="0" i="0" u="none" strike="noStrike" cap="none" normalizeH="0" baseline="0" dirty="0" smtClean="0">
+                <a:ln>
+                  <a:noFill/>
+                </a:ln>
+                <a:solidFill>
+                  <a:srgbClr val="000000"/>
+                </a:solidFill>
+                <a:effectLst/>
+                <a:latin typeface="Consolas" panose="020B0609020204030204" pitchFamily="49" charset="0"/>
+              </a:rPr>
+              <a:t> </a:t>
+            </a:r>
+            <a:r>
+              <a:rPr kumimoji="0" lang="ru-RU" altLang="ru-RU" sz="1400" b="0" i="0" u="none" strike="noStrike" cap="none" normalizeH="0" baseline="0" dirty="0" smtClean="0">
+                <a:ln>
+                  <a:noFill/>
+                </a:ln>
+                <a:solidFill>
+                  <a:srgbClr val="0000FF"/>
+                </a:solidFill>
+                <a:effectLst/>
+                <a:latin typeface="Consolas" panose="020B0609020204030204" pitchFamily="49" charset="0"/>
+              </a:rPr>
+              <a:t>                  </a:t>
+            </a:r>
+            <a:r>
+              <a:rPr kumimoji="0" lang="ru-RU" altLang="ru-RU" sz="1400" b="0" i="0" u="none" strike="noStrike" cap="none" normalizeH="0" baseline="0" dirty="0" err="1" smtClean="0">
+                <a:ln>
+                  <a:noFill/>
+                </a:ln>
+                <a:solidFill>
+                  <a:srgbClr val="FF0000"/>
+                </a:solidFill>
+                <a:effectLst/>
+                <a:latin typeface="Consolas" panose="020B0609020204030204" pitchFamily="49" charset="0"/>
+              </a:rPr>
+              <a:t>Account</a:t>
+            </a:r>
+            <a:r>
+              <a:rPr kumimoji="0" lang="ru-RU" altLang="ru-RU" sz="1400" b="0" i="0" u="none" strike="noStrike" cap="none" normalizeH="0" baseline="0" dirty="0" smtClean="0">
+                <a:ln>
+                  <a:noFill/>
+                </a:ln>
+                <a:solidFill>
+                  <a:srgbClr val="0000FF"/>
+                </a:solidFill>
+                <a:effectLst/>
+                <a:latin typeface="Consolas" panose="020B0609020204030204" pitchFamily="49" charset="0"/>
+              </a:rPr>
+              <a:t>=</a:t>
+            </a:r>
+            <a:r>
+              <a:rPr kumimoji="0" lang="ru-RU" altLang="ru-RU" sz="1400" b="0" i="0" u="none" strike="noStrike" cap="none" normalizeH="0" baseline="0" dirty="0" smtClean="0">
+                <a:ln>
+                  <a:noFill/>
+                </a:ln>
+                <a:solidFill>
+                  <a:srgbClr val="000000"/>
+                </a:solidFill>
+                <a:effectLst/>
+                <a:latin typeface="Consolas" panose="020B0609020204030204" pitchFamily="49" charset="0"/>
+              </a:rPr>
+              <a:t>"</a:t>
+            </a:r>
+            <a:r>
+              <a:rPr kumimoji="0" lang="ru-RU" altLang="ru-RU" sz="1400" b="0" i="0" u="none" strike="noStrike" cap="none" normalizeH="0" baseline="0" dirty="0" err="1" smtClean="0">
+                <a:ln>
+                  <a:noFill/>
+                </a:ln>
+                <a:solidFill>
+                  <a:srgbClr val="0000FF"/>
+                </a:solidFill>
+                <a:effectLst/>
+                <a:latin typeface="Consolas" panose="020B0609020204030204" pitchFamily="49" charset="0"/>
+              </a:rPr>
+              <a:t>LocalSystem</a:t>
+            </a:r>
+            <a:r>
+              <a:rPr kumimoji="0" lang="ru-RU" altLang="ru-RU" sz="1400" b="0" i="0" u="none" strike="noStrike" cap="none" normalizeH="0" baseline="0" dirty="0" smtClean="0">
+                <a:ln>
+                  <a:noFill/>
+                </a:ln>
+                <a:solidFill>
+                  <a:srgbClr val="000000"/>
+                </a:solidFill>
+                <a:effectLst/>
+                <a:latin typeface="Consolas" panose="020B0609020204030204" pitchFamily="49" charset="0"/>
+              </a:rPr>
+              <a:t>"</a:t>
+            </a:r>
+            <a:endParaRPr kumimoji="0" lang="en-US" altLang="ru-RU" sz="1400" b="0" i="0" u="none" strike="noStrike" cap="none" normalizeH="0" baseline="0" dirty="0" smtClean="0">
+              <a:ln>
+                <a:noFill/>
+              </a:ln>
+              <a:solidFill>
+                <a:srgbClr val="000000"/>
+              </a:solidFill>
+              <a:effectLst/>
+              <a:latin typeface="Consolas" panose="020B0609020204030204" pitchFamily="49" charset="0"/>
+            </a:endParaRPr>
+          </a:p>
+          <a:p>
+            <a:pPr lvl="0" eaLnBrk="0" fontAlgn="base" hangingPunct="0">
+              <a:spcBef>
+                <a:spcPct val="0"/>
+              </a:spcBef>
+              <a:spcAft>
+                <a:spcPct val="0"/>
+              </a:spcAft>
+            </a:pPr>
+            <a:r>
+              <a:rPr kumimoji="0" lang="en-US" altLang="ru-RU" sz="1400" b="0" i="0" u="none" strike="noStrike" cap="none" normalizeH="0" baseline="0" dirty="0" smtClean="0">
+                <a:ln>
+                  <a:noFill/>
+                </a:ln>
+                <a:solidFill>
+                  <a:srgbClr val="000000"/>
+                </a:solidFill>
+                <a:effectLst/>
+                <a:latin typeface="Consolas" panose="020B0609020204030204" pitchFamily="49" charset="0"/>
+              </a:rPr>
+              <a:t> </a:t>
+            </a:r>
+            <a:r>
+              <a:rPr kumimoji="0" lang="ru-RU" altLang="ru-RU" sz="1400" b="0" i="0" u="none" strike="noStrike" cap="none" normalizeH="0" baseline="0" dirty="0" smtClean="0">
+                <a:ln>
+                  <a:noFill/>
+                </a:ln>
+                <a:solidFill>
+                  <a:srgbClr val="000000"/>
+                </a:solidFill>
+                <a:effectLst/>
+                <a:latin typeface="Consolas" panose="020B0609020204030204" pitchFamily="49" charset="0"/>
+              </a:rPr>
+              <a:t> </a:t>
+            </a:r>
+            <a:r>
+              <a:rPr kumimoji="0" lang="ru-RU" altLang="ru-RU" sz="1400" b="0" i="0" u="none" strike="noStrike" cap="none" normalizeH="0" baseline="0" dirty="0" smtClean="0">
+                <a:ln>
+                  <a:noFill/>
+                </a:ln>
+                <a:solidFill>
+                  <a:srgbClr val="0000FF"/>
+                </a:solidFill>
+                <a:effectLst/>
+                <a:latin typeface="Consolas" panose="020B0609020204030204" pitchFamily="49" charset="0"/>
+              </a:rPr>
+              <a:t>                  </a:t>
+            </a:r>
+            <a:r>
+              <a:rPr kumimoji="0" lang="ru-RU" altLang="ru-RU" sz="1400" b="0" i="0" u="none" strike="noStrike" cap="none" normalizeH="0" baseline="0" dirty="0" err="1" smtClean="0">
+                <a:ln>
+                  <a:noFill/>
+                </a:ln>
+                <a:solidFill>
+                  <a:srgbClr val="FF0000"/>
+                </a:solidFill>
+                <a:effectLst/>
+                <a:latin typeface="Consolas" panose="020B0609020204030204" pitchFamily="49" charset="0"/>
+              </a:rPr>
+              <a:t>ErrorControl</a:t>
+            </a:r>
+            <a:r>
+              <a:rPr kumimoji="0" lang="ru-RU" altLang="ru-RU" sz="1400" b="0" i="0" u="none" strike="noStrike" cap="none" normalizeH="0" baseline="0" dirty="0" smtClean="0">
+                <a:ln>
+                  <a:noFill/>
+                </a:ln>
+                <a:solidFill>
+                  <a:srgbClr val="0000FF"/>
+                </a:solidFill>
+                <a:effectLst/>
+                <a:latin typeface="Consolas" panose="020B0609020204030204" pitchFamily="49" charset="0"/>
+              </a:rPr>
+              <a:t>=</a:t>
+            </a:r>
+            <a:r>
+              <a:rPr kumimoji="0" lang="ru-RU" altLang="ru-RU" sz="1400" b="0" i="0" u="none" strike="noStrike" cap="none" normalizeH="0" baseline="0" dirty="0" smtClean="0">
+                <a:ln>
+                  <a:noFill/>
+                </a:ln>
+                <a:solidFill>
+                  <a:srgbClr val="000000"/>
+                </a:solidFill>
+                <a:effectLst/>
+                <a:latin typeface="Consolas" panose="020B0609020204030204" pitchFamily="49" charset="0"/>
+              </a:rPr>
+              <a:t>"</a:t>
+            </a:r>
+            <a:r>
+              <a:rPr kumimoji="0" lang="ru-RU" altLang="ru-RU" sz="1400" b="0" i="0" u="none" strike="noStrike" cap="none" normalizeH="0" baseline="0" dirty="0" err="1" smtClean="0">
+                <a:ln>
+                  <a:noFill/>
+                </a:ln>
+                <a:solidFill>
+                  <a:srgbClr val="0000FF"/>
+                </a:solidFill>
+                <a:effectLst/>
+                <a:latin typeface="Consolas" panose="020B0609020204030204" pitchFamily="49" charset="0"/>
+              </a:rPr>
+              <a:t>normal</a:t>
+            </a:r>
+            <a:r>
+              <a:rPr kumimoji="0" lang="ru-RU" altLang="ru-RU" sz="1400" b="0" i="0" u="none" strike="noStrike" cap="none" normalizeH="0" baseline="0" dirty="0" smtClean="0">
+                <a:ln>
+                  <a:noFill/>
+                </a:ln>
+                <a:solidFill>
+                  <a:srgbClr val="000000"/>
+                </a:solidFill>
+                <a:effectLst/>
+                <a:latin typeface="Consolas" panose="020B0609020204030204" pitchFamily="49" charset="0"/>
+              </a:rPr>
+              <a:t>"</a:t>
+            </a:r>
+            <a:endParaRPr kumimoji="0" lang="en-US" altLang="ru-RU" sz="1400" b="0" i="0" u="none" strike="noStrike" cap="none" normalizeH="0" baseline="0" dirty="0" smtClean="0">
+              <a:ln>
+                <a:noFill/>
+              </a:ln>
+              <a:solidFill>
+                <a:srgbClr val="000000"/>
+              </a:solidFill>
+              <a:effectLst/>
+              <a:latin typeface="Consolas" panose="020B0609020204030204" pitchFamily="49" charset="0"/>
+            </a:endParaRPr>
+          </a:p>
+          <a:p>
+            <a:pPr lvl="0" eaLnBrk="0" fontAlgn="base" hangingPunct="0">
+              <a:spcBef>
+                <a:spcPct val="0"/>
+              </a:spcBef>
+              <a:spcAft>
+                <a:spcPct val="0"/>
+              </a:spcAft>
+            </a:pPr>
+            <a:r>
+              <a:rPr kumimoji="0" lang="en-US" altLang="ru-RU" sz="1400" b="0" i="0" u="none" strike="noStrike" cap="none" normalizeH="0" baseline="0" dirty="0" smtClean="0">
+                <a:ln>
+                  <a:noFill/>
+                </a:ln>
+                <a:solidFill>
+                  <a:srgbClr val="000000"/>
+                </a:solidFill>
+                <a:effectLst/>
+                <a:latin typeface="Consolas" panose="020B0609020204030204" pitchFamily="49" charset="0"/>
+              </a:rPr>
+              <a:t> </a:t>
+            </a:r>
+            <a:r>
+              <a:rPr kumimoji="0" lang="ru-RU" altLang="ru-RU" sz="1400" b="0" i="0" u="none" strike="noStrike" cap="none" normalizeH="0" baseline="0" dirty="0" smtClean="0">
+                <a:ln>
+                  <a:noFill/>
+                </a:ln>
+                <a:solidFill>
+                  <a:srgbClr val="000000"/>
+                </a:solidFill>
+                <a:effectLst/>
+                <a:latin typeface="Consolas" panose="020B0609020204030204" pitchFamily="49" charset="0"/>
+              </a:rPr>
+              <a:t> </a:t>
+            </a:r>
+            <a:r>
+              <a:rPr kumimoji="0" lang="ru-RU" altLang="ru-RU" sz="1400" b="0" i="0" u="none" strike="noStrike" cap="none" normalizeH="0" baseline="0" dirty="0" smtClean="0">
+                <a:ln>
+                  <a:noFill/>
+                </a:ln>
+                <a:solidFill>
+                  <a:srgbClr val="0000FF"/>
+                </a:solidFill>
+                <a:effectLst/>
+                <a:latin typeface="Consolas" panose="020B0609020204030204" pitchFamily="49" charset="0"/>
+              </a:rPr>
+              <a:t>                  </a:t>
+            </a:r>
+            <a:r>
+              <a:rPr kumimoji="0" lang="ru-RU" altLang="ru-RU" sz="1400" b="0" i="0" u="none" strike="noStrike" cap="none" normalizeH="0" baseline="0" dirty="0" err="1" smtClean="0">
+                <a:ln>
+                  <a:noFill/>
+                </a:ln>
+                <a:solidFill>
+                  <a:srgbClr val="FF0000"/>
+                </a:solidFill>
+                <a:effectLst/>
+                <a:latin typeface="Consolas" panose="020B0609020204030204" pitchFamily="49" charset="0"/>
+              </a:rPr>
+              <a:t>Vital</a:t>
+            </a:r>
+            <a:r>
+              <a:rPr kumimoji="0" lang="ru-RU" altLang="ru-RU" sz="1400" b="0" i="0" u="none" strike="noStrike" cap="none" normalizeH="0" baseline="0" dirty="0" smtClean="0">
+                <a:ln>
+                  <a:noFill/>
+                </a:ln>
+                <a:solidFill>
+                  <a:srgbClr val="0000FF"/>
+                </a:solidFill>
+                <a:effectLst/>
+                <a:latin typeface="Consolas" panose="020B0609020204030204" pitchFamily="49" charset="0"/>
+              </a:rPr>
+              <a:t>=</a:t>
+            </a:r>
+            <a:r>
+              <a:rPr kumimoji="0" lang="ru-RU" altLang="ru-RU" sz="1400" b="0" i="0" u="none" strike="noStrike" cap="none" normalizeH="0" baseline="0" dirty="0" smtClean="0">
+                <a:ln>
+                  <a:noFill/>
+                </a:ln>
+                <a:solidFill>
+                  <a:srgbClr val="000000"/>
+                </a:solidFill>
+                <a:effectLst/>
+                <a:latin typeface="Consolas" panose="020B0609020204030204" pitchFamily="49" charset="0"/>
+              </a:rPr>
+              <a:t>"</a:t>
+            </a:r>
+            <a:r>
+              <a:rPr kumimoji="0" lang="ru-RU" altLang="ru-RU" sz="1400" b="0" i="0" u="none" strike="noStrike" cap="none" normalizeH="0" baseline="0" dirty="0" err="1" smtClean="0">
+                <a:ln>
+                  <a:noFill/>
+                </a:ln>
+                <a:solidFill>
+                  <a:srgbClr val="0000FF"/>
+                </a:solidFill>
+                <a:effectLst/>
+                <a:latin typeface="Consolas" panose="020B0609020204030204" pitchFamily="49" charset="0"/>
+              </a:rPr>
+              <a:t>yes</a:t>
+            </a:r>
+            <a:r>
+              <a:rPr kumimoji="0" lang="ru-RU" altLang="ru-RU" sz="1400" b="0" i="0" u="none" strike="noStrike" cap="none" normalizeH="0" baseline="0" dirty="0" smtClean="0">
+                <a:ln>
+                  <a:noFill/>
+                </a:ln>
+                <a:solidFill>
+                  <a:srgbClr val="000000"/>
+                </a:solidFill>
+                <a:effectLst/>
+                <a:latin typeface="Consolas" panose="020B0609020204030204" pitchFamily="49" charset="0"/>
+              </a:rPr>
+              <a:t>"</a:t>
+            </a:r>
+            <a:r>
+              <a:rPr kumimoji="0" lang="ru-RU" altLang="ru-RU" sz="1400" b="0" i="0" u="none" strike="noStrike" cap="none" normalizeH="0" baseline="0" dirty="0" smtClean="0">
+                <a:ln>
+                  <a:noFill/>
+                </a:ln>
+                <a:solidFill>
+                  <a:srgbClr val="0000FF"/>
+                </a:solidFill>
+                <a:effectLst/>
+                <a:latin typeface="Consolas" panose="020B0609020204030204" pitchFamily="49" charset="0"/>
+              </a:rPr>
+              <a:t> /&gt;</a:t>
+            </a:r>
+            <a:endParaRPr kumimoji="0" lang="en-US" altLang="ru-RU" sz="1400" b="0" i="0" u="none" strike="noStrike" cap="none" normalizeH="0" baseline="0" dirty="0" smtClean="0">
+              <a:ln>
+                <a:noFill/>
+              </a:ln>
+              <a:solidFill>
+                <a:srgbClr val="0000FF"/>
+              </a:solidFill>
+              <a:effectLst/>
+              <a:latin typeface="Consolas" panose="020B0609020204030204" pitchFamily="49" charset="0"/>
+            </a:endParaRPr>
+          </a:p>
+          <a:p>
+            <a:pPr lvl="0" eaLnBrk="0" fontAlgn="base" hangingPunct="0">
+              <a:spcBef>
+                <a:spcPct val="0"/>
+              </a:spcBef>
+              <a:spcAft>
+                <a:spcPct val="0"/>
+              </a:spcAft>
+            </a:pPr>
+            <a:r>
+              <a:rPr lang="en-US" altLang="ru-RU" sz="1400" dirty="0">
+                <a:solidFill>
+                  <a:srgbClr val="0000FF"/>
+                </a:solidFill>
+                <a:latin typeface="Consolas" panose="020B0609020204030204" pitchFamily="49" charset="0"/>
+              </a:rPr>
+              <a:t> </a:t>
+            </a:r>
+            <a:r>
+              <a:rPr kumimoji="0" lang="ru-RU" altLang="ru-RU" sz="1400" b="0" i="0" u="none" strike="noStrike" cap="none" normalizeH="0" baseline="0" dirty="0" smtClean="0">
+                <a:ln>
+                  <a:noFill/>
+                </a:ln>
+                <a:solidFill>
+                  <a:srgbClr val="000000"/>
+                </a:solidFill>
+                <a:effectLst/>
+                <a:latin typeface="Consolas" panose="020B0609020204030204" pitchFamily="49" charset="0"/>
+              </a:rPr>
+              <a:t> </a:t>
+            </a:r>
+            <a:r>
+              <a:rPr kumimoji="0" lang="ru-RU" altLang="ru-RU" sz="1400" b="0" i="0" u="none" strike="noStrike" cap="none" normalizeH="0" baseline="0" dirty="0" smtClean="0">
+                <a:ln>
+                  <a:noFill/>
+                </a:ln>
+                <a:solidFill>
+                  <a:srgbClr val="0000FF"/>
+                </a:solidFill>
+                <a:effectLst/>
+                <a:latin typeface="Consolas" panose="020B0609020204030204" pitchFamily="49" charset="0"/>
+              </a:rPr>
+              <a:t>  &lt;</a:t>
+            </a:r>
+            <a:r>
+              <a:rPr kumimoji="0" lang="ru-RU" altLang="ru-RU" sz="1400" b="0" i="0" u="none" strike="noStrike" cap="none" normalizeH="0" baseline="0" dirty="0" err="1" smtClean="0">
+                <a:ln>
+                  <a:noFill/>
+                </a:ln>
+                <a:solidFill>
+                  <a:srgbClr val="A31515"/>
+                </a:solidFill>
+                <a:effectLst/>
+                <a:latin typeface="Consolas" panose="020B0609020204030204" pitchFamily="49" charset="0"/>
+              </a:rPr>
+              <a:t>ServiceControl</a:t>
+            </a:r>
+            <a:r>
+              <a:rPr kumimoji="0" lang="ru-RU" altLang="ru-RU" sz="1400" b="0" i="0" u="none" strike="noStrike" cap="none" normalizeH="0" baseline="0" dirty="0" smtClean="0">
+                <a:ln>
+                  <a:noFill/>
+                </a:ln>
+                <a:solidFill>
+                  <a:srgbClr val="0000FF"/>
+                </a:solidFill>
+                <a:effectLst/>
+                <a:latin typeface="Consolas" panose="020B0609020204030204" pitchFamily="49" charset="0"/>
+              </a:rPr>
+              <a:t> </a:t>
+            </a:r>
+            <a:r>
+              <a:rPr kumimoji="0" lang="ru-RU" altLang="ru-RU" sz="1400" b="0" i="0" u="none" strike="noStrike" cap="none" normalizeH="0" baseline="0" dirty="0" err="1" smtClean="0">
+                <a:ln>
+                  <a:noFill/>
+                </a:ln>
+                <a:solidFill>
+                  <a:srgbClr val="FF0000"/>
+                </a:solidFill>
+                <a:effectLst/>
+                <a:latin typeface="Consolas" panose="020B0609020204030204" pitchFamily="49" charset="0"/>
+              </a:rPr>
+              <a:t>Id</a:t>
+            </a:r>
+            <a:r>
+              <a:rPr kumimoji="0" lang="ru-RU" altLang="ru-RU" sz="1400" b="0" i="0" u="none" strike="noStrike" cap="none" normalizeH="0" baseline="0" dirty="0" smtClean="0">
+                <a:ln>
+                  <a:noFill/>
+                </a:ln>
+                <a:solidFill>
+                  <a:srgbClr val="0000FF"/>
+                </a:solidFill>
+                <a:effectLst/>
+                <a:latin typeface="Consolas" panose="020B0609020204030204" pitchFamily="49" charset="0"/>
+              </a:rPr>
+              <a:t>=</a:t>
+            </a:r>
+            <a:r>
+              <a:rPr kumimoji="0" lang="ru-RU" altLang="ru-RU" sz="1400" b="0" i="0" u="none" strike="noStrike" cap="none" normalizeH="0" baseline="0" dirty="0" smtClean="0">
+                <a:ln>
+                  <a:noFill/>
+                </a:ln>
+                <a:solidFill>
+                  <a:srgbClr val="000000"/>
+                </a:solidFill>
+                <a:effectLst/>
+                <a:latin typeface="Consolas" panose="020B0609020204030204" pitchFamily="49" charset="0"/>
+              </a:rPr>
+              <a:t>"</a:t>
+            </a:r>
+            <a:r>
+              <a:rPr lang="en-US" altLang="ru-RU" sz="1400" dirty="0" err="1">
+                <a:solidFill>
+                  <a:srgbClr val="0000FF"/>
+                </a:solidFill>
+                <a:latin typeface="Consolas" panose="020B0609020204030204" pitchFamily="49" charset="0"/>
+              </a:rPr>
+              <a:t>MyServiceApp</a:t>
+            </a:r>
+            <a:r>
+              <a:rPr kumimoji="0" lang="ru-RU" altLang="ru-RU" sz="1400" b="0" i="0" u="none" strike="noStrike" cap="none" normalizeH="0" baseline="0" dirty="0" err="1" smtClean="0">
+                <a:ln>
+                  <a:noFill/>
+                </a:ln>
+                <a:solidFill>
+                  <a:srgbClr val="0000FF"/>
+                </a:solidFill>
+                <a:effectLst/>
+                <a:latin typeface="Consolas" panose="020B0609020204030204" pitchFamily="49" charset="0"/>
+              </a:rPr>
+              <a:t>StartService</a:t>
+            </a:r>
+            <a:r>
+              <a:rPr kumimoji="0" lang="ru-RU" altLang="ru-RU" sz="1400" b="0" i="0" u="none" strike="noStrike" cap="none" normalizeH="0" baseline="0" dirty="0" smtClean="0">
+                <a:ln>
+                  <a:noFill/>
+                </a:ln>
+                <a:solidFill>
+                  <a:srgbClr val="000000"/>
+                </a:solidFill>
+                <a:effectLst/>
+                <a:latin typeface="Consolas" panose="020B0609020204030204" pitchFamily="49" charset="0"/>
+              </a:rPr>
+              <a:t>"</a:t>
+            </a:r>
+            <a:endParaRPr kumimoji="0" lang="en-US" altLang="ru-RU" sz="1400" b="0" i="0" u="none" strike="noStrike" cap="none" normalizeH="0" baseline="0" dirty="0" smtClean="0">
+              <a:ln>
+                <a:noFill/>
+              </a:ln>
+              <a:solidFill>
+                <a:srgbClr val="000000"/>
+              </a:solidFill>
+              <a:effectLst/>
+              <a:latin typeface="Consolas" panose="020B0609020204030204" pitchFamily="49" charset="0"/>
+            </a:endParaRPr>
+          </a:p>
+          <a:p>
+            <a:pPr lvl="0" eaLnBrk="0" fontAlgn="base" hangingPunct="0">
+              <a:spcBef>
+                <a:spcPct val="0"/>
+              </a:spcBef>
+              <a:spcAft>
+                <a:spcPct val="0"/>
+              </a:spcAft>
+            </a:pPr>
+            <a:r>
+              <a:rPr kumimoji="0" lang="en-US" altLang="ru-RU" sz="1400" b="0" i="0" u="none" strike="noStrike" cap="none" normalizeH="0" baseline="0" dirty="0" smtClean="0">
+                <a:ln>
+                  <a:noFill/>
+                </a:ln>
+                <a:solidFill>
+                  <a:srgbClr val="000000"/>
+                </a:solidFill>
+                <a:effectLst/>
+                <a:latin typeface="Consolas" panose="020B0609020204030204" pitchFamily="49" charset="0"/>
+              </a:rPr>
+              <a:t> </a:t>
+            </a:r>
+            <a:r>
+              <a:rPr kumimoji="0" lang="ru-RU" altLang="ru-RU" sz="1400" b="0" i="0" u="none" strike="noStrike" cap="none" normalizeH="0" baseline="0" dirty="0" smtClean="0">
+                <a:ln>
+                  <a:noFill/>
+                </a:ln>
+                <a:solidFill>
+                  <a:srgbClr val="000000"/>
+                </a:solidFill>
+                <a:effectLst/>
+                <a:latin typeface="Consolas" panose="020B0609020204030204" pitchFamily="49" charset="0"/>
+              </a:rPr>
+              <a:t> </a:t>
+            </a:r>
+            <a:r>
+              <a:rPr kumimoji="0" lang="ru-RU" altLang="ru-RU" sz="1400" b="0" i="0" u="none" strike="noStrike" cap="none" normalizeH="0" baseline="0" dirty="0" smtClean="0">
+                <a:ln>
+                  <a:noFill/>
+                </a:ln>
+                <a:solidFill>
+                  <a:srgbClr val="0000FF"/>
+                </a:solidFill>
+                <a:effectLst/>
+                <a:latin typeface="Consolas" panose="020B0609020204030204" pitchFamily="49" charset="0"/>
+              </a:rPr>
+              <a:t>                  </a:t>
+            </a:r>
+            <a:r>
+              <a:rPr kumimoji="0" lang="ru-RU" altLang="ru-RU" sz="1400" b="0" i="0" u="none" strike="noStrike" cap="none" normalizeH="0" baseline="0" dirty="0" err="1" smtClean="0">
+                <a:ln>
+                  <a:noFill/>
+                </a:ln>
+                <a:solidFill>
+                  <a:srgbClr val="FF0000"/>
+                </a:solidFill>
+                <a:effectLst/>
+                <a:latin typeface="Consolas" panose="020B0609020204030204" pitchFamily="49" charset="0"/>
+              </a:rPr>
+              <a:t>Start</a:t>
+            </a:r>
+            <a:r>
+              <a:rPr kumimoji="0" lang="ru-RU" altLang="ru-RU" sz="1400" b="0" i="0" u="none" strike="noStrike" cap="none" normalizeH="0" baseline="0" dirty="0" smtClean="0">
+                <a:ln>
+                  <a:noFill/>
+                </a:ln>
+                <a:solidFill>
+                  <a:srgbClr val="0000FF"/>
+                </a:solidFill>
+                <a:effectLst/>
+                <a:latin typeface="Consolas" panose="020B0609020204030204" pitchFamily="49" charset="0"/>
+              </a:rPr>
+              <a:t>=</a:t>
+            </a:r>
+            <a:r>
+              <a:rPr kumimoji="0" lang="ru-RU" altLang="ru-RU" sz="1400" b="0" i="0" u="none" strike="noStrike" cap="none" normalizeH="0" baseline="0" dirty="0" smtClean="0">
+                <a:ln>
+                  <a:noFill/>
+                </a:ln>
+                <a:solidFill>
+                  <a:srgbClr val="000000"/>
+                </a:solidFill>
+                <a:effectLst/>
+                <a:latin typeface="Consolas" panose="020B0609020204030204" pitchFamily="49" charset="0"/>
+              </a:rPr>
+              <a:t>"</a:t>
+            </a:r>
+            <a:r>
+              <a:rPr kumimoji="0" lang="ru-RU" altLang="ru-RU" sz="1400" b="0" i="0" u="none" strike="noStrike" cap="none" normalizeH="0" baseline="0" dirty="0" err="1" smtClean="0">
+                <a:ln>
+                  <a:noFill/>
+                </a:ln>
+                <a:solidFill>
+                  <a:srgbClr val="0000FF"/>
+                </a:solidFill>
+                <a:effectLst/>
+                <a:latin typeface="Consolas" panose="020B0609020204030204" pitchFamily="49" charset="0"/>
+              </a:rPr>
+              <a:t>install</a:t>
+            </a:r>
+            <a:r>
+              <a:rPr kumimoji="0" lang="ru-RU" altLang="ru-RU" sz="1400" b="0" i="0" u="none" strike="noStrike" cap="none" normalizeH="0" baseline="0" dirty="0" smtClean="0">
+                <a:ln>
+                  <a:noFill/>
+                </a:ln>
+                <a:solidFill>
+                  <a:srgbClr val="000000"/>
+                </a:solidFill>
+                <a:effectLst/>
+                <a:latin typeface="Consolas" panose="020B0609020204030204" pitchFamily="49" charset="0"/>
+              </a:rPr>
+              <a:t>"</a:t>
+            </a:r>
+            <a:endParaRPr kumimoji="0" lang="en-US" altLang="ru-RU" sz="1400" b="0" i="0" u="none" strike="noStrike" cap="none" normalizeH="0" baseline="0" dirty="0" smtClean="0">
+              <a:ln>
+                <a:noFill/>
+              </a:ln>
+              <a:solidFill>
+                <a:srgbClr val="000000"/>
+              </a:solidFill>
+              <a:effectLst/>
+              <a:latin typeface="Consolas" panose="020B0609020204030204" pitchFamily="49" charset="0"/>
+            </a:endParaRPr>
+          </a:p>
+          <a:p>
+            <a:pPr lvl="0" eaLnBrk="0" fontAlgn="base" hangingPunct="0">
+              <a:spcBef>
+                <a:spcPct val="0"/>
+              </a:spcBef>
+              <a:spcAft>
+                <a:spcPct val="0"/>
+              </a:spcAft>
+            </a:pPr>
+            <a:r>
+              <a:rPr kumimoji="0" lang="en-US" altLang="ru-RU" sz="1400" b="0" i="0" u="none" strike="noStrike" cap="none" normalizeH="0" baseline="0" dirty="0" smtClean="0">
+                <a:ln>
+                  <a:noFill/>
+                </a:ln>
+                <a:solidFill>
+                  <a:srgbClr val="000000"/>
+                </a:solidFill>
+                <a:effectLst/>
+                <a:latin typeface="Consolas" panose="020B0609020204030204" pitchFamily="49" charset="0"/>
+              </a:rPr>
+              <a:t> </a:t>
+            </a:r>
+            <a:r>
+              <a:rPr kumimoji="0" lang="ru-RU" altLang="ru-RU" sz="1400" b="0" i="0" u="none" strike="noStrike" cap="none" normalizeH="0" baseline="0" dirty="0" smtClean="0">
+                <a:ln>
+                  <a:noFill/>
+                </a:ln>
+                <a:solidFill>
+                  <a:srgbClr val="000000"/>
+                </a:solidFill>
+                <a:effectLst/>
+                <a:latin typeface="Consolas" panose="020B0609020204030204" pitchFamily="49" charset="0"/>
+              </a:rPr>
+              <a:t> </a:t>
+            </a:r>
+            <a:r>
+              <a:rPr kumimoji="0" lang="ru-RU" altLang="ru-RU" sz="1400" b="0" i="0" u="none" strike="noStrike" cap="none" normalizeH="0" baseline="0" dirty="0" smtClean="0">
+                <a:ln>
+                  <a:noFill/>
+                </a:ln>
+                <a:solidFill>
+                  <a:srgbClr val="0000FF"/>
+                </a:solidFill>
+                <a:effectLst/>
+                <a:latin typeface="Consolas" panose="020B0609020204030204" pitchFamily="49" charset="0"/>
+              </a:rPr>
+              <a:t>                  </a:t>
+            </a:r>
+            <a:r>
+              <a:rPr kumimoji="0" lang="ru-RU" altLang="ru-RU" sz="1400" b="0" i="0" u="none" strike="noStrike" cap="none" normalizeH="0" baseline="0" dirty="0" err="1" smtClean="0">
+                <a:ln>
+                  <a:noFill/>
+                </a:ln>
+                <a:solidFill>
+                  <a:srgbClr val="FF0000"/>
+                </a:solidFill>
+                <a:effectLst/>
+                <a:latin typeface="Consolas" panose="020B0609020204030204" pitchFamily="49" charset="0"/>
+              </a:rPr>
+              <a:t>Stop</a:t>
+            </a:r>
+            <a:r>
+              <a:rPr kumimoji="0" lang="ru-RU" altLang="ru-RU" sz="1400" b="0" i="0" u="none" strike="noStrike" cap="none" normalizeH="0" baseline="0" dirty="0" smtClean="0">
+                <a:ln>
+                  <a:noFill/>
+                </a:ln>
+                <a:solidFill>
+                  <a:srgbClr val="0000FF"/>
+                </a:solidFill>
+                <a:effectLst/>
+                <a:latin typeface="Consolas" panose="020B0609020204030204" pitchFamily="49" charset="0"/>
+              </a:rPr>
+              <a:t>=</a:t>
+            </a:r>
+            <a:r>
+              <a:rPr kumimoji="0" lang="ru-RU" altLang="ru-RU" sz="1400" b="0" i="0" u="none" strike="noStrike" cap="none" normalizeH="0" baseline="0" dirty="0" smtClean="0">
+                <a:ln>
+                  <a:noFill/>
+                </a:ln>
+                <a:solidFill>
+                  <a:srgbClr val="000000"/>
+                </a:solidFill>
+                <a:effectLst/>
+                <a:latin typeface="Consolas" panose="020B0609020204030204" pitchFamily="49" charset="0"/>
+              </a:rPr>
+              <a:t>"</a:t>
+            </a:r>
+            <a:r>
+              <a:rPr kumimoji="0" lang="ru-RU" altLang="ru-RU" sz="1400" b="0" i="0" u="none" strike="noStrike" cap="none" normalizeH="0" baseline="0" dirty="0" err="1" smtClean="0">
+                <a:ln>
+                  <a:noFill/>
+                </a:ln>
+                <a:solidFill>
+                  <a:srgbClr val="0000FF"/>
+                </a:solidFill>
+                <a:effectLst/>
+                <a:latin typeface="Consolas" panose="020B0609020204030204" pitchFamily="49" charset="0"/>
+              </a:rPr>
+              <a:t>both</a:t>
+            </a:r>
+            <a:r>
+              <a:rPr kumimoji="0" lang="ru-RU" altLang="ru-RU" sz="1400" b="0" i="0" u="none" strike="noStrike" cap="none" normalizeH="0" baseline="0" dirty="0" smtClean="0">
+                <a:ln>
+                  <a:noFill/>
+                </a:ln>
+                <a:solidFill>
+                  <a:srgbClr val="000000"/>
+                </a:solidFill>
+                <a:effectLst/>
+                <a:latin typeface="Consolas" panose="020B0609020204030204" pitchFamily="49" charset="0"/>
+              </a:rPr>
+              <a:t>"</a:t>
+            </a:r>
+            <a:endParaRPr kumimoji="0" lang="en-US" altLang="ru-RU" sz="1400" b="0" i="0" u="none" strike="noStrike" cap="none" normalizeH="0" baseline="0" dirty="0" smtClean="0">
+              <a:ln>
+                <a:noFill/>
+              </a:ln>
+              <a:solidFill>
+                <a:srgbClr val="000000"/>
+              </a:solidFill>
+              <a:effectLst/>
+              <a:latin typeface="Consolas" panose="020B0609020204030204" pitchFamily="49" charset="0"/>
+            </a:endParaRPr>
+          </a:p>
+          <a:p>
+            <a:pPr lvl="0" eaLnBrk="0" fontAlgn="base" hangingPunct="0">
+              <a:spcBef>
+                <a:spcPct val="0"/>
+              </a:spcBef>
+              <a:spcAft>
+                <a:spcPct val="0"/>
+              </a:spcAft>
+            </a:pPr>
+            <a:r>
+              <a:rPr kumimoji="0" lang="en-US" altLang="ru-RU" sz="1400" b="0" i="0" u="none" strike="noStrike" cap="none" normalizeH="0" baseline="0" dirty="0" smtClean="0">
+                <a:ln>
+                  <a:noFill/>
+                </a:ln>
+                <a:solidFill>
+                  <a:srgbClr val="000000"/>
+                </a:solidFill>
+                <a:effectLst/>
+                <a:latin typeface="Consolas" panose="020B0609020204030204" pitchFamily="49" charset="0"/>
+              </a:rPr>
+              <a:t> </a:t>
+            </a:r>
+            <a:r>
+              <a:rPr kumimoji="0" lang="ru-RU" altLang="ru-RU" sz="1400" b="0" i="0" u="none" strike="noStrike" cap="none" normalizeH="0" baseline="0" dirty="0" smtClean="0">
+                <a:ln>
+                  <a:noFill/>
+                </a:ln>
+                <a:solidFill>
+                  <a:srgbClr val="000000"/>
+                </a:solidFill>
+                <a:effectLst/>
+                <a:latin typeface="Consolas" panose="020B0609020204030204" pitchFamily="49" charset="0"/>
+              </a:rPr>
+              <a:t> </a:t>
+            </a:r>
+            <a:r>
+              <a:rPr kumimoji="0" lang="ru-RU" altLang="ru-RU" sz="1400" b="0" i="0" u="none" strike="noStrike" cap="none" normalizeH="0" baseline="0" dirty="0" smtClean="0">
+                <a:ln>
+                  <a:noFill/>
+                </a:ln>
+                <a:solidFill>
+                  <a:srgbClr val="0000FF"/>
+                </a:solidFill>
+                <a:effectLst/>
+                <a:latin typeface="Consolas" panose="020B0609020204030204" pitchFamily="49" charset="0"/>
+              </a:rPr>
+              <a:t>                  </a:t>
+            </a:r>
+            <a:r>
+              <a:rPr kumimoji="0" lang="ru-RU" altLang="ru-RU" sz="1400" b="0" i="0" u="none" strike="noStrike" cap="none" normalizeH="0" baseline="0" dirty="0" err="1" smtClean="0">
+                <a:ln>
+                  <a:noFill/>
+                </a:ln>
+                <a:solidFill>
+                  <a:srgbClr val="FF0000"/>
+                </a:solidFill>
+                <a:effectLst/>
+                <a:latin typeface="Consolas" panose="020B0609020204030204" pitchFamily="49" charset="0"/>
+              </a:rPr>
+              <a:t>Remove</a:t>
+            </a:r>
+            <a:r>
+              <a:rPr kumimoji="0" lang="ru-RU" altLang="ru-RU" sz="1400" b="0" i="0" u="none" strike="noStrike" cap="none" normalizeH="0" baseline="0" dirty="0" smtClean="0">
+                <a:ln>
+                  <a:noFill/>
+                </a:ln>
+                <a:solidFill>
+                  <a:srgbClr val="0000FF"/>
+                </a:solidFill>
+                <a:effectLst/>
+                <a:latin typeface="Consolas" panose="020B0609020204030204" pitchFamily="49" charset="0"/>
+              </a:rPr>
+              <a:t>=</a:t>
+            </a:r>
+            <a:r>
+              <a:rPr kumimoji="0" lang="ru-RU" altLang="ru-RU" sz="1400" b="0" i="0" u="none" strike="noStrike" cap="none" normalizeH="0" baseline="0" dirty="0" smtClean="0">
+                <a:ln>
+                  <a:noFill/>
+                </a:ln>
+                <a:solidFill>
+                  <a:srgbClr val="000000"/>
+                </a:solidFill>
+                <a:effectLst/>
+                <a:latin typeface="Consolas" panose="020B0609020204030204" pitchFamily="49" charset="0"/>
+              </a:rPr>
+              <a:t>"</a:t>
+            </a:r>
+            <a:r>
+              <a:rPr kumimoji="0" lang="ru-RU" altLang="ru-RU" sz="1400" b="0" i="0" u="none" strike="noStrike" cap="none" normalizeH="0" baseline="0" dirty="0" err="1" smtClean="0">
+                <a:ln>
+                  <a:noFill/>
+                </a:ln>
+                <a:solidFill>
+                  <a:srgbClr val="0000FF"/>
+                </a:solidFill>
+                <a:effectLst/>
+                <a:latin typeface="Consolas" panose="020B0609020204030204" pitchFamily="49" charset="0"/>
+              </a:rPr>
+              <a:t>uninstall</a:t>
+            </a:r>
+            <a:r>
+              <a:rPr kumimoji="0" lang="ru-RU" altLang="ru-RU" sz="1400" b="0" i="0" u="none" strike="noStrike" cap="none" normalizeH="0" baseline="0" dirty="0" smtClean="0">
+                <a:ln>
+                  <a:noFill/>
+                </a:ln>
+                <a:solidFill>
+                  <a:srgbClr val="000000"/>
+                </a:solidFill>
+                <a:effectLst/>
+                <a:latin typeface="Consolas" panose="020B0609020204030204" pitchFamily="49" charset="0"/>
+              </a:rPr>
+              <a:t>"</a:t>
+            </a:r>
+            <a:endParaRPr kumimoji="0" lang="en-US" altLang="ru-RU" sz="1400" b="0" i="0" u="none" strike="noStrike" cap="none" normalizeH="0" baseline="0" dirty="0" smtClean="0">
+              <a:ln>
+                <a:noFill/>
+              </a:ln>
+              <a:solidFill>
+                <a:srgbClr val="000000"/>
+              </a:solidFill>
+              <a:effectLst/>
+              <a:latin typeface="Consolas" panose="020B0609020204030204" pitchFamily="49" charset="0"/>
+            </a:endParaRPr>
+          </a:p>
+          <a:p>
+            <a:pPr lvl="0" eaLnBrk="0" fontAlgn="base" hangingPunct="0">
+              <a:spcBef>
+                <a:spcPct val="0"/>
+              </a:spcBef>
+              <a:spcAft>
+                <a:spcPct val="0"/>
+              </a:spcAft>
+            </a:pPr>
+            <a:r>
+              <a:rPr kumimoji="0" lang="en-US" altLang="ru-RU" sz="1400" b="0" i="0" u="none" strike="noStrike" cap="none" normalizeH="0" baseline="0" dirty="0" smtClean="0">
+                <a:ln>
+                  <a:noFill/>
+                </a:ln>
+                <a:solidFill>
+                  <a:srgbClr val="000000"/>
+                </a:solidFill>
+                <a:effectLst/>
+                <a:latin typeface="Consolas" panose="020B0609020204030204" pitchFamily="49" charset="0"/>
+              </a:rPr>
+              <a:t> </a:t>
+            </a:r>
+            <a:r>
+              <a:rPr kumimoji="0" lang="ru-RU" altLang="ru-RU" sz="1400" b="0" i="0" u="none" strike="noStrike" cap="none" normalizeH="0" baseline="0" dirty="0" smtClean="0">
+                <a:ln>
+                  <a:noFill/>
+                </a:ln>
+                <a:solidFill>
+                  <a:srgbClr val="000000"/>
+                </a:solidFill>
+                <a:effectLst/>
+                <a:latin typeface="Consolas" panose="020B0609020204030204" pitchFamily="49" charset="0"/>
+              </a:rPr>
+              <a:t> </a:t>
+            </a:r>
+            <a:r>
+              <a:rPr kumimoji="0" lang="ru-RU" altLang="ru-RU" sz="1400" b="0" i="0" u="none" strike="noStrike" cap="none" normalizeH="0" baseline="0" dirty="0" smtClean="0">
+                <a:ln>
+                  <a:noFill/>
+                </a:ln>
+                <a:solidFill>
+                  <a:srgbClr val="0000FF"/>
+                </a:solidFill>
+                <a:effectLst/>
+                <a:latin typeface="Consolas" panose="020B0609020204030204" pitchFamily="49" charset="0"/>
+              </a:rPr>
+              <a:t>                  </a:t>
+            </a:r>
+            <a:r>
+              <a:rPr kumimoji="0" lang="ru-RU" altLang="ru-RU" sz="1400" b="0" i="0" u="none" strike="noStrike" cap="none" normalizeH="0" baseline="0" dirty="0" err="1" smtClean="0">
+                <a:ln>
+                  <a:noFill/>
+                </a:ln>
+                <a:solidFill>
+                  <a:srgbClr val="FF0000"/>
+                </a:solidFill>
+                <a:effectLst/>
+                <a:latin typeface="Consolas" panose="020B0609020204030204" pitchFamily="49" charset="0"/>
+              </a:rPr>
+              <a:t>Name</a:t>
+            </a:r>
+            <a:r>
+              <a:rPr kumimoji="0" lang="ru-RU" altLang="ru-RU" sz="1400" b="0" i="0" u="none" strike="noStrike" cap="none" normalizeH="0" baseline="0" dirty="0" smtClean="0">
+                <a:ln>
+                  <a:noFill/>
+                </a:ln>
+                <a:solidFill>
+                  <a:srgbClr val="0000FF"/>
+                </a:solidFill>
+                <a:effectLst/>
+                <a:latin typeface="Consolas" panose="020B0609020204030204" pitchFamily="49" charset="0"/>
+              </a:rPr>
+              <a:t>=</a:t>
+            </a:r>
+            <a:r>
+              <a:rPr kumimoji="0" lang="ru-RU" altLang="ru-RU" sz="1400" b="0" i="0" u="none" strike="noStrike" cap="none" normalizeH="0" baseline="0" dirty="0" smtClean="0">
+                <a:ln>
+                  <a:noFill/>
+                </a:ln>
+                <a:solidFill>
+                  <a:srgbClr val="000000"/>
+                </a:solidFill>
+                <a:effectLst/>
+                <a:latin typeface="Consolas" panose="020B0609020204030204" pitchFamily="49" charset="0"/>
+              </a:rPr>
+              <a:t>"</a:t>
+            </a:r>
+            <a:r>
+              <a:rPr lang="en-US" altLang="ru-RU" sz="1400" dirty="0" err="1" smtClean="0">
+                <a:solidFill>
+                  <a:srgbClr val="0000FF"/>
+                </a:solidFill>
+                <a:latin typeface="Consolas" panose="020B0609020204030204" pitchFamily="49" charset="0"/>
+              </a:rPr>
+              <a:t>MyServiceApp</a:t>
+            </a:r>
+            <a:r>
+              <a:rPr kumimoji="0" lang="ru-RU" altLang="ru-RU" sz="1400" b="0" i="0" u="none" strike="noStrike" cap="none" normalizeH="0" baseline="0" dirty="0" smtClean="0">
+                <a:ln>
+                  <a:noFill/>
+                </a:ln>
+                <a:solidFill>
+                  <a:srgbClr val="000000"/>
+                </a:solidFill>
+                <a:effectLst/>
+                <a:latin typeface="Consolas" panose="020B0609020204030204" pitchFamily="49" charset="0"/>
+              </a:rPr>
+              <a:t>"</a:t>
+            </a:r>
+            <a:endParaRPr kumimoji="0" lang="en-US" altLang="ru-RU" sz="1400" b="0" i="0" u="none" strike="noStrike" cap="none" normalizeH="0" baseline="0" dirty="0" smtClean="0">
+              <a:ln>
+                <a:noFill/>
+              </a:ln>
+              <a:solidFill>
+                <a:srgbClr val="000000"/>
+              </a:solidFill>
+              <a:effectLst/>
+              <a:latin typeface="Consolas" panose="020B0609020204030204" pitchFamily="49" charset="0"/>
+            </a:endParaRPr>
+          </a:p>
+          <a:p>
+            <a:pPr lvl="0" eaLnBrk="0" fontAlgn="base" hangingPunct="0">
+              <a:spcBef>
+                <a:spcPct val="0"/>
+              </a:spcBef>
+              <a:spcAft>
+                <a:spcPct val="0"/>
+              </a:spcAft>
+            </a:pPr>
+            <a:r>
+              <a:rPr kumimoji="0" lang="en-US" altLang="ru-RU" sz="1400" b="0" i="0" u="none" strike="noStrike" cap="none" normalizeH="0" baseline="0" dirty="0" smtClean="0">
+                <a:ln>
+                  <a:noFill/>
+                </a:ln>
+                <a:solidFill>
+                  <a:srgbClr val="000000"/>
+                </a:solidFill>
+                <a:effectLst/>
+                <a:latin typeface="Consolas" panose="020B0609020204030204" pitchFamily="49" charset="0"/>
+              </a:rPr>
+              <a:t> </a:t>
+            </a:r>
+            <a:r>
+              <a:rPr kumimoji="0" lang="ru-RU" altLang="ru-RU" sz="1400" b="0" i="0" u="none" strike="noStrike" cap="none" normalizeH="0" baseline="0" dirty="0" smtClean="0">
+                <a:ln>
+                  <a:noFill/>
+                </a:ln>
+                <a:solidFill>
+                  <a:srgbClr val="000000"/>
+                </a:solidFill>
+                <a:effectLst/>
+                <a:latin typeface="Consolas" panose="020B0609020204030204" pitchFamily="49" charset="0"/>
+              </a:rPr>
+              <a:t> </a:t>
+            </a:r>
+            <a:r>
+              <a:rPr kumimoji="0" lang="ru-RU" altLang="ru-RU" sz="1400" b="0" i="0" u="none" strike="noStrike" cap="none" normalizeH="0" baseline="0" dirty="0" smtClean="0">
+                <a:ln>
+                  <a:noFill/>
+                </a:ln>
+                <a:solidFill>
+                  <a:srgbClr val="0000FF"/>
+                </a:solidFill>
+                <a:effectLst/>
+                <a:latin typeface="Consolas" panose="020B0609020204030204" pitchFamily="49" charset="0"/>
+              </a:rPr>
+              <a:t>                  </a:t>
+            </a:r>
+            <a:r>
+              <a:rPr kumimoji="0" lang="ru-RU" altLang="ru-RU" sz="1400" b="0" i="0" u="none" strike="noStrike" cap="none" normalizeH="0" baseline="0" dirty="0" err="1" smtClean="0">
+                <a:ln>
+                  <a:noFill/>
+                </a:ln>
+                <a:solidFill>
+                  <a:srgbClr val="FF0000"/>
+                </a:solidFill>
+                <a:effectLst/>
+                <a:latin typeface="Consolas" panose="020B0609020204030204" pitchFamily="49" charset="0"/>
+              </a:rPr>
+              <a:t>Wait</a:t>
+            </a:r>
+            <a:r>
+              <a:rPr kumimoji="0" lang="ru-RU" altLang="ru-RU" sz="1400" b="0" i="0" u="none" strike="noStrike" cap="none" normalizeH="0" baseline="0" dirty="0" smtClean="0">
+                <a:ln>
+                  <a:noFill/>
+                </a:ln>
+                <a:solidFill>
+                  <a:srgbClr val="0000FF"/>
+                </a:solidFill>
+                <a:effectLst/>
+                <a:latin typeface="Consolas" panose="020B0609020204030204" pitchFamily="49" charset="0"/>
+              </a:rPr>
+              <a:t>=</a:t>
+            </a:r>
+            <a:r>
+              <a:rPr kumimoji="0" lang="ru-RU" altLang="ru-RU" sz="1400" b="0" i="0" u="none" strike="noStrike" cap="none" normalizeH="0" baseline="0" dirty="0" smtClean="0">
+                <a:ln>
+                  <a:noFill/>
+                </a:ln>
+                <a:solidFill>
+                  <a:srgbClr val="000000"/>
+                </a:solidFill>
+                <a:effectLst/>
+                <a:latin typeface="Consolas" panose="020B0609020204030204" pitchFamily="49" charset="0"/>
+              </a:rPr>
+              <a:t>"</a:t>
+            </a:r>
+            <a:r>
+              <a:rPr kumimoji="0" lang="ru-RU" altLang="ru-RU" sz="1400" b="0" i="0" u="none" strike="noStrike" cap="none" normalizeH="0" baseline="0" dirty="0" err="1" smtClean="0">
+                <a:ln>
+                  <a:noFill/>
+                </a:ln>
+                <a:solidFill>
+                  <a:srgbClr val="0000FF"/>
+                </a:solidFill>
+                <a:effectLst/>
+                <a:latin typeface="Consolas" panose="020B0609020204030204" pitchFamily="49" charset="0"/>
+              </a:rPr>
+              <a:t>yes</a:t>
+            </a:r>
+            <a:r>
+              <a:rPr kumimoji="0" lang="ru-RU" altLang="ru-RU" sz="1400" b="0" i="0" u="none" strike="noStrike" cap="none" normalizeH="0" baseline="0" dirty="0" smtClean="0">
+                <a:ln>
+                  <a:noFill/>
+                </a:ln>
+                <a:solidFill>
+                  <a:srgbClr val="000000"/>
+                </a:solidFill>
+                <a:effectLst/>
+                <a:latin typeface="Consolas" panose="020B0609020204030204" pitchFamily="49" charset="0"/>
+              </a:rPr>
+              <a:t>"</a:t>
+            </a:r>
+            <a:r>
+              <a:rPr kumimoji="0" lang="ru-RU" altLang="ru-RU" sz="1400" b="0" i="0" u="none" strike="noStrike" cap="none" normalizeH="0" baseline="0" dirty="0" smtClean="0">
+                <a:ln>
+                  <a:noFill/>
+                </a:ln>
+                <a:solidFill>
+                  <a:srgbClr val="0000FF"/>
+                </a:solidFill>
+                <a:effectLst/>
+                <a:latin typeface="Consolas" panose="020B0609020204030204" pitchFamily="49" charset="0"/>
+              </a:rPr>
+              <a:t> /&gt;</a:t>
+            </a:r>
+            <a:endParaRPr kumimoji="0" lang="en-US" altLang="ru-RU" sz="1400" b="0" i="0" u="none" strike="noStrike" cap="none" normalizeH="0" baseline="0" dirty="0" smtClean="0">
+              <a:ln>
+                <a:noFill/>
+              </a:ln>
+              <a:solidFill>
+                <a:srgbClr val="0000FF"/>
+              </a:solidFill>
+              <a:effectLst/>
+              <a:latin typeface="Consolas" panose="020B0609020204030204" pitchFamily="49" charset="0"/>
+            </a:endParaRPr>
+          </a:p>
+          <a:p>
+            <a:pPr lvl="0" eaLnBrk="0" fontAlgn="base" hangingPunct="0">
+              <a:spcBef>
+                <a:spcPct val="0"/>
+              </a:spcBef>
+              <a:spcAft>
+                <a:spcPct val="0"/>
+              </a:spcAft>
+            </a:pPr>
+            <a:r>
+              <a:rPr kumimoji="0" lang="ru-RU" altLang="ru-RU" sz="1400" b="0" i="0" u="none" strike="noStrike" cap="none" normalizeH="0" baseline="0" dirty="0" smtClean="0">
+                <a:ln>
+                  <a:noFill/>
+                </a:ln>
+                <a:solidFill>
+                  <a:srgbClr val="0000FF"/>
+                </a:solidFill>
+                <a:effectLst/>
+                <a:latin typeface="Consolas" panose="020B0609020204030204" pitchFamily="49" charset="0"/>
+              </a:rPr>
+              <a:t>&lt;/</a:t>
+            </a:r>
+            <a:r>
+              <a:rPr kumimoji="0" lang="ru-RU" altLang="ru-RU" sz="1400" b="0" i="0" u="none" strike="noStrike" cap="none" normalizeH="0" baseline="0" dirty="0" err="1" smtClean="0">
+                <a:ln>
+                  <a:noFill/>
+                </a:ln>
+                <a:solidFill>
+                  <a:srgbClr val="A31515"/>
+                </a:solidFill>
+                <a:effectLst/>
+                <a:latin typeface="Consolas" panose="020B0609020204030204" pitchFamily="49" charset="0"/>
+              </a:rPr>
+              <a:t>Component</a:t>
+            </a:r>
+            <a:r>
+              <a:rPr kumimoji="0" lang="ru-RU" altLang="ru-RU" sz="1400" b="0" i="0" u="none" strike="noStrike" cap="none" normalizeH="0" baseline="0" dirty="0" smtClean="0">
+                <a:ln>
+                  <a:noFill/>
+                </a:ln>
+                <a:solidFill>
+                  <a:srgbClr val="0000FF"/>
+                </a:solidFill>
+                <a:effectLst/>
+                <a:latin typeface="Consolas" panose="020B0609020204030204" pitchFamily="49" charset="0"/>
+              </a:rPr>
+              <a:t>&gt;</a:t>
+            </a:r>
+            <a:endParaRPr kumimoji="0" lang="ru-RU" altLang="ru-RU" sz="1400" b="0" i="0" u="none" strike="noStrike" cap="none" normalizeH="0" baseline="0" dirty="0" smtClean="0">
+              <a:ln>
+                <a:noFill/>
+              </a:ln>
+              <a:solidFill>
+                <a:schemeClr val="tx1"/>
+              </a:solidFill>
+              <a:effectLst/>
+              <a:latin typeface="Arial" panose="020B0604020202020204" pitchFamily="34" charset="0"/>
+            </a:endParaRPr>
+          </a:p>
+        </p:txBody>
+      </p:sp>
+    </p:spTree>
+    <p:extLst>
+      <p:ext uri="{BB962C8B-B14F-4D97-AF65-F5344CB8AC3E}">
+        <p14:creationId xmlns:p14="http://schemas.microsoft.com/office/powerpoint/2010/main" val="2389895998"/>
+      </p:ext>
+    </p:extLst>
+  </p:cSld>
+  <p:clrMapOvr>
+    <a:masterClrMapping/>
+  </p:clrMapOvr>
+  <p:timing>
+    <p:tnLst>
+      <p:par>
+        <p:cTn id="1" dur="indefinite" restart="never" nodeType="tmRoot">
+          <p:childTnLst>
+            <p:seq concurrent="1" nextAc="seek">
+              <p:cTn id="2" dur="indefinite" nodeType="mainSeq">
+                <p:childTnLst>
+                  <p:par>
+                    <p:cTn id="3" fill="hold">
+                      <p:stCondLst>
+                        <p:cond delay="indefinite"/>
+                      </p:stCondLst>
+                      <p:childTnLst>
+                        <p:par>
+                          <p:cTn id="4" fill="hold">
+                            <p:stCondLst>
+                              <p:cond delay="0"/>
+                            </p:stCondLst>
+                            <p:childTnLst>
+                              <p:par>
+                                <p:cTn id="5" presetID="1" presetClass="entr" presetSubtype="0" fill="hold" nodeType="clickEffect">
+                                  <p:stCondLst>
+                                    <p:cond delay="0"/>
+                                  </p:stCondLst>
+                                  <p:childTnLst>
+                                    <p:set>
+                                      <p:cBhvr>
+                                        <p:cTn id="6" dur="1" fill="hold">
+                                          <p:stCondLst>
+                                            <p:cond delay="0"/>
+                                          </p:stCondLst>
+                                        </p:cTn>
+                                        <p:tgtEl>
+                                          <p:spTgt spid="7">
+                                            <p:txEl>
+                                              <p:pRg st="0" end="0"/>
+                                            </p:txEl>
+                                          </p:spTgt>
+                                        </p:tgtEl>
+                                        <p:attrNameLst>
+                                          <p:attrName>style.visibility</p:attrName>
+                                        </p:attrNameLst>
+                                      </p:cBhvr>
+                                      <p:to>
+                                        <p:strVal val="visible"/>
+                                      </p:to>
+                                    </p:set>
+                                  </p:childTnLst>
+                                </p:cTn>
+                              </p:par>
+                            </p:childTnLst>
+                          </p:cTn>
+                        </p:par>
+                      </p:childTnLst>
+                    </p:cTn>
+                  </p:par>
+                  <p:par>
+                    <p:cTn id="7" fill="hold">
+                      <p:stCondLst>
+                        <p:cond delay="indefinite"/>
+                      </p:stCondLst>
+                      <p:childTnLst>
+                        <p:par>
+                          <p:cTn id="8" fill="hold">
+                            <p:stCondLst>
+                              <p:cond delay="0"/>
+                            </p:stCondLst>
+                            <p:childTnLst>
+                              <p:par>
+                                <p:cTn id="9" presetID="1" presetClass="entr" presetSubtype="0" fill="hold" nodeType="clickEffect">
+                                  <p:stCondLst>
+                                    <p:cond delay="0"/>
+                                  </p:stCondLst>
+                                  <p:childTnLst>
+                                    <p:set>
+                                      <p:cBhvr>
+                                        <p:cTn id="10" dur="1" fill="hold">
+                                          <p:stCondLst>
+                                            <p:cond delay="0"/>
+                                          </p:stCondLst>
+                                        </p:cTn>
+                                        <p:tgtEl>
+                                          <p:spTgt spid="7">
+                                            <p:txEl>
+                                              <p:pRg st="1" end="1"/>
                                             </p:txEl>
                                           </p:spTgt>
                                         </p:tgtEl>
